--- a/deliverables/project_overview.pptx
+++ b/deliverables/project_overview.pptx
@@ -5,7 +5,7 @@
     <p:sldMasterId id="2147483648" r:id="rId1"/>
   </p:sldMasterIdLst>
   <p:notesMasterIdLst>
-    <p:notesMasterId r:id="rId11"/>
+    <p:notesMasterId r:id="rId13"/>
   </p:notesMasterIdLst>
   <p:sldIdLst>
     <p:sldId id="256" r:id="rId2"/>
@@ -15,8 +15,10 @@
     <p:sldId id="260" r:id="rId6"/>
     <p:sldId id="261" r:id="rId7"/>
     <p:sldId id="263" r:id="rId8"/>
-    <p:sldId id="264" r:id="rId9"/>
-    <p:sldId id="265" r:id="rId10"/>
+    <p:sldId id="267" r:id="rId9"/>
+    <p:sldId id="268" r:id="rId10"/>
+    <p:sldId id="264" r:id="rId11"/>
+    <p:sldId id="265" r:id="rId12"/>
   </p:sldIdLst>
   <p:sldSz cx="12192000" cy="6858000"/>
   <p:notesSz cx="6858000" cy="9144000"/>
@@ -123,6 +125,3756 @@
 </p:presentation>
 </file>
 
+<file path=ppt/diagrams/colors1.xml><?xml version="1.0" encoding="utf-8"?>
+<dgm:colorsDef xmlns:dgm="http://schemas.openxmlformats.org/drawingml/2006/diagram" xmlns:a="http://schemas.openxmlformats.org/drawingml/2006/main" uniqueId="urn:microsoft.com/office/officeart/2005/8/colors/accent1_2">
+  <dgm:title val=""/>
+  <dgm:desc val=""/>
+  <dgm:catLst>
+    <dgm:cat type="accent1" pri="11200"/>
+  </dgm:catLst>
+  <dgm:styleLbl name="node0">
+    <dgm:fillClrLst meth="repeat">
+      <a:schemeClr val="accent1"/>
+    </dgm:fillClrLst>
+    <dgm:linClrLst meth="repeat">
+      <a:schemeClr val="lt1"/>
+    </dgm:linClrLst>
+    <dgm:effectClrLst/>
+    <dgm:txLinClrLst/>
+    <dgm:txFillClrLst/>
+    <dgm:txEffectClrLst/>
+  </dgm:styleLbl>
+  <dgm:styleLbl name="alignNode1">
+    <dgm:fillClrLst meth="repeat">
+      <a:schemeClr val="accent1"/>
+    </dgm:fillClrLst>
+    <dgm:linClrLst meth="repeat">
+      <a:schemeClr val="accent1"/>
+    </dgm:linClrLst>
+    <dgm:effectClrLst/>
+    <dgm:txLinClrLst/>
+    <dgm:txFillClrLst/>
+    <dgm:txEffectClrLst/>
+  </dgm:styleLbl>
+  <dgm:styleLbl name="node1">
+    <dgm:fillClrLst meth="repeat">
+      <a:schemeClr val="accent1"/>
+    </dgm:fillClrLst>
+    <dgm:linClrLst meth="repeat">
+      <a:schemeClr val="lt1"/>
+    </dgm:linClrLst>
+    <dgm:effectClrLst/>
+    <dgm:txLinClrLst/>
+    <dgm:txFillClrLst/>
+    <dgm:txEffectClrLst/>
+  </dgm:styleLbl>
+  <dgm:styleLbl name="lnNode1">
+    <dgm:fillClrLst meth="repeat">
+      <a:schemeClr val="accent1"/>
+    </dgm:fillClrLst>
+    <dgm:linClrLst meth="repeat">
+      <a:schemeClr val="lt1"/>
+    </dgm:linClrLst>
+    <dgm:effectClrLst/>
+    <dgm:txLinClrLst/>
+    <dgm:txFillClrLst/>
+    <dgm:txEffectClrLst/>
+  </dgm:styleLbl>
+  <dgm:styleLbl name="vennNode1">
+    <dgm:fillClrLst meth="repeat">
+      <a:schemeClr val="accent1">
+        <a:alpha val="50000"/>
+      </a:schemeClr>
+    </dgm:fillClrLst>
+    <dgm:linClrLst meth="repeat">
+      <a:schemeClr val="lt1"/>
+    </dgm:linClrLst>
+    <dgm:effectClrLst/>
+    <dgm:txLinClrLst/>
+    <dgm:txFillClrLst/>
+    <dgm:txEffectClrLst/>
+  </dgm:styleLbl>
+  <dgm:styleLbl name="node2">
+    <dgm:fillClrLst meth="repeat">
+      <a:schemeClr val="accent1"/>
+    </dgm:fillClrLst>
+    <dgm:linClrLst meth="repeat">
+      <a:schemeClr val="lt1"/>
+    </dgm:linClrLst>
+    <dgm:effectClrLst/>
+    <dgm:txLinClrLst/>
+    <dgm:txFillClrLst/>
+    <dgm:txEffectClrLst/>
+  </dgm:styleLbl>
+  <dgm:styleLbl name="node3">
+    <dgm:fillClrLst meth="repeat">
+      <a:schemeClr val="accent1"/>
+    </dgm:fillClrLst>
+    <dgm:linClrLst meth="repeat">
+      <a:schemeClr val="lt1"/>
+    </dgm:linClrLst>
+    <dgm:effectClrLst/>
+    <dgm:txLinClrLst/>
+    <dgm:txFillClrLst/>
+    <dgm:txEffectClrLst/>
+  </dgm:styleLbl>
+  <dgm:styleLbl name="node4">
+    <dgm:fillClrLst meth="repeat">
+      <a:schemeClr val="accent1"/>
+    </dgm:fillClrLst>
+    <dgm:linClrLst meth="repeat">
+      <a:schemeClr val="lt1"/>
+    </dgm:linClrLst>
+    <dgm:effectClrLst/>
+    <dgm:txLinClrLst/>
+    <dgm:txFillClrLst/>
+    <dgm:txEffectClrLst/>
+  </dgm:styleLbl>
+  <dgm:styleLbl name="fgImgPlace1">
+    <dgm:fillClrLst meth="repeat">
+      <a:schemeClr val="accent1">
+        <a:tint val="50000"/>
+      </a:schemeClr>
+    </dgm:fillClrLst>
+    <dgm:linClrLst meth="repeat">
+      <a:schemeClr val="lt1"/>
+    </dgm:linClrLst>
+    <dgm:effectClrLst/>
+    <dgm:txLinClrLst/>
+    <dgm:txFillClrLst meth="repeat">
+      <a:schemeClr val="lt1"/>
+    </dgm:txFillClrLst>
+    <dgm:txEffectClrLst/>
+  </dgm:styleLbl>
+  <dgm:styleLbl name="alignImgPlace1">
+    <dgm:fillClrLst meth="repeat">
+      <a:schemeClr val="accent1">
+        <a:tint val="50000"/>
+      </a:schemeClr>
+    </dgm:fillClrLst>
+    <dgm:linClrLst meth="repeat">
+      <a:schemeClr val="lt1"/>
+    </dgm:linClrLst>
+    <dgm:effectClrLst/>
+    <dgm:txLinClrLst/>
+    <dgm:txFillClrLst meth="repeat">
+      <a:schemeClr val="lt1"/>
+    </dgm:txFillClrLst>
+    <dgm:txEffectClrLst/>
+  </dgm:styleLbl>
+  <dgm:styleLbl name="bgImgPlace1">
+    <dgm:fillClrLst meth="repeat">
+      <a:schemeClr val="accent1">
+        <a:tint val="50000"/>
+      </a:schemeClr>
+    </dgm:fillClrLst>
+    <dgm:linClrLst meth="repeat">
+      <a:schemeClr val="lt1"/>
+    </dgm:linClrLst>
+    <dgm:effectClrLst/>
+    <dgm:txLinClrLst/>
+    <dgm:txFillClrLst meth="repeat">
+      <a:schemeClr val="lt1"/>
+    </dgm:txFillClrLst>
+    <dgm:txEffectClrLst/>
+  </dgm:styleLbl>
+  <dgm:styleLbl name="sibTrans2D1">
+    <dgm:fillClrLst meth="repeat">
+      <a:schemeClr val="accent1">
+        <a:tint val="60000"/>
+      </a:schemeClr>
+    </dgm:fillClrLst>
+    <dgm:linClrLst meth="repeat">
+      <a:schemeClr val="accent1">
+        <a:tint val="60000"/>
+      </a:schemeClr>
+    </dgm:linClrLst>
+    <dgm:effectClrLst/>
+    <dgm:txLinClrLst/>
+    <dgm:txFillClrLst/>
+    <dgm:txEffectClrLst/>
+  </dgm:styleLbl>
+  <dgm:styleLbl name="fgSibTrans2D1">
+    <dgm:fillClrLst meth="repeat">
+      <a:schemeClr val="accent1">
+        <a:tint val="60000"/>
+      </a:schemeClr>
+    </dgm:fillClrLst>
+    <dgm:linClrLst meth="repeat">
+      <a:schemeClr val="accent1">
+        <a:tint val="60000"/>
+      </a:schemeClr>
+    </dgm:linClrLst>
+    <dgm:effectClrLst/>
+    <dgm:txLinClrLst/>
+    <dgm:txFillClrLst/>
+    <dgm:txEffectClrLst/>
+  </dgm:styleLbl>
+  <dgm:styleLbl name="bgSibTrans2D1">
+    <dgm:fillClrLst meth="repeat">
+      <a:schemeClr val="accent1">
+        <a:tint val="60000"/>
+      </a:schemeClr>
+    </dgm:fillClrLst>
+    <dgm:linClrLst meth="repeat">
+      <a:schemeClr val="accent1">
+        <a:tint val="60000"/>
+      </a:schemeClr>
+    </dgm:linClrLst>
+    <dgm:effectClrLst/>
+    <dgm:txLinClrLst/>
+    <dgm:txFillClrLst/>
+    <dgm:txEffectClrLst/>
+  </dgm:styleLbl>
+  <dgm:styleLbl name="sibTrans1D1">
+    <dgm:fillClrLst meth="repeat">
+      <a:schemeClr val="accent1"/>
+    </dgm:fillClrLst>
+    <dgm:linClrLst meth="repeat">
+      <a:schemeClr val="accent1"/>
+    </dgm:linClrLst>
+    <dgm:effectClrLst/>
+    <dgm:txLinClrLst/>
+    <dgm:txFillClrLst meth="repeat">
+      <a:schemeClr val="tx1"/>
+    </dgm:txFillClrLst>
+    <dgm:txEffectClrLst/>
+  </dgm:styleLbl>
+  <dgm:styleLbl name="callout">
+    <dgm:fillClrLst meth="repeat">
+      <a:schemeClr val="accent1"/>
+    </dgm:fillClrLst>
+    <dgm:linClrLst meth="repeat">
+      <a:schemeClr val="accent1">
+        <a:tint val="50000"/>
+      </a:schemeClr>
+    </dgm:linClrLst>
+    <dgm:effectClrLst/>
+    <dgm:txLinClrLst/>
+    <dgm:txFillClrLst meth="repeat">
+      <a:schemeClr val="tx1"/>
+    </dgm:txFillClrLst>
+    <dgm:txEffectClrLst/>
+  </dgm:styleLbl>
+  <dgm:styleLbl name="asst0">
+    <dgm:fillClrLst meth="repeat">
+      <a:schemeClr val="accent1"/>
+    </dgm:fillClrLst>
+    <dgm:linClrLst meth="repeat">
+      <a:schemeClr val="lt1"/>
+    </dgm:linClrLst>
+    <dgm:effectClrLst/>
+    <dgm:txLinClrLst/>
+    <dgm:txFillClrLst/>
+    <dgm:txEffectClrLst/>
+  </dgm:styleLbl>
+  <dgm:styleLbl name="asst1">
+    <dgm:fillClrLst meth="repeat">
+      <a:schemeClr val="accent1"/>
+    </dgm:fillClrLst>
+    <dgm:linClrLst meth="repeat">
+      <a:schemeClr val="lt1"/>
+    </dgm:linClrLst>
+    <dgm:effectClrLst/>
+    <dgm:txLinClrLst/>
+    <dgm:txFillClrLst/>
+    <dgm:txEffectClrLst/>
+  </dgm:styleLbl>
+  <dgm:styleLbl name="asst2">
+    <dgm:fillClrLst meth="repeat">
+      <a:schemeClr val="accent1"/>
+    </dgm:fillClrLst>
+    <dgm:linClrLst meth="repeat">
+      <a:schemeClr val="lt1"/>
+    </dgm:linClrLst>
+    <dgm:effectClrLst/>
+    <dgm:txLinClrLst/>
+    <dgm:txFillClrLst/>
+    <dgm:txEffectClrLst/>
+  </dgm:styleLbl>
+  <dgm:styleLbl name="asst3">
+    <dgm:fillClrLst meth="repeat">
+      <a:schemeClr val="accent1"/>
+    </dgm:fillClrLst>
+    <dgm:linClrLst meth="repeat">
+      <a:schemeClr val="lt1"/>
+    </dgm:linClrLst>
+    <dgm:effectClrLst/>
+    <dgm:txLinClrLst/>
+    <dgm:txFillClrLst/>
+    <dgm:txEffectClrLst/>
+  </dgm:styleLbl>
+  <dgm:styleLbl name="asst4">
+    <dgm:fillClrLst meth="repeat">
+      <a:schemeClr val="accent1"/>
+    </dgm:fillClrLst>
+    <dgm:linClrLst meth="repeat">
+      <a:schemeClr val="lt1"/>
+    </dgm:linClrLst>
+    <dgm:effectClrLst/>
+    <dgm:txLinClrLst/>
+    <dgm:txFillClrLst/>
+    <dgm:txEffectClrLst/>
+  </dgm:styleLbl>
+  <dgm:styleLbl name="parChTrans2D1">
+    <dgm:fillClrLst meth="repeat">
+      <a:schemeClr val="accent1">
+        <a:tint val="60000"/>
+      </a:schemeClr>
+    </dgm:fillClrLst>
+    <dgm:linClrLst meth="repeat">
+      <a:schemeClr val="accent1">
+        <a:tint val="60000"/>
+      </a:schemeClr>
+    </dgm:linClrLst>
+    <dgm:effectClrLst/>
+    <dgm:txLinClrLst/>
+    <dgm:txFillClrLst meth="repeat">
+      <a:schemeClr val="lt1"/>
+    </dgm:txFillClrLst>
+    <dgm:txEffectClrLst/>
+  </dgm:styleLbl>
+  <dgm:styleLbl name="parChTrans2D2">
+    <dgm:fillClrLst meth="repeat">
+      <a:schemeClr val="accent1"/>
+    </dgm:fillClrLst>
+    <dgm:linClrLst meth="repeat">
+      <a:schemeClr val="accent1"/>
+    </dgm:linClrLst>
+    <dgm:effectClrLst/>
+    <dgm:txLinClrLst/>
+    <dgm:txFillClrLst meth="repeat">
+      <a:schemeClr val="lt1"/>
+    </dgm:txFillClrLst>
+    <dgm:txEffectClrLst/>
+  </dgm:styleLbl>
+  <dgm:styleLbl name="parChTrans2D3">
+    <dgm:fillClrLst meth="repeat">
+      <a:schemeClr val="accent1"/>
+    </dgm:fillClrLst>
+    <dgm:linClrLst meth="repeat">
+      <a:schemeClr val="accent1"/>
+    </dgm:linClrLst>
+    <dgm:effectClrLst/>
+    <dgm:txLinClrLst/>
+    <dgm:txFillClrLst meth="repeat">
+      <a:schemeClr val="lt1"/>
+    </dgm:txFillClrLst>
+    <dgm:txEffectClrLst/>
+  </dgm:styleLbl>
+  <dgm:styleLbl name="parChTrans2D4">
+    <dgm:fillClrLst meth="repeat">
+      <a:schemeClr val="accent1"/>
+    </dgm:fillClrLst>
+    <dgm:linClrLst meth="repeat">
+      <a:schemeClr val="accent1"/>
+    </dgm:linClrLst>
+    <dgm:effectClrLst/>
+    <dgm:txLinClrLst/>
+    <dgm:txFillClrLst meth="repeat">
+      <a:schemeClr val="lt1"/>
+    </dgm:txFillClrLst>
+    <dgm:txEffectClrLst/>
+  </dgm:styleLbl>
+  <dgm:styleLbl name="parChTrans1D1">
+    <dgm:fillClrLst meth="repeat">
+      <a:schemeClr val="accent1"/>
+    </dgm:fillClrLst>
+    <dgm:linClrLst meth="repeat">
+      <a:schemeClr val="accent1">
+        <a:shade val="60000"/>
+      </a:schemeClr>
+    </dgm:linClrLst>
+    <dgm:effectClrLst/>
+    <dgm:txLinClrLst/>
+    <dgm:txFillClrLst meth="repeat">
+      <a:schemeClr val="tx1"/>
+    </dgm:txFillClrLst>
+    <dgm:txEffectClrLst/>
+  </dgm:styleLbl>
+  <dgm:styleLbl name="parChTrans1D2">
+    <dgm:fillClrLst meth="repeat">
+      <a:schemeClr val="accent1"/>
+    </dgm:fillClrLst>
+    <dgm:linClrLst meth="repeat">
+      <a:schemeClr val="accent1">
+        <a:shade val="60000"/>
+      </a:schemeClr>
+    </dgm:linClrLst>
+    <dgm:effectClrLst/>
+    <dgm:txLinClrLst/>
+    <dgm:txFillClrLst meth="repeat">
+      <a:schemeClr val="tx1"/>
+    </dgm:txFillClrLst>
+    <dgm:txEffectClrLst/>
+  </dgm:styleLbl>
+  <dgm:styleLbl name="parChTrans1D3">
+    <dgm:fillClrLst meth="repeat">
+      <a:schemeClr val="accent1"/>
+    </dgm:fillClrLst>
+    <dgm:linClrLst meth="repeat">
+      <a:schemeClr val="accent1">
+        <a:shade val="80000"/>
+      </a:schemeClr>
+    </dgm:linClrLst>
+    <dgm:effectClrLst/>
+    <dgm:txLinClrLst/>
+    <dgm:txFillClrLst meth="repeat">
+      <a:schemeClr val="tx1"/>
+    </dgm:txFillClrLst>
+    <dgm:txEffectClrLst/>
+  </dgm:styleLbl>
+  <dgm:styleLbl name="parChTrans1D4">
+    <dgm:fillClrLst meth="repeat">
+      <a:schemeClr val="accent1"/>
+    </dgm:fillClrLst>
+    <dgm:linClrLst meth="repeat">
+      <a:schemeClr val="accent1">
+        <a:shade val="80000"/>
+      </a:schemeClr>
+    </dgm:linClrLst>
+    <dgm:effectClrLst/>
+    <dgm:txLinClrLst/>
+    <dgm:txFillClrLst meth="repeat">
+      <a:schemeClr val="tx1"/>
+    </dgm:txFillClrLst>
+    <dgm:txEffectClrLst/>
+  </dgm:styleLbl>
+  <dgm:styleLbl name="fgAcc1">
+    <dgm:fillClrLst meth="repeat">
+      <a:schemeClr val="lt1">
+        <a:alpha val="90000"/>
+      </a:schemeClr>
+    </dgm:fillClrLst>
+    <dgm:linClrLst meth="repeat">
+      <a:schemeClr val="accent1"/>
+    </dgm:linClrLst>
+    <dgm:effectClrLst/>
+    <dgm:txLinClrLst/>
+    <dgm:txFillClrLst meth="repeat">
+      <a:schemeClr val="dk1"/>
+    </dgm:txFillClrLst>
+    <dgm:txEffectClrLst/>
+  </dgm:styleLbl>
+  <dgm:styleLbl name="conFgAcc1">
+    <dgm:fillClrLst meth="repeat">
+      <a:schemeClr val="lt1">
+        <a:alpha val="90000"/>
+      </a:schemeClr>
+    </dgm:fillClrLst>
+    <dgm:linClrLst meth="repeat">
+      <a:schemeClr val="accent1"/>
+    </dgm:linClrLst>
+    <dgm:effectClrLst/>
+    <dgm:txLinClrLst/>
+    <dgm:txFillClrLst meth="repeat">
+      <a:schemeClr val="dk1"/>
+    </dgm:txFillClrLst>
+    <dgm:txEffectClrLst/>
+  </dgm:styleLbl>
+  <dgm:styleLbl name="alignAcc1">
+    <dgm:fillClrLst meth="repeat">
+      <a:schemeClr val="lt1">
+        <a:alpha val="90000"/>
+      </a:schemeClr>
+    </dgm:fillClrLst>
+    <dgm:linClrLst meth="repeat">
+      <a:schemeClr val="accent1"/>
+    </dgm:linClrLst>
+    <dgm:effectClrLst/>
+    <dgm:txLinClrLst/>
+    <dgm:txFillClrLst meth="repeat">
+      <a:schemeClr val="dk1"/>
+    </dgm:txFillClrLst>
+    <dgm:txEffectClrLst/>
+  </dgm:styleLbl>
+  <dgm:styleLbl name="trAlignAcc1">
+    <dgm:fillClrLst meth="repeat">
+      <a:schemeClr val="lt1">
+        <a:alpha val="40000"/>
+      </a:schemeClr>
+    </dgm:fillClrLst>
+    <dgm:linClrLst meth="repeat">
+      <a:schemeClr val="accent1"/>
+    </dgm:linClrLst>
+    <dgm:effectClrLst/>
+    <dgm:txLinClrLst/>
+    <dgm:txFillClrLst meth="repeat">
+      <a:schemeClr val="dk1"/>
+    </dgm:txFillClrLst>
+    <dgm:txEffectClrLst/>
+  </dgm:styleLbl>
+  <dgm:styleLbl name="bgAcc1">
+    <dgm:fillClrLst meth="repeat">
+      <a:schemeClr val="lt1">
+        <a:alpha val="90000"/>
+      </a:schemeClr>
+    </dgm:fillClrLst>
+    <dgm:linClrLst meth="repeat">
+      <a:schemeClr val="accent1"/>
+    </dgm:linClrLst>
+    <dgm:effectClrLst/>
+    <dgm:txLinClrLst/>
+    <dgm:txFillClrLst meth="repeat">
+      <a:schemeClr val="dk1"/>
+    </dgm:txFillClrLst>
+    <dgm:txEffectClrLst/>
+  </dgm:styleLbl>
+  <dgm:styleLbl name="solidFgAcc1">
+    <dgm:fillClrLst meth="repeat">
+      <a:schemeClr val="lt1"/>
+    </dgm:fillClrLst>
+    <dgm:linClrLst meth="repeat">
+      <a:schemeClr val="accent1"/>
+    </dgm:linClrLst>
+    <dgm:effectClrLst/>
+    <dgm:txLinClrLst/>
+    <dgm:txFillClrLst meth="repeat">
+      <a:schemeClr val="dk1"/>
+    </dgm:txFillClrLst>
+    <dgm:txEffectClrLst/>
+  </dgm:styleLbl>
+  <dgm:styleLbl name="solidAlignAcc1">
+    <dgm:fillClrLst meth="repeat">
+      <a:schemeClr val="lt1"/>
+    </dgm:fillClrLst>
+    <dgm:linClrLst meth="repeat">
+      <a:schemeClr val="accent1"/>
+    </dgm:linClrLst>
+    <dgm:effectClrLst/>
+    <dgm:txLinClrLst/>
+    <dgm:txFillClrLst meth="repeat">
+      <a:schemeClr val="dk1"/>
+    </dgm:txFillClrLst>
+    <dgm:txEffectClrLst/>
+  </dgm:styleLbl>
+  <dgm:styleLbl name="solidBgAcc1">
+    <dgm:fillClrLst meth="repeat">
+      <a:schemeClr val="lt1"/>
+    </dgm:fillClrLst>
+    <dgm:linClrLst meth="repeat">
+      <a:schemeClr val="accent1"/>
+    </dgm:linClrLst>
+    <dgm:effectClrLst/>
+    <dgm:txLinClrLst/>
+    <dgm:txFillClrLst meth="repeat">
+      <a:schemeClr val="dk1"/>
+    </dgm:txFillClrLst>
+    <dgm:txEffectClrLst/>
+  </dgm:styleLbl>
+  <dgm:styleLbl name="fgAccFollowNode1">
+    <dgm:fillClrLst meth="repeat">
+      <a:schemeClr val="accent1">
+        <a:alpha val="90000"/>
+        <a:tint val="40000"/>
+      </a:schemeClr>
+    </dgm:fillClrLst>
+    <dgm:linClrLst meth="repeat">
+      <a:schemeClr val="accent1">
+        <a:alpha val="90000"/>
+        <a:tint val="40000"/>
+      </a:schemeClr>
+    </dgm:linClrLst>
+    <dgm:effectClrLst/>
+    <dgm:txLinClrLst/>
+    <dgm:txFillClrLst meth="repeat">
+      <a:schemeClr val="dk1"/>
+    </dgm:txFillClrLst>
+    <dgm:txEffectClrLst/>
+  </dgm:styleLbl>
+  <dgm:styleLbl name="alignAccFollowNode1">
+    <dgm:fillClrLst meth="repeat">
+      <a:schemeClr val="accent1">
+        <a:alpha val="90000"/>
+        <a:tint val="40000"/>
+      </a:schemeClr>
+    </dgm:fillClrLst>
+    <dgm:linClrLst meth="repeat">
+      <a:schemeClr val="accent1">
+        <a:alpha val="90000"/>
+        <a:tint val="40000"/>
+      </a:schemeClr>
+    </dgm:linClrLst>
+    <dgm:effectClrLst/>
+    <dgm:txLinClrLst/>
+    <dgm:txFillClrLst meth="repeat">
+      <a:schemeClr val="dk1"/>
+    </dgm:txFillClrLst>
+    <dgm:txEffectClrLst/>
+  </dgm:styleLbl>
+  <dgm:styleLbl name="bgAccFollowNode1">
+    <dgm:fillClrLst meth="repeat">
+      <a:schemeClr val="accent1">
+        <a:alpha val="90000"/>
+        <a:tint val="40000"/>
+      </a:schemeClr>
+    </dgm:fillClrLst>
+    <dgm:linClrLst meth="repeat">
+      <a:schemeClr val="accent1">
+        <a:alpha val="90000"/>
+        <a:tint val="40000"/>
+      </a:schemeClr>
+    </dgm:linClrLst>
+    <dgm:effectClrLst/>
+    <dgm:txLinClrLst/>
+    <dgm:txFillClrLst meth="repeat">
+      <a:schemeClr val="dk1"/>
+    </dgm:txFillClrLst>
+    <dgm:txEffectClrLst/>
+  </dgm:styleLbl>
+  <dgm:styleLbl name="fgAcc0">
+    <dgm:fillClrLst meth="repeat">
+      <a:schemeClr val="lt1">
+        <a:alpha val="90000"/>
+      </a:schemeClr>
+    </dgm:fillClrLst>
+    <dgm:linClrLst meth="repeat">
+      <a:schemeClr val="accent1"/>
+    </dgm:linClrLst>
+    <dgm:effectClrLst/>
+    <dgm:txLinClrLst/>
+    <dgm:txFillClrLst meth="repeat">
+      <a:schemeClr val="dk1"/>
+    </dgm:txFillClrLst>
+    <dgm:txEffectClrLst/>
+  </dgm:styleLbl>
+  <dgm:styleLbl name="fgAcc2">
+    <dgm:fillClrLst meth="repeat">
+      <a:schemeClr val="lt1">
+        <a:alpha val="90000"/>
+      </a:schemeClr>
+    </dgm:fillClrLst>
+    <dgm:linClrLst meth="repeat">
+      <a:schemeClr val="accent1"/>
+    </dgm:linClrLst>
+    <dgm:effectClrLst/>
+    <dgm:txLinClrLst/>
+    <dgm:txFillClrLst meth="repeat">
+      <a:schemeClr val="dk1"/>
+    </dgm:txFillClrLst>
+    <dgm:txEffectClrLst/>
+  </dgm:styleLbl>
+  <dgm:styleLbl name="fgAcc3">
+    <dgm:fillClrLst meth="repeat">
+      <a:schemeClr val="lt1">
+        <a:alpha val="90000"/>
+      </a:schemeClr>
+    </dgm:fillClrLst>
+    <dgm:linClrLst meth="repeat">
+      <a:schemeClr val="accent1"/>
+    </dgm:linClrLst>
+    <dgm:effectClrLst/>
+    <dgm:txLinClrLst/>
+    <dgm:txFillClrLst meth="repeat">
+      <a:schemeClr val="dk1"/>
+    </dgm:txFillClrLst>
+    <dgm:txEffectClrLst/>
+  </dgm:styleLbl>
+  <dgm:styleLbl name="fgAcc4">
+    <dgm:fillClrLst meth="repeat">
+      <a:schemeClr val="lt1">
+        <a:alpha val="90000"/>
+      </a:schemeClr>
+    </dgm:fillClrLst>
+    <dgm:linClrLst meth="repeat">
+      <a:schemeClr val="accent1"/>
+    </dgm:linClrLst>
+    <dgm:effectClrLst/>
+    <dgm:txLinClrLst/>
+    <dgm:txFillClrLst meth="repeat">
+      <a:schemeClr val="dk1"/>
+    </dgm:txFillClrLst>
+    <dgm:txEffectClrLst/>
+  </dgm:styleLbl>
+  <dgm:styleLbl name="bgShp">
+    <dgm:fillClrLst meth="repeat">
+      <a:schemeClr val="accent1">
+        <a:tint val="40000"/>
+      </a:schemeClr>
+    </dgm:fillClrLst>
+    <dgm:linClrLst meth="repeat">
+      <a:schemeClr val="accent1"/>
+    </dgm:linClrLst>
+    <dgm:effectClrLst/>
+    <dgm:txLinClrLst/>
+    <dgm:txFillClrLst meth="repeat">
+      <a:schemeClr val="dk1"/>
+    </dgm:txFillClrLst>
+    <dgm:txEffectClrLst/>
+  </dgm:styleLbl>
+  <dgm:styleLbl name="dkBgShp">
+    <dgm:fillClrLst meth="repeat">
+      <a:schemeClr val="accent1">
+        <a:shade val="80000"/>
+      </a:schemeClr>
+    </dgm:fillClrLst>
+    <dgm:linClrLst meth="repeat">
+      <a:schemeClr val="accent1"/>
+    </dgm:linClrLst>
+    <dgm:effectClrLst/>
+    <dgm:txLinClrLst/>
+    <dgm:txFillClrLst meth="repeat">
+      <a:schemeClr val="lt1"/>
+    </dgm:txFillClrLst>
+    <dgm:txEffectClrLst/>
+  </dgm:styleLbl>
+  <dgm:styleLbl name="trBgShp">
+    <dgm:fillClrLst meth="repeat">
+      <a:schemeClr val="accent1">
+        <a:tint val="50000"/>
+        <a:alpha val="40000"/>
+      </a:schemeClr>
+    </dgm:fillClrLst>
+    <dgm:linClrLst meth="repeat">
+      <a:schemeClr val="accent1"/>
+    </dgm:linClrLst>
+    <dgm:effectClrLst/>
+    <dgm:txLinClrLst/>
+    <dgm:txFillClrLst meth="repeat">
+      <a:schemeClr val="lt1"/>
+    </dgm:txFillClrLst>
+    <dgm:txEffectClrLst/>
+  </dgm:styleLbl>
+  <dgm:styleLbl name="fgShp">
+    <dgm:fillClrLst meth="repeat">
+      <a:schemeClr val="accent1">
+        <a:tint val="60000"/>
+      </a:schemeClr>
+    </dgm:fillClrLst>
+    <dgm:linClrLst meth="repeat">
+      <a:schemeClr val="lt1"/>
+    </dgm:linClrLst>
+    <dgm:effectClrLst/>
+    <dgm:txLinClrLst/>
+    <dgm:txFillClrLst meth="repeat">
+      <a:schemeClr val="dk1"/>
+    </dgm:txFillClrLst>
+    <dgm:txEffectClrLst/>
+  </dgm:styleLbl>
+  <dgm:styleLbl name="revTx">
+    <dgm:fillClrLst meth="repeat">
+      <a:schemeClr val="lt1">
+        <a:alpha val="0"/>
+      </a:schemeClr>
+    </dgm:fillClrLst>
+    <dgm:linClrLst meth="repeat">
+      <a:schemeClr val="dk1">
+        <a:alpha val="0"/>
+      </a:schemeClr>
+    </dgm:linClrLst>
+    <dgm:effectClrLst/>
+    <dgm:txLinClrLst/>
+    <dgm:txFillClrLst meth="repeat">
+      <a:schemeClr val="tx1"/>
+    </dgm:txFillClrLst>
+    <dgm:txEffectClrLst/>
+  </dgm:styleLbl>
+</dgm:colorsDef>
+</file>
+
+<file path=ppt/diagrams/data1.xml><?xml version="1.0" encoding="utf-8"?>
+<dgm:dataModel xmlns:dgm="http://schemas.openxmlformats.org/drawingml/2006/diagram" xmlns:a="http://schemas.openxmlformats.org/drawingml/2006/main">
+  <dgm:ptLst>
+    <dgm:pt modelId="{C96C5EFF-8474-C348-A9FC-BE02C8F0D8B8}" type="doc">
+      <dgm:prSet loTypeId="urn:microsoft.com/office/officeart/2005/8/layout/cycle5" loCatId="" qsTypeId="urn:microsoft.com/office/officeart/2005/8/quickstyle/simple1" qsCatId="simple" csTypeId="urn:microsoft.com/office/officeart/2005/8/colors/accent1_2" csCatId="accent1" phldr="1"/>
+      <dgm:spPr/>
+      <dgm:t>
+        <a:bodyPr/>
+        <a:lstStyle/>
+        <a:p>
+          <a:endParaRPr lang="en-US"/>
+        </a:p>
+      </dgm:t>
+    </dgm:pt>
+    <dgm:pt modelId="{4A62C49D-628B-FB40-950E-A52D5D78A37E}">
+      <dgm:prSet phldrT="[Text]"/>
+      <dgm:spPr/>
+      <dgm:t>
+        <a:bodyPr/>
+        <a:lstStyle/>
+        <a:p>
+          <a:r>
+            <a:rPr lang="en-US" dirty="0"/>
+            <a:t>1. Requirements Analysis and Communication</a:t>
+          </a:r>
+        </a:p>
+      </dgm:t>
+    </dgm:pt>
+    <dgm:pt modelId="{A3F4A6D9-A545-3843-A8F9-3463BC96CBC8}" type="parTrans" cxnId="{AB9AD473-6FA6-AD47-9894-F2CE3B4E9740}">
+      <dgm:prSet/>
+      <dgm:spPr/>
+      <dgm:t>
+        <a:bodyPr/>
+        <a:lstStyle/>
+        <a:p>
+          <a:endParaRPr lang="en-US"/>
+        </a:p>
+      </dgm:t>
+    </dgm:pt>
+    <dgm:pt modelId="{31F37942-41A1-9841-87AD-08549D329ABC}" type="sibTrans" cxnId="{AB9AD473-6FA6-AD47-9894-F2CE3B4E9740}">
+      <dgm:prSet/>
+      <dgm:spPr/>
+      <dgm:t>
+        <a:bodyPr/>
+        <a:lstStyle/>
+        <a:p>
+          <a:endParaRPr lang="en-US"/>
+        </a:p>
+      </dgm:t>
+    </dgm:pt>
+    <dgm:pt modelId="{69D9531E-10AD-6446-970D-3E0069F212F4}">
+      <dgm:prSet phldrT="[Text]"/>
+      <dgm:spPr/>
+      <dgm:t>
+        <a:bodyPr/>
+        <a:lstStyle/>
+        <a:p>
+          <a:r>
+            <a:rPr lang="en-US" dirty="0"/>
+            <a:t>2. System Planning</a:t>
+          </a:r>
+        </a:p>
+      </dgm:t>
+    </dgm:pt>
+    <dgm:pt modelId="{32ECA0CF-CA53-9544-87D7-A92B50D4D0E7}" type="parTrans" cxnId="{4B518B45-185A-1247-BFF9-FA0DC8367F2E}">
+      <dgm:prSet/>
+      <dgm:spPr/>
+      <dgm:t>
+        <a:bodyPr/>
+        <a:lstStyle/>
+        <a:p>
+          <a:endParaRPr lang="en-US"/>
+        </a:p>
+      </dgm:t>
+    </dgm:pt>
+    <dgm:pt modelId="{B3971B98-1474-B541-BA34-62B3208FA708}" type="sibTrans" cxnId="{4B518B45-185A-1247-BFF9-FA0DC8367F2E}">
+      <dgm:prSet/>
+      <dgm:spPr/>
+      <dgm:t>
+        <a:bodyPr/>
+        <a:lstStyle/>
+        <a:p>
+          <a:endParaRPr lang="en-US"/>
+        </a:p>
+      </dgm:t>
+    </dgm:pt>
+    <dgm:pt modelId="{0619CD02-5244-DA4E-973E-DA8A537863DA}">
+      <dgm:prSet phldrT="[Text]"/>
+      <dgm:spPr/>
+      <dgm:t>
+        <a:bodyPr/>
+        <a:lstStyle/>
+        <a:p>
+          <a:r>
+            <a:rPr lang="en-US" dirty="0"/>
+            <a:t>3. Coding</a:t>
+          </a:r>
+        </a:p>
+      </dgm:t>
+    </dgm:pt>
+    <dgm:pt modelId="{04F219E0-D754-9049-B67F-C6D67A613BEE}" type="parTrans" cxnId="{881754B4-770F-064A-8045-AFB787DF0C1D}">
+      <dgm:prSet/>
+      <dgm:spPr/>
+      <dgm:t>
+        <a:bodyPr/>
+        <a:lstStyle/>
+        <a:p>
+          <a:endParaRPr lang="en-US"/>
+        </a:p>
+      </dgm:t>
+    </dgm:pt>
+    <dgm:pt modelId="{837BFF43-C4A1-7343-9265-386FF1826B53}" type="sibTrans" cxnId="{881754B4-770F-064A-8045-AFB787DF0C1D}">
+      <dgm:prSet/>
+      <dgm:spPr/>
+      <dgm:t>
+        <a:bodyPr/>
+        <a:lstStyle/>
+        <a:p>
+          <a:endParaRPr lang="en-US"/>
+        </a:p>
+      </dgm:t>
+    </dgm:pt>
+    <dgm:pt modelId="{856503B3-6BEC-8A4E-AEEE-A2AECE44323A}">
+      <dgm:prSet phldrT="[Text]"/>
+      <dgm:spPr/>
+      <dgm:t>
+        <a:bodyPr/>
+        <a:lstStyle/>
+        <a:p>
+          <a:r>
+            <a:rPr lang="en-US" dirty="0"/>
+            <a:t>4. Building Containers</a:t>
+          </a:r>
+        </a:p>
+      </dgm:t>
+    </dgm:pt>
+    <dgm:pt modelId="{4AC50D1C-0270-F446-B43F-45E1492CED2C}" type="parTrans" cxnId="{002DF777-2F0E-AD4F-82AA-74E27F6FB068}">
+      <dgm:prSet/>
+      <dgm:spPr/>
+      <dgm:t>
+        <a:bodyPr/>
+        <a:lstStyle/>
+        <a:p>
+          <a:endParaRPr lang="en-US"/>
+        </a:p>
+      </dgm:t>
+    </dgm:pt>
+    <dgm:pt modelId="{EFA4504C-9D17-8340-A254-1EC7E2B3DC4E}" type="sibTrans" cxnId="{002DF777-2F0E-AD4F-82AA-74E27F6FB068}">
+      <dgm:prSet/>
+      <dgm:spPr/>
+      <dgm:t>
+        <a:bodyPr/>
+        <a:lstStyle/>
+        <a:p>
+          <a:endParaRPr lang="en-US"/>
+        </a:p>
+      </dgm:t>
+    </dgm:pt>
+    <dgm:pt modelId="{C694EEF8-A8CD-BF44-BEA2-0B38ABA6F3F1}">
+      <dgm:prSet phldrT="[Text]"/>
+      <dgm:spPr/>
+      <dgm:t>
+        <a:bodyPr/>
+        <a:lstStyle/>
+        <a:p>
+          <a:r>
+            <a:rPr lang="en-US" dirty="0"/>
+            <a:t>5. Testing Containers</a:t>
+          </a:r>
+        </a:p>
+      </dgm:t>
+    </dgm:pt>
+    <dgm:pt modelId="{C0FFFB01-6DDC-D948-8EE0-202831E41534}" type="parTrans" cxnId="{58D7FEF9-CB62-1B47-BCFA-78171CECB2E2}">
+      <dgm:prSet/>
+      <dgm:spPr/>
+      <dgm:t>
+        <a:bodyPr/>
+        <a:lstStyle/>
+        <a:p>
+          <a:endParaRPr lang="en-US"/>
+        </a:p>
+      </dgm:t>
+    </dgm:pt>
+    <dgm:pt modelId="{6D58FEF5-FD12-0F48-BBED-F7A3F8C94C46}" type="sibTrans" cxnId="{58D7FEF9-CB62-1B47-BCFA-78171CECB2E2}">
+      <dgm:prSet/>
+      <dgm:spPr/>
+      <dgm:t>
+        <a:bodyPr/>
+        <a:lstStyle/>
+        <a:p>
+          <a:endParaRPr lang="en-US"/>
+        </a:p>
+      </dgm:t>
+    </dgm:pt>
+    <dgm:pt modelId="{350FE11D-F401-F344-BE1E-8E45B4E31FE1}">
+      <dgm:prSet/>
+      <dgm:spPr/>
+      <dgm:t>
+        <a:bodyPr/>
+        <a:lstStyle/>
+        <a:p>
+          <a:r>
+            <a:rPr lang="en-US" dirty="0"/>
+            <a:t>6. Building Singularity Scripts</a:t>
+          </a:r>
+        </a:p>
+      </dgm:t>
+    </dgm:pt>
+    <dgm:pt modelId="{3236631F-22DF-A144-B354-D1DDA4F916A5}" type="parTrans" cxnId="{55D6E845-BD3D-9148-A177-97B4835305EE}">
+      <dgm:prSet/>
+      <dgm:spPr/>
+      <dgm:t>
+        <a:bodyPr/>
+        <a:lstStyle/>
+        <a:p>
+          <a:endParaRPr lang="en-US"/>
+        </a:p>
+      </dgm:t>
+    </dgm:pt>
+    <dgm:pt modelId="{6286A53F-480A-3E42-86A4-E0A214B0DB79}" type="sibTrans" cxnId="{55D6E845-BD3D-9148-A177-97B4835305EE}">
+      <dgm:prSet/>
+      <dgm:spPr/>
+      <dgm:t>
+        <a:bodyPr/>
+        <a:lstStyle/>
+        <a:p>
+          <a:endParaRPr lang="en-US"/>
+        </a:p>
+      </dgm:t>
+    </dgm:pt>
+    <dgm:pt modelId="{DE7BEC19-1ED7-9D40-A979-900E00B0F384}">
+      <dgm:prSet/>
+      <dgm:spPr/>
+      <dgm:t>
+        <a:bodyPr/>
+        <a:lstStyle/>
+        <a:p>
+          <a:r>
+            <a:rPr lang="en-US" dirty="0"/>
+            <a:t>7. Testing Singularity Scripts</a:t>
+          </a:r>
+        </a:p>
+      </dgm:t>
+    </dgm:pt>
+    <dgm:pt modelId="{BC16AF7B-5DE5-5D48-95EB-39AF26CB6A6E}" type="parTrans" cxnId="{4129282E-97F7-584E-8A3C-3F16C1A843C5}">
+      <dgm:prSet/>
+      <dgm:spPr/>
+      <dgm:t>
+        <a:bodyPr/>
+        <a:lstStyle/>
+        <a:p>
+          <a:endParaRPr lang="en-US"/>
+        </a:p>
+      </dgm:t>
+    </dgm:pt>
+    <dgm:pt modelId="{48F8F292-DE3B-4A4E-82EE-7723F80B4C5B}" type="sibTrans" cxnId="{4129282E-97F7-584E-8A3C-3F16C1A843C5}">
+      <dgm:prSet/>
+      <dgm:spPr/>
+      <dgm:t>
+        <a:bodyPr/>
+        <a:lstStyle/>
+        <a:p>
+          <a:endParaRPr lang="en-US"/>
+        </a:p>
+      </dgm:t>
+    </dgm:pt>
+    <dgm:pt modelId="{988ABF4A-B2CA-464D-979D-D6E0868A6D8C}">
+      <dgm:prSet/>
+      <dgm:spPr/>
+      <dgm:t>
+        <a:bodyPr/>
+        <a:lstStyle/>
+        <a:p>
+          <a:r>
+            <a:rPr lang="en-US" dirty="0"/>
+            <a:t>8. Documenting final product on code and image repositories</a:t>
+          </a:r>
+        </a:p>
+      </dgm:t>
+    </dgm:pt>
+    <dgm:pt modelId="{01CD1B10-AC29-184E-8846-23247EF275B0}" type="parTrans" cxnId="{FE2B2EBE-6A35-F54D-BF49-DA05A6308676}">
+      <dgm:prSet/>
+      <dgm:spPr/>
+      <dgm:t>
+        <a:bodyPr/>
+        <a:lstStyle/>
+        <a:p>
+          <a:endParaRPr lang="en-US"/>
+        </a:p>
+      </dgm:t>
+    </dgm:pt>
+    <dgm:pt modelId="{FB833376-6624-CE46-8CB2-088F4D40C7D2}" type="sibTrans" cxnId="{FE2B2EBE-6A35-F54D-BF49-DA05A6308676}">
+      <dgm:prSet/>
+      <dgm:spPr/>
+      <dgm:t>
+        <a:bodyPr/>
+        <a:lstStyle/>
+        <a:p>
+          <a:endParaRPr lang="en-US"/>
+        </a:p>
+      </dgm:t>
+    </dgm:pt>
+    <dgm:pt modelId="{975052AC-0144-8B4A-BB92-ED64DE9555AE}">
+      <dgm:prSet/>
+      <dgm:spPr/>
+      <dgm:t>
+        <a:bodyPr/>
+        <a:lstStyle/>
+        <a:p>
+          <a:r>
+            <a:rPr lang="en-US" dirty="0"/>
+            <a:t>9. Tag and release final product for public use</a:t>
+          </a:r>
+        </a:p>
+      </dgm:t>
+    </dgm:pt>
+    <dgm:pt modelId="{D911D188-C3EB-C446-BBF4-EE026D11B0F4}" type="parTrans" cxnId="{808C85A6-2BA9-2B46-9906-9672F7BADA87}">
+      <dgm:prSet/>
+      <dgm:spPr/>
+      <dgm:t>
+        <a:bodyPr/>
+        <a:lstStyle/>
+        <a:p>
+          <a:endParaRPr lang="en-US"/>
+        </a:p>
+      </dgm:t>
+    </dgm:pt>
+    <dgm:pt modelId="{D7B89E22-C6D0-4444-8845-6BEDA31E20DB}" type="sibTrans" cxnId="{808C85A6-2BA9-2B46-9906-9672F7BADA87}">
+      <dgm:prSet/>
+      <dgm:spPr/>
+      <dgm:t>
+        <a:bodyPr/>
+        <a:lstStyle/>
+        <a:p>
+          <a:endParaRPr lang="en-US"/>
+        </a:p>
+      </dgm:t>
+    </dgm:pt>
+    <dgm:pt modelId="{19B0C4C4-98D1-FC4E-AD8C-54729F053482}" type="pres">
+      <dgm:prSet presAssocID="{C96C5EFF-8474-C348-A9FC-BE02C8F0D8B8}" presName="cycle" presStyleCnt="0">
+        <dgm:presLayoutVars>
+          <dgm:dir/>
+          <dgm:resizeHandles val="exact"/>
+        </dgm:presLayoutVars>
+      </dgm:prSet>
+      <dgm:spPr/>
+    </dgm:pt>
+    <dgm:pt modelId="{D99C9CCA-FEC7-2D4B-A8D4-4B7AB0C533DE}" type="pres">
+      <dgm:prSet presAssocID="{4A62C49D-628B-FB40-950E-A52D5D78A37E}" presName="node" presStyleLbl="node1" presStyleIdx="0" presStyleCnt="9" custScaleX="123157" custScaleY="151578">
+        <dgm:presLayoutVars>
+          <dgm:bulletEnabled val="1"/>
+        </dgm:presLayoutVars>
+      </dgm:prSet>
+      <dgm:spPr/>
+    </dgm:pt>
+    <dgm:pt modelId="{4C9DAB0C-2EB7-E64A-9FD2-025BE3ADA08C}" type="pres">
+      <dgm:prSet presAssocID="{4A62C49D-628B-FB40-950E-A52D5D78A37E}" presName="spNode" presStyleCnt="0"/>
+      <dgm:spPr/>
+    </dgm:pt>
+    <dgm:pt modelId="{4FBDFF08-67BE-9847-84B1-281D22057BAE}" type="pres">
+      <dgm:prSet presAssocID="{31F37942-41A1-9841-87AD-08549D329ABC}" presName="sibTrans" presStyleLbl="sibTrans1D1" presStyleIdx="0" presStyleCnt="9"/>
+      <dgm:spPr/>
+    </dgm:pt>
+    <dgm:pt modelId="{5F4034E7-402B-B24F-8702-CD74780C9275}" type="pres">
+      <dgm:prSet presAssocID="{69D9531E-10AD-6446-970D-3E0069F212F4}" presName="node" presStyleLbl="node1" presStyleIdx="1" presStyleCnt="9" custScaleX="123157" custScaleY="151578">
+        <dgm:presLayoutVars>
+          <dgm:bulletEnabled val="1"/>
+        </dgm:presLayoutVars>
+      </dgm:prSet>
+      <dgm:spPr/>
+    </dgm:pt>
+    <dgm:pt modelId="{B39D1C22-4E06-CF41-9092-DEE03B9B9E29}" type="pres">
+      <dgm:prSet presAssocID="{69D9531E-10AD-6446-970D-3E0069F212F4}" presName="spNode" presStyleCnt="0"/>
+      <dgm:spPr/>
+    </dgm:pt>
+    <dgm:pt modelId="{43C9668C-E2A2-6F4E-A479-9D301748282A}" type="pres">
+      <dgm:prSet presAssocID="{B3971B98-1474-B541-BA34-62B3208FA708}" presName="sibTrans" presStyleLbl="sibTrans1D1" presStyleIdx="1" presStyleCnt="9"/>
+      <dgm:spPr/>
+    </dgm:pt>
+    <dgm:pt modelId="{0BDF6ADE-D272-CF43-83EC-A3D21A9E5A79}" type="pres">
+      <dgm:prSet presAssocID="{0619CD02-5244-DA4E-973E-DA8A537863DA}" presName="node" presStyleLbl="node1" presStyleIdx="2" presStyleCnt="9" custScaleX="123157" custScaleY="151578">
+        <dgm:presLayoutVars>
+          <dgm:bulletEnabled val="1"/>
+        </dgm:presLayoutVars>
+      </dgm:prSet>
+      <dgm:spPr/>
+    </dgm:pt>
+    <dgm:pt modelId="{51922D18-A4D5-B84E-B09B-C881D9476866}" type="pres">
+      <dgm:prSet presAssocID="{0619CD02-5244-DA4E-973E-DA8A537863DA}" presName="spNode" presStyleCnt="0"/>
+      <dgm:spPr/>
+    </dgm:pt>
+    <dgm:pt modelId="{17A84419-0B92-3745-9FA5-99182F307790}" type="pres">
+      <dgm:prSet presAssocID="{837BFF43-C4A1-7343-9265-386FF1826B53}" presName="sibTrans" presStyleLbl="sibTrans1D1" presStyleIdx="2" presStyleCnt="9"/>
+      <dgm:spPr/>
+    </dgm:pt>
+    <dgm:pt modelId="{0DA8C7AC-B4A6-2345-B240-17DDB258A780}" type="pres">
+      <dgm:prSet presAssocID="{856503B3-6BEC-8A4E-AEEE-A2AECE44323A}" presName="node" presStyleLbl="node1" presStyleIdx="3" presStyleCnt="9" custScaleX="123157" custScaleY="151578">
+        <dgm:presLayoutVars>
+          <dgm:bulletEnabled val="1"/>
+        </dgm:presLayoutVars>
+      </dgm:prSet>
+      <dgm:spPr/>
+    </dgm:pt>
+    <dgm:pt modelId="{AF1E0922-DC82-5B4A-9709-A620ADD5BEF4}" type="pres">
+      <dgm:prSet presAssocID="{856503B3-6BEC-8A4E-AEEE-A2AECE44323A}" presName="spNode" presStyleCnt="0"/>
+      <dgm:spPr/>
+    </dgm:pt>
+    <dgm:pt modelId="{86BE49DA-B007-6648-8B50-AF93500AC54A}" type="pres">
+      <dgm:prSet presAssocID="{EFA4504C-9D17-8340-A254-1EC7E2B3DC4E}" presName="sibTrans" presStyleLbl="sibTrans1D1" presStyleIdx="3" presStyleCnt="9"/>
+      <dgm:spPr/>
+    </dgm:pt>
+    <dgm:pt modelId="{46547660-5F12-4E40-8628-8071E2BA79FA}" type="pres">
+      <dgm:prSet presAssocID="{C694EEF8-A8CD-BF44-BEA2-0B38ABA6F3F1}" presName="node" presStyleLbl="node1" presStyleIdx="4" presStyleCnt="9" custScaleX="113644" custScaleY="139869">
+        <dgm:presLayoutVars>
+          <dgm:bulletEnabled val="1"/>
+        </dgm:presLayoutVars>
+      </dgm:prSet>
+      <dgm:spPr/>
+    </dgm:pt>
+    <dgm:pt modelId="{D6140667-B69C-9042-84F9-41C12061C698}" type="pres">
+      <dgm:prSet presAssocID="{C694EEF8-A8CD-BF44-BEA2-0B38ABA6F3F1}" presName="spNode" presStyleCnt="0"/>
+      <dgm:spPr/>
+    </dgm:pt>
+    <dgm:pt modelId="{07B98A0F-20CD-1F42-8798-DF7F0A708D65}" type="pres">
+      <dgm:prSet presAssocID="{6D58FEF5-FD12-0F48-BBED-F7A3F8C94C46}" presName="sibTrans" presStyleLbl="sibTrans1D1" presStyleIdx="4" presStyleCnt="9"/>
+      <dgm:spPr/>
+    </dgm:pt>
+    <dgm:pt modelId="{388CB46B-4CD3-4D48-812F-638C0DAEB9AC}" type="pres">
+      <dgm:prSet presAssocID="{350FE11D-F401-F344-BE1E-8E45B4E31FE1}" presName="node" presStyleLbl="node1" presStyleIdx="5" presStyleCnt="9" custScaleX="113644" custScaleY="139869">
+        <dgm:presLayoutVars>
+          <dgm:bulletEnabled val="1"/>
+        </dgm:presLayoutVars>
+      </dgm:prSet>
+      <dgm:spPr/>
+    </dgm:pt>
+    <dgm:pt modelId="{1B6D4E27-7307-134D-8454-6FD48C253302}" type="pres">
+      <dgm:prSet presAssocID="{350FE11D-F401-F344-BE1E-8E45B4E31FE1}" presName="spNode" presStyleCnt="0"/>
+      <dgm:spPr/>
+    </dgm:pt>
+    <dgm:pt modelId="{B1F65CAE-3DD2-044B-A842-152E6585F490}" type="pres">
+      <dgm:prSet presAssocID="{6286A53F-480A-3E42-86A4-E0A214B0DB79}" presName="sibTrans" presStyleLbl="sibTrans1D1" presStyleIdx="5" presStyleCnt="9"/>
+      <dgm:spPr/>
+    </dgm:pt>
+    <dgm:pt modelId="{064CC82E-B461-564C-948A-2D04D3727AC3}" type="pres">
+      <dgm:prSet presAssocID="{DE7BEC19-1ED7-9D40-A979-900E00B0F384}" presName="node" presStyleLbl="node1" presStyleIdx="6" presStyleCnt="9" custScaleX="113644" custScaleY="139869">
+        <dgm:presLayoutVars>
+          <dgm:bulletEnabled val="1"/>
+        </dgm:presLayoutVars>
+      </dgm:prSet>
+      <dgm:spPr/>
+    </dgm:pt>
+    <dgm:pt modelId="{B874DEDD-739C-7140-B13F-6D9A6A4DACD3}" type="pres">
+      <dgm:prSet presAssocID="{DE7BEC19-1ED7-9D40-A979-900E00B0F384}" presName="spNode" presStyleCnt="0"/>
+      <dgm:spPr/>
+    </dgm:pt>
+    <dgm:pt modelId="{AFBA1D39-35D9-604F-B68D-D37E10A9EC59}" type="pres">
+      <dgm:prSet presAssocID="{48F8F292-DE3B-4A4E-82EE-7723F80B4C5B}" presName="sibTrans" presStyleLbl="sibTrans1D1" presStyleIdx="6" presStyleCnt="9"/>
+      <dgm:spPr/>
+    </dgm:pt>
+    <dgm:pt modelId="{53A42A12-E43C-7541-8250-32E4A38EC4CE}" type="pres">
+      <dgm:prSet presAssocID="{988ABF4A-B2CA-464D-979D-D6E0868A6D8C}" presName="node" presStyleLbl="node1" presStyleIdx="7" presStyleCnt="9" custScaleX="113644" custScaleY="139869">
+        <dgm:presLayoutVars>
+          <dgm:bulletEnabled val="1"/>
+        </dgm:presLayoutVars>
+      </dgm:prSet>
+      <dgm:spPr/>
+    </dgm:pt>
+    <dgm:pt modelId="{74946EFF-69A4-0249-865B-DB4108B8E66E}" type="pres">
+      <dgm:prSet presAssocID="{988ABF4A-B2CA-464D-979D-D6E0868A6D8C}" presName="spNode" presStyleCnt="0"/>
+      <dgm:spPr/>
+    </dgm:pt>
+    <dgm:pt modelId="{71923F32-1816-FE4C-B879-BAD7A052FD0C}" type="pres">
+      <dgm:prSet presAssocID="{FB833376-6624-CE46-8CB2-088F4D40C7D2}" presName="sibTrans" presStyleLbl="sibTrans1D1" presStyleIdx="7" presStyleCnt="9"/>
+      <dgm:spPr/>
+    </dgm:pt>
+    <dgm:pt modelId="{BE4E625A-1380-6443-BAFC-C76702CF637F}" type="pres">
+      <dgm:prSet presAssocID="{975052AC-0144-8B4A-BB92-ED64DE9555AE}" presName="node" presStyleLbl="node1" presStyleIdx="8" presStyleCnt="9" custScaleX="123157" custScaleY="151578">
+        <dgm:presLayoutVars>
+          <dgm:bulletEnabled val="1"/>
+        </dgm:presLayoutVars>
+      </dgm:prSet>
+      <dgm:spPr/>
+    </dgm:pt>
+    <dgm:pt modelId="{86043D64-7B74-B348-8EBE-362AF7B6B0B5}" type="pres">
+      <dgm:prSet presAssocID="{975052AC-0144-8B4A-BB92-ED64DE9555AE}" presName="spNode" presStyleCnt="0"/>
+      <dgm:spPr/>
+    </dgm:pt>
+    <dgm:pt modelId="{B50ECC51-5E15-B44A-85FB-13BCEDF232DF}" type="pres">
+      <dgm:prSet presAssocID="{D7B89E22-C6D0-4444-8845-6BEDA31E20DB}" presName="sibTrans" presStyleLbl="sibTrans1D1" presStyleIdx="8" presStyleCnt="9"/>
+      <dgm:spPr/>
+    </dgm:pt>
+  </dgm:ptLst>
+  <dgm:cxnLst>
+    <dgm:cxn modelId="{CCC2A701-F8B2-854C-8E5F-A3967798C92E}" type="presOf" srcId="{350FE11D-F401-F344-BE1E-8E45B4E31FE1}" destId="{388CB46B-4CD3-4D48-812F-638C0DAEB9AC}" srcOrd="0" destOrd="0" presId="urn:microsoft.com/office/officeart/2005/8/layout/cycle5"/>
+    <dgm:cxn modelId="{C8E7311C-FD68-8646-B48A-CFF41610B492}" type="presOf" srcId="{856503B3-6BEC-8A4E-AEEE-A2AECE44323A}" destId="{0DA8C7AC-B4A6-2345-B240-17DDB258A780}" srcOrd="0" destOrd="0" presId="urn:microsoft.com/office/officeart/2005/8/layout/cycle5"/>
+    <dgm:cxn modelId="{0299C121-3FF6-5844-81E1-5B7ED41F7EB6}" type="presOf" srcId="{31F37942-41A1-9841-87AD-08549D329ABC}" destId="{4FBDFF08-67BE-9847-84B1-281D22057BAE}" srcOrd="0" destOrd="0" presId="urn:microsoft.com/office/officeart/2005/8/layout/cycle5"/>
+    <dgm:cxn modelId="{641F3928-5E04-F044-8379-35FD2027C7E6}" type="presOf" srcId="{EFA4504C-9D17-8340-A254-1EC7E2B3DC4E}" destId="{86BE49DA-B007-6648-8B50-AF93500AC54A}" srcOrd="0" destOrd="0" presId="urn:microsoft.com/office/officeart/2005/8/layout/cycle5"/>
+    <dgm:cxn modelId="{9C97F92D-8E2C-744A-B350-6307233D9BFD}" type="presOf" srcId="{C96C5EFF-8474-C348-A9FC-BE02C8F0D8B8}" destId="{19B0C4C4-98D1-FC4E-AD8C-54729F053482}" srcOrd="0" destOrd="0" presId="urn:microsoft.com/office/officeart/2005/8/layout/cycle5"/>
+    <dgm:cxn modelId="{4129282E-97F7-584E-8A3C-3F16C1A843C5}" srcId="{C96C5EFF-8474-C348-A9FC-BE02C8F0D8B8}" destId="{DE7BEC19-1ED7-9D40-A979-900E00B0F384}" srcOrd="6" destOrd="0" parTransId="{BC16AF7B-5DE5-5D48-95EB-39AF26CB6A6E}" sibTransId="{48F8F292-DE3B-4A4E-82EE-7723F80B4C5B}"/>
+    <dgm:cxn modelId="{34C3963F-A5A7-B048-876F-D02988FEBB70}" type="presOf" srcId="{988ABF4A-B2CA-464D-979D-D6E0868A6D8C}" destId="{53A42A12-E43C-7541-8250-32E4A38EC4CE}" srcOrd="0" destOrd="0" presId="urn:microsoft.com/office/officeart/2005/8/layout/cycle5"/>
+    <dgm:cxn modelId="{4B518B45-185A-1247-BFF9-FA0DC8367F2E}" srcId="{C96C5EFF-8474-C348-A9FC-BE02C8F0D8B8}" destId="{69D9531E-10AD-6446-970D-3E0069F212F4}" srcOrd="1" destOrd="0" parTransId="{32ECA0CF-CA53-9544-87D7-A92B50D4D0E7}" sibTransId="{B3971B98-1474-B541-BA34-62B3208FA708}"/>
+    <dgm:cxn modelId="{55D6E845-BD3D-9148-A177-97B4835305EE}" srcId="{C96C5EFF-8474-C348-A9FC-BE02C8F0D8B8}" destId="{350FE11D-F401-F344-BE1E-8E45B4E31FE1}" srcOrd="5" destOrd="0" parTransId="{3236631F-22DF-A144-B354-D1DDA4F916A5}" sibTransId="{6286A53F-480A-3E42-86A4-E0A214B0DB79}"/>
+    <dgm:cxn modelId="{AB9AD473-6FA6-AD47-9894-F2CE3B4E9740}" srcId="{C96C5EFF-8474-C348-A9FC-BE02C8F0D8B8}" destId="{4A62C49D-628B-FB40-950E-A52D5D78A37E}" srcOrd="0" destOrd="0" parTransId="{A3F4A6D9-A545-3843-A8F9-3463BC96CBC8}" sibTransId="{31F37942-41A1-9841-87AD-08549D329ABC}"/>
+    <dgm:cxn modelId="{002DF777-2F0E-AD4F-82AA-74E27F6FB068}" srcId="{C96C5EFF-8474-C348-A9FC-BE02C8F0D8B8}" destId="{856503B3-6BEC-8A4E-AEEE-A2AECE44323A}" srcOrd="3" destOrd="0" parTransId="{4AC50D1C-0270-F446-B43F-45E1492CED2C}" sibTransId="{EFA4504C-9D17-8340-A254-1EC7E2B3DC4E}"/>
+    <dgm:cxn modelId="{BE71FF77-418B-274D-877A-EA22993CC19D}" type="presOf" srcId="{975052AC-0144-8B4A-BB92-ED64DE9555AE}" destId="{BE4E625A-1380-6443-BAFC-C76702CF637F}" srcOrd="0" destOrd="0" presId="urn:microsoft.com/office/officeart/2005/8/layout/cycle5"/>
+    <dgm:cxn modelId="{5685E27C-213B-194B-B49E-AB5668533B90}" type="presOf" srcId="{6286A53F-480A-3E42-86A4-E0A214B0DB79}" destId="{B1F65CAE-3DD2-044B-A842-152E6585F490}" srcOrd="0" destOrd="0" presId="urn:microsoft.com/office/officeart/2005/8/layout/cycle5"/>
+    <dgm:cxn modelId="{8C174682-F2B0-204A-94F8-5FC7E6F5F519}" type="presOf" srcId="{DE7BEC19-1ED7-9D40-A979-900E00B0F384}" destId="{064CC82E-B461-564C-948A-2D04D3727AC3}" srcOrd="0" destOrd="0" presId="urn:microsoft.com/office/officeart/2005/8/layout/cycle5"/>
+    <dgm:cxn modelId="{532C4387-3B2C-4B4B-B76A-034E74F9E4DC}" type="presOf" srcId="{D7B89E22-C6D0-4444-8845-6BEDA31E20DB}" destId="{B50ECC51-5E15-B44A-85FB-13BCEDF232DF}" srcOrd="0" destOrd="0" presId="urn:microsoft.com/office/officeart/2005/8/layout/cycle5"/>
+    <dgm:cxn modelId="{48C87B87-9A44-BC4F-887B-B8CCE599032F}" type="presOf" srcId="{B3971B98-1474-B541-BA34-62B3208FA708}" destId="{43C9668C-E2A2-6F4E-A479-9D301748282A}" srcOrd="0" destOrd="0" presId="urn:microsoft.com/office/officeart/2005/8/layout/cycle5"/>
+    <dgm:cxn modelId="{B12B4B96-42C3-0D49-9863-AFFA18D72912}" type="presOf" srcId="{6D58FEF5-FD12-0F48-BBED-F7A3F8C94C46}" destId="{07B98A0F-20CD-1F42-8798-DF7F0A708D65}" srcOrd="0" destOrd="0" presId="urn:microsoft.com/office/officeart/2005/8/layout/cycle5"/>
+    <dgm:cxn modelId="{6763A6A2-E0D5-E24E-973B-AD7E6BDE4DB7}" type="presOf" srcId="{C694EEF8-A8CD-BF44-BEA2-0B38ABA6F3F1}" destId="{46547660-5F12-4E40-8628-8071E2BA79FA}" srcOrd="0" destOrd="0" presId="urn:microsoft.com/office/officeart/2005/8/layout/cycle5"/>
+    <dgm:cxn modelId="{82D808A6-18F7-6E45-8A97-45D4D42E486A}" type="presOf" srcId="{0619CD02-5244-DA4E-973E-DA8A537863DA}" destId="{0BDF6ADE-D272-CF43-83EC-A3D21A9E5A79}" srcOrd="0" destOrd="0" presId="urn:microsoft.com/office/officeart/2005/8/layout/cycle5"/>
+    <dgm:cxn modelId="{808C85A6-2BA9-2B46-9906-9672F7BADA87}" srcId="{C96C5EFF-8474-C348-A9FC-BE02C8F0D8B8}" destId="{975052AC-0144-8B4A-BB92-ED64DE9555AE}" srcOrd="8" destOrd="0" parTransId="{D911D188-C3EB-C446-BBF4-EE026D11B0F4}" sibTransId="{D7B89E22-C6D0-4444-8845-6BEDA31E20DB}"/>
+    <dgm:cxn modelId="{881754B4-770F-064A-8045-AFB787DF0C1D}" srcId="{C96C5EFF-8474-C348-A9FC-BE02C8F0D8B8}" destId="{0619CD02-5244-DA4E-973E-DA8A537863DA}" srcOrd="2" destOrd="0" parTransId="{04F219E0-D754-9049-B67F-C6D67A613BEE}" sibTransId="{837BFF43-C4A1-7343-9265-386FF1826B53}"/>
+    <dgm:cxn modelId="{FE2B2EBE-6A35-F54D-BF49-DA05A6308676}" srcId="{C96C5EFF-8474-C348-A9FC-BE02C8F0D8B8}" destId="{988ABF4A-B2CA-464D-979D-D6E0868A6D8C}" srcOrd="7" destOrd="0" parTransId="{01CD1B10-AC29-184E-8846-23247EF275B0}" sibTransId="{FB833376-6624-CE46-8CB2-088F4D40C7D2}"/>
+    <dgm:cxn modelId="{5918C7C3-0678-E14A-8CE0-E9452DB5E085}" type="presOf" srcId="{FB833376-6624-CE46-8CB2-088F4D40C7D2}" destId="{71923F32-1816-FE4C-B879-BAD7A052FD0C}" srcOrd="0" destOrd="0" presId="urn:microsoft.com/office/officeart/2005/8/layout/cycle5"/>
+    <dgm:cxn modelId="{EFD4F5D5-778C-3B44-BC2A-BFDFAD38E883}" type="presOf" srcId="{4A62C49D-628B-FB40-950E-A52D5D78A37E}" destId="{D99C9CCA-FEC7-2D4B-A8D4-4B7AB0C533DE}" srcOrd="0" destOrd="0" presId="urn:microsoft.com/office/officeart/2005/8/layout/cycle5"/>
+    <dgm:cxn modelId="{63FCB8D9-00E2-6343-ADFB-5843835A828F}" type="presOf" srcId="{69D9531E-10AD-6446-970D-3E0069F212F4}" destId="{5F4034E7-402B-B24F-8702-CD74780C9275}" srcOrd="0" destOrd="0" presId="urn:microsoft.com/office/officeart/2005/8/layout/cycle5"/>
+    <dgm:cxn modelId="{88B5D2E0-E979-3142-BD1F-B56C53967758}" type="presOf" srcId="{837BFF43-C4A1-7343-9265-386FF1826B53}" destId="{17A84419-0B92-3745-9FA5-99182F307790}" srcOrd="0" destOrd="0" presId="urn:microsoft.com/office/officeart/2005/8/layout/cycle5"/>
+    <dgm:cxn modelId="{AB2787E6-2526-4441-A5AE-01FB1E21A36D}" type="presOf" srcId="{48F8F292-DE3B-4A4E-82EE-7723F80B4C5B}" destId="{AFBA1D39-35D9-604F-B68D-D37E10A9EC59}" srcOrd="0" destOrd="0" presId="urn:microsoft.com/office/officeart/2005/8/layout/cycle5"/>
+    <dgm:cxn modelId="{58D7FEF9-CB62-1B47-BCFA-78171CECB2E2}" srcId="{C96C5EFF-8474-C348-A9FC-BE02C8F0D8B8}" destId="{C694EEF8-A8CD-BF44-BEA2-0B38ABA6F3F1}" srcOrd="4" destOrd="0" parTransId="{C0FFFB01-6DDC-D948-8EE0-202831E41534}" sibTransId="{6D58FEF5-FD12-0F48-BBED-F7A3F8C94C46}"/>
+    <dgm:cxn modelId="{0E7F30DA-B04B-F848-84C4-CE642D28A6BE}" type="presParOf" srcId="{19B0C4C4-98D1-FC4E-AD8C-54729F053482}" destId="{D99C9CCA-FEC7-2D4B-A8D4-4B7AB0C533DE}" srcOrd="0" destOrd="0" presId="urn:microsoft.com/office/officeart/2005/8/layout/cycle5"/>
+    <dgm:cxn modelId="{42B76510-2897-FB4A-A30A-D5577F609E01}" type="presParOf" srcId="{19B0C4C4-98D1-FC4E-AD8C-54729F053482}" destId="{4C9DAB0C-2EB7-E64A-9FD2-025BE3ADA08C}" srcOrd="1" destOrd="0" presId="urn:microsoft.com/office/officeart/2005/8/layout/cycle5"/>
+    <dgm:cxn modelId="{3F2A4E9E-AC4E-0343-BEFF-EE1E93AF11A0}" type="presParOf" srcId="{19B0C4C4-98D1-FC4E-AD8C-54729F053482}" destId="{4FBDFF08-67BE-9847-84B1-281D22057BAE}" srcOrd="2" destOrd="0" presId="urn:microsoft.com/office/officeart/2005/8/layout/cycle5"/>
+    <dgm:cxn modelId="{9DB808AB-EAA4-5B4F-836D-BD8339AA637F}" type="presParOf" srcId="{19B0C4C4-98D1-FC4E-AD8C-54729F053482}" destId="{5F4034E7-402B-B24F-8702-CD74780C9275}" srcOrd="3" destOrd="0" presId="urn:microsoft.com/office/officeart/2005/8/layout/cycle5"/>
+    <dgm:cxn modelId="{03434D31-75EE-7D45-841E-C92B0AF197D2}" type="presParOf" srcId="{19B0C4C4-98D1-FC4E-AD8C-54729F053482}" destId="{B39D1C22-4E06-CF41-9092-DEE03B9B9E29}" srcOrd="4" destOrd="0" presId="urn:microsoft.com/office/officeart/2005/8/layout/cycle5"/>
+    <dgm:cxn modelId="{F174B91B-0EDD-1447-8CBC-A9613F1055EB}" type="presParOf" srcId="{19B0C4C4-98D1-FC4E-AD8C-54729F053482}" destId="{43C9668C-E2A2-6F4E-A479-9D301748282A}" srcOrd="5" destOrd="0" presId="urn:microsoft.com/office/officeart/2005/8/layout/cycle5"/>
+    <dgm:cxn modelId="{1EF90382-8BB2-2A40-8A08-0691A84B700D}" type="presParOf" srcId="{19B0C4C4-98D1-FC4E-AD8C-54729F053482}" destId="{0BDF6ADE-D272-CF43-83EC-A3D21A9E5A79}" srcOrd="6" destOrd="0" presId="urn:microsoft.com/office/officeart/2005/8/layout/cycle5"/>
+    <dgm:cxn modelId="{25EBBDED-225A-5A47-818A-0A8DF76497D1}" type="presParOf" srcId="{19B0C4C4-98D1-FC4E-AD8C-54729F053482}" destId="{51922D18-A4D5-B84E-B09B-C881D9476866}" srcOrd="7" destOrd="0" presId="urn:microsoft.com/office/officeart/2005/8/layout/cycle5"/>
+    <dgm:cxn modelId="{7DD5574C-2EBF-CC47-AD8D-C8613B1D19FC}" type="presParOf" srcId="{19B0C4C4-98D1-FC4E-AD8C-54729F053482}" destId="{17A84419-0B92-3745-9FA5-99182F307790}" srcOrd="8" destOrd="0" presId="urn:microsoft.com/office/officeart/2005/8/layout/cycle5"/>
+    <dgm:cxn modelId="{98BED908-7CBD-0843-BE99-055EF51DD67E}" type="presParOf" srcId="{19B0C4C4-98D1-FC4E-AD8C-54729F053482}" destId="{0DA8C7AC-B4A6-2345-B240-17DDB258A780}" srcOrd="9" destOrd="0" presId="urn:microsoft.com/office/officeart/2005/8/layout/cycle5"/>
+    <dgm:cxn modelId="{42C6DBE4-31CF-B54C-9FDC-6D28DCA8B881}" type="presParOf" srcId="{19B0C4C4-98D1-FC4E-AD8C-54729F053482}" destId="{AF1E0922-DC82-5B4A-9709-A620ADD5BEF4}" srcOrd="10" destOrd="0" presId="urn:microsoft.com/office/officeart/2005/8/layout/cycle5"/>
+    <dgm:cxn modelId="{C05706A0-25BA-4E46-8652-C8B67064DB86}" type="presParOf" srcId="{19B0C4C4-98D1-FC4E-AD8C-54729F053482}" destId="{86BE49DA-B007-6648-8B50-AF93500AC54A}" srcOrd="11" destOrd="0" presId="urn:microsoft.com/office/officeart/2005/8/layout/cycle5"/>
+    <dgm:cxn modelId="{81D55C90-8C85-944A-80F2-320117AF6CAC}" type="presParOf" srcId="{19B0C4C4-98D1-FC4E-AD8C-54729F053482}" destId="{46547660-5F12-4E40-8628-8071E2BA79FA}" srcOrd="12" destOrd="0" presId="urn:microsoft.com/office/officeart/2005/8/layout/cycle5"/>
+    <dgm:cxn modelId="{EF87367E-82AD-3D4C-92DE-9E3BD202DE4B}" type="presParOf" srcId="{19B0C4C4-98D1-FC4E-AD8C-54729F053482}" destId="{D6140667-B69C-9042-84F9-41C12061C698}" srcOrd="13" destOrd="0" presId="urn:microsoft.com/office/officeart/2005/8/layout/cycle5"/>
+    <dgm:cxn modelId="{0892D600-72FB-6241-9F92-FCBC9C90A236}" type="presParOf" srcId="{19B0C4C4-98D1-FC4E-AD8C-54729F053482}" destId="{07B98A0F-20CD-1F42-8798-DF7F0A708D65}" srcOrd="14" destOrd="0" presId="urn:microsoft.com/office/officeart/2005/8/layout/cycle5"/>
+    <dgm:cxn modelId="{E8E2AF14-587E-FE4D-9795-4106F9CAAF1E}" type="presParOf" srcId="{19B0C4C4-98D1-FC4E-AD8C-54729F053482}" destId="{388CB46B-4CD3-4D48-812F-638C0DAEB9AC}" srcOrd="15" destOrd="0" presId="urn:microsoft.com/office/officeart/2005/8/layout/cycle5"/>
+    <dgm:cxn modelId="{774108DB-368E-824B-95DD-4826196E14E5}" type="presParOf" srcId="{19B0C4C4-98D1-FC4E-AD8C-54729F053482}" destId="{1B6D4E27-7307-134D-8454-6FD48C253302}" srcOrd="16" destOrd="0" presId="urn:microsoft.com/office/officeart/2005/8/layout/cycle5"/>
+    <dgm:cxn modelId="{C3D24FD4-28D1-F344-A397-DA03656F6691}" type="presParOf" srcId="{19B0C4C4-98D1-FC4E-AD8C-54729F053482}" destId="{B1F65CAE-3DD2-044B-A842-152E6585F490}" srcOrd="17" destOrd="0" presId="urn:microsoft.com/office/officeart/2005/8/layout/cycle5"/>
+    <dgm:cxn modelId="{BCC3D9E5-5EE8-E54F-BB7B-19740EDD2201}" type="presParOf" srcId="{19B0C4C4-98D1-FC4E-AD8C-54729F053482}" destId="{064CC82E-B461-564C-948A-2D04D3727AC3}" srcOrd="18" destOrd="0" presId="urn:microsoft.com/office/officeart/2005/8/layout/cycle5"/>
+    <dgm:cxn modelId="{D221338A-9394-024D-AFDC-8ECF59C16BF5}" type="presParOf" srcId="{19B0C4C4-98D1-FC4E-AD8C-54729F053482}" destId="{B874DEDD-739C-7140-B13F-6D9A6A4DACD3}" srcOrd="19" destOrd="0" presId="urn:microsoft.com/office/officeart/2005/8/layout/cycle5"/>
+    <dgm:cxn modelId="{F969BEF1-3C35-504E-8E4C-88D8658B226E}" type="presParOf" srcId="{19B0C4C4-98D1-FC4E-AD8C-54729F053482}" destId="{AFBA1D39-35D9-604F-B68D-D37E10A9EC59}" srcOrd="20" destOrd="0" presId="urn:microsoft.com/office/officeart/2005/8/layout/cycle5"/>
+    <dgm:cxn modelId="{6D5F7622-B07E-3B46-87B4-EC257F5B1A01}" type="presParOf" srcId="{19B0C4C4-98D1-FC4E-AD8C-54729F053482}" destId="{53A42A12-E43C-7541-8250-32E4A38EC4CE}" srcOrd="21" destOrd="0" presId="urn:microsoft.com/office/officeart/2005/8/layout/cycle5"/>
+    <dgm:cxn modelId="{5A1638AC-3ECB-EE43-A345-0DF831CF2271}" type="presParOf" srcId="{19B0C4C4-98D1-FC4E-AD8C-54729F053482}" destId="{74946EFF-69A4-0249-865B-DB4108B8E66E}" srcOrd="22" destOrd="0" presId="urn:microsoft.com/office/officeart/2005/8/layout/cycle5"/>
+    <dgm:cxn modelId="{AD09E1E8-77FF-1F46-A6AF-B72D5E22630A}" type="presParOf" srcId="{19B0C4C4-98D1-FC4E-AD8C-54729F053482}" destId="{71923F32-1816-FE4C-B879-BAD7A052FD0C}" srcOrd="23" destOrd="0" presId="urn:microsoft.com/office/officeart/2005/8/layout/cycle5"/>
+    <dgm:cxn modelId="{84D1DE37-7368-F341-B39E-AEABB29474C1}" type="presParOf" srcId="{19B0C4C4-98D1-FC4E-AD8C-54729F053482}" destId="{BE4E625A-1380-6443-BAFC-C76702CF637F}" srcOrd="24" destOrd="0" presId="urn:microsoft.com/office/officeart/2005/8/layout/cycle5"/>
+    <dgm:cxn modelId="{E3835777-86DB-5F45-B379-C2438F8E1449}" type="presParOf" srcId="{19B0C4C4-98D1-FC4E-AD8C-54729F053482}" destId="{86043D64-7B74-B348-8EBE-362AF7B6B0B5}" srcOrd="25" destOrd="0" presId="urn:microsoft.com/office/officeart/2005/8/layout/cycle5"/>
+    <dgm:cxn modelId="{39771B92-D58B-324C-8D74-793D5104391F}" type="presParOf" srcId="{19B0C4C4-98D1-FC4E-AD8C-54729F053482}" destId="{B50ECC51-5E15-B44A-85FB-13BCEDF232DF}" srcOrd="26" destOrd="0" presId="urn:microsoft.com/office/officeart/2005/8/layout/cycle5"/>
+  </dgm:cxnLst>
+  <dgm:bg>
+    <a:noFill/>
+  </dgm:bg>
+  <dgm:whole/>
+  <dgm:extLst>
+    <a:ext uri="http://schemas.microsoft.com/office/drawing/2008/diagram">
+      <dsp:dataModelExt xmlns:dsp="http://schemas.microsoft.com/office/drawing/2008/diagram" relId="rId7" minVer="http://schemas.openxmlformats.org/drawingml/2006/diagram"/>
+    </a:ext>
+  </dgm:extLst>
+</dgm:dataModel>
+</file>
+
+<file path=ppt/diagrams/drawing1.xml><?xml version="1.0" encoding="utf-8"?>
+<dsp:drawing xmlns:dgm="http://schemas.openxmlformats.org/drawingml/2006/diagram" xmlns:dsp="http://schemas.microsoft.com/office/drawing/2008/diagram" xmlns:a="http://schemas.openxmlformats.org/drawingml/2006/main">
+  <dsp:spTree>
+    <dsp:nvGrpSpPr>
+      <dsp:cNvPr id="0" name=""/>
+      <dsp:cNvGrpSpPr/>
+    </dsp:nvGrpSpPr>
+    <dsp:grpSpPr/>
+    <dsp:sp modelId="{D99C9CCA-FEC7-2D4B-A8D4-4B7AB0C533DE}">
+      <dsp:nvSpPr>
+        <dsp:cNvPr id="0" name=""/>
+        <dsp:cNvSpPr/>
+      </dsp:nvSpPr>
+      <dsp:spPr>
+        <a:xfrm>
+          <a:off x="4568545" y="-145028"/>
+          <a:ext cx="1216480" cy="973185"/>
+        </a:xfrm>
+        <a:prstGeom prst="roundRect">
+          <a:avLst/>
+        </a:prstGeom>
+        <a:solidFill>
+          <a:schemeClr val="accent1">
+            <a:hueOff val="0"/>
+            <a:satOff val="0"/>
+            <a:lumOff val="0"/>
+            <a:alphaOff val="0"/>
+          </a:schemeClr>
+        </a:solidFill>
+        <a:ln w="12700" cap="flat" cmpd="sng" algn="ctr">
+          <a:solidFill>
+            <a:schemeClr val="lt1">
+              <a:hueOff val="0"/>
+              <a:satOff val="0"/>
+              <a:lumOff val="0"/>
+              <a:alphaOff val="0"/>
+            </a:schemeClr>
+          </a:solidFill>
+          <a:prstDash val="solid"/>
+          <a:miter lim="800000"/>
+        </a:ln>
+        <a:effectLst/>
+      </dsp:spPr>
+      <dsp:style>
+        <a:lnRef idx="2">
+          <a:scrgbClr r="0" g="0" b="0"/>
+        </a:lnRef>
+        <a:fillRef idx="1">
+          <a:scrgbClr r="0" g="0" b="0"/>
+        </a:fillRef>
+        <a:effectRef idx="0">
+          <a:scrgbClr r="0" g="0" b="0"/>
+        </a:effectRef>
+        <a:fontRef idx="minor">
+          <a:schemeClr val="lt1"/>
+        </a:fontRef>
+      </dsp:style>
+      <dsp:txBody>
+        <a:bodyPr spcFirstLastPara="0" vert="horz" wrap="square" lIns="41910" tIns="41910" rIns="41910" bIns="41910" numCol="1" spcCol="1270" anchor="ctr" anchorCtr="0">
+          <a:noAutofit/>
+        </a:bodyPr>
+        <a:lstStyle/>
+        <a:p>
+          <a:pPr marL="0" lvl="0" indent="0" algn="ctr" defTabSz="488950">
+            <a:lnSpc>
+              <a:spcPct val="90000"/>
+            </a:lnSpc>
+            <a:spcBef>
+              <a:spcPct val="0"/>
+            </a:spcBef>
+            <a:spcAft>
+              <a:spcPct val="35000"/>
+            </a:spcAft>
+            <a:buNone/>
+          </a:pPr>
+          <a:r>
+            <a:rPr lang="en-US" sz="1100" kern="1200" dirty="0"/>
+            <a:t>1. Requirements Analysis and Communication</a:t>
+          </a:r>
+        </a:p>
+      </dsp:txBody>
+      <dsp:txXfrm>
+        <a:off x="4616052" y="-97521"/>
+        <a:ext cx="1121466" cy="878171"/>
+      </dsp:txXfrm>
+    </dsp:sp>
+    <dsp:sp modelId="{4FBDFF08-67BE-9847-84B1-281D22057BAE}">
+      <dsp:nvSpPr>
+        <dsp:cNvPr id="0" name=""/>
+        <dsp:cNvSpPr/>
+      </dsp:nvSpPr>
+      <dsp:spPr>
+        <a:xfrm>
+          <a:off x="2711070" y="341564"/>
+          <a:ext cx="4931431" cy="4931431"/>
+        </a:xfrm>
+        <a:custGeom>
+          <a:avLst/>
+          <a:gdLst/>
+          <a:ahLst/>
+          <a:cxnLst/>
+          <a:rect l="0" t="0" r="0" b="0"/>
+          <a:pathLst>
+            <a:path>
+              <a:moveTo>
+                <a:pt x="3149081" y="96588"/>
+              </a:moveTo>
+              <a:arcTo wR="2465715" hR="2465715" stAng="17165401" swAng="326172"/>
+            </a:path>
+          </a:pathLst>
+        </a:custGeom>
+        <a:noFill/>
+        <a:ln w="6350" cap="flat" cmpd="sng" algn="ctr">
+          <a:solidFill>
+            <a:schemeClr val="accent1">
+              <a:hueOff val="0"/>
+              <a:satOff val="0"/>
+              <a:lumOff val="0"/>
+              <a:alphaOff val="0"/>
+            </a:schemeClr>
+          </a:solidFill>
+          <a:prstDash val="solid"/>
+          <a:miter lim="800000"/>
+          <a:tailEnd type="arrow"/>
+        </a:ln>
+        <a:effectLst/>
+      </dsp:spPr>
+      <dsp:style>
+        <a:lnRef idx="1">
+          <a:scrgbClr r="0" g="0" b="0"/>
+        </a:lnRef>
+        <a:fillRef idx="0">
+          <a:scrgbClr r="0" g="0" b="0"/>
+        </a:fillRef>
+        <a:effectRef idx="0">
+          <a:scrgbClr r="0" g="0" b="0"/>
+        </a:effectRef>
+        <a:fontRef idx="minor"/>
+      </dsp:style>
+    </dsp:sp>
+    <dsp:sp modelId="{5F4034E7-402B-B24F-8702-CD74780C9275}">
+      <dsp:nvSpPr>
+        <dsp:cNvPr id="0" name=""/>
+        <dsp:cNvSpPr/>
+      </dsp:nvSpPr>
+      <dsp:spPr>
+        <a:xfrm>
+          <a:off x="6153477" y="431839"/>
+          <a:ext cx="1216480" cy="973185"/>
+        </a:xfrm>
+        <a:prstGeom prst="roundRect">
+          <a:avLst/>
+        </a:prstGeom>
+        <a:solidFill>
+          <a:schemeClr val="accent1">
+            <a:hueOff val="0"/>
+            <a:satOff val="0"/>
+            <a:lumOff val="0"/>
+            <a:alphaOff val="0"/>
+          </a:schemeClr>
+        </a:solidFill>
+        <a:ln w="12700" cap="flat" cmpd="sng" algn="ctr">
+          <a:solidFill>
+            <a:schemeClr val="lt1">
+              <a:hueOff val="0"/>
+              <a:satOff val="0"/>
+              <a:lumOff val="0"/>
+              <a:alphaOff val="0"/>
+            </a:schemeClr>
+          </a:solidFill>
+          <a:prstDash val="solid"/>
+          <a:miter lim="800000"/>
+        </a:ln>
+        <a:effectLst/>
+      </dsp:spPr>
+      <dsp:style>
+        <a:lnRef idx="2">
+          <a:scrgbClr r="0" g="0" b="0"/>
+        </a:lnRef>
+        <a:fillRef idx="1">
+          <a:scrgbClr r="0" g="0" b="0"/>
+        </a:fillRef>
+        <a:effectRef idx="0">
+          <a:scrgbClr r="0" g="0" b="0"/>
+        </a:effectRef>
+        <a:fontRef idx="minor">
+          <a:schemeClr val="lt1"/>
+        </a:fontRef>
+      </dsp:style>
+      <dsp:txBody>
+        <a:bodyPr spcFirstLastPara="0" vert="horz" wrap="square" lIns="41910" tIns="41910" rIns="41910" bIns="41910" numCol="1" spcCol="1270" anchor="ctr" anchorCtr="0">
+          <a:noAutofit/>
+        </a:bodyPr>
+        <a:lstStyle/>
+        <a:p>
+          <a:pPr marL="0" lvl="0" indent="0" algn="ctr" defTabSz="488950">
+            <a:lnSpc>
+              <a:spcPct val="90000"/>
+            </a:lnSpc>
+            <a:spcBef>
+              <a:spcPct val="0"/>
+            </a:spcBef>
+            <a:spcAft>
+              <a:spcPct val="35000"/>
+            </a:spcAft>
+            <a:buNone/>
+          </a:pPr>
+          <a:r>
+            <a:rPr lang="en-US" sz="1100" kern="1200" dirty="0"/>
+            <a:t>2. System Planning</a:t>
+          </a:r>
+        </a:p>
+      </dsp:txBody>
+      <dsp:txXfrm>
+        <a:off x="6200984" y="479346"/>
+        <a:ext cx="1121466" cy="878171"/>
+      </dsp:txXfrm>
+    </dsp:sp>
+    <dsp:sp modelId="{43C9668C-E2A2-6F4E-A479-9D301748282A}">
+      <dsp:nvSpPr>
+        <dsp:cNvPr id="0" name=""/>
+        <dsp:cNvSpPr/>
+      </dsp:nvSpPr>
+      <dsp:spPr>
+        <a:xfrm>
+          <a:off x="2711070" y="341564"/>
+          <a:ext cx="4931431" cy="4931431"/>
+        </a:xfrm>
+        <a:custGeom>
+          <a:avLst/>
+          <a:gdLst/>
+          <a:ahLst/>
+          <a:cxnLst/>
+          <a:rect l="0" t="0" r="0" b="0"/>
+          <a:pathLst>
+            <a:path>
+              <a:moveTo>
+                <a:pt x="4554739" y="1155855"/>
+              </a:moveTo>
+              <a:arcTo wR="2465715" hR="2465715" stAng="19674688" swAng="464435"/>
+            </a:path>
+          </a:pathLst>
+        </a:custGeom>
+        <a:noFill/>
+        <a:ln w="6350" cap="flat" cmpd="sng" algn="ctr">
+          <a:solidFill>
+            <a:schemeClr val="accent1">
+              <a:hueOff val="0"/>
+              <a:satOff val="0"/>
+              <a:lumOff val="0"/>
+              <a:alphaOff val="0"/>
+            </a:schemeClr>
+          </a:solidFill>
+          <a:prstDash val="solid"/>
+          <a:miter lim="800000"/>
+          <a:tailEnd type="arrow"/>
+        </a:ln>
+        <a:effectLst/>
+      </dsp:spPr>
+      <dsp:style>
+        <a:lnRef idx="1">
+          <a:scrgbClr r="0" g="0" b="0"/>
+        </a:lnRef>
+        <a:fillRef idx="0">
+          <a:scrgbClr r="0" g="0" b="0"/>
+        </a:fillRef>
+        <a:effectRef idx="0">
+          <a:scrgbClr r="0" g="0" b="0"/>
+        </a:effectRef>
+        <a:fontRef idx="minor"/>
+      </dsp:style>
+    </dsp:sp>
+    <dsp:sp modelId="{0BDF6ADE-D272-CF43-83EC-A3D21A9E5A79}">
+      <dsp:nvSpPr>
+        <dsp:cNvPr id="0" name=""/>
+        <dsp:cNvSpPr/>
+      </dsp:nvSpPr>
+      <dsp:spPr>
+        <a:xfrm>
+          <a:off x="6996801" y="1892520"/>
+          <a:ext cx="1216480" cy="973185"/>
+        </a:xfrm>
+        <a:prstGeom prst="roundRect">
+          <a:avLst/>
+        </a:prstGeom>
+        <a:solidFill>
+          <a:schemeClr val="accent1">
+            <a:hueOff val="0"/>
+            <a:satOff val="0"/>
+            <a:lumOff val="0"/>
+            <a:alphaOff val="0"/>
+          </a:schemeClr>
+        </a:solidFill>
+        <a:ln w="12700" cap="flat" cmpd="sng" algn="ctr">
+          <a:solidFill>
+            <a:schemeClr val="lt1">
+              <a:hueOff val="0"/>
+              <a:satOff val="0"/>
+              <a:lumOff val="0"/>
+              <a:alphaOff val="0"/>
+            </a:schemeClr>
+          </a:solidFill>
+          <a:prstDash val="solid"/>
+          <a:miter lim="800000"/>
+        </a:ln>
+        <a:effectLst/>
+      </dsp:spPr>
+      <dsp:style>
+        <a:lnRef idx="2">
+          <a:scrgbClr r="0" g="0" b="0"/>
+        </a:lnRef>
+        <a:fillRef idx="1">
+          <a:scrgbClr r="0" g="0" b="0"/>
+        </a:fillRef>
+        <a:effectRef idx="0">
+          <a:scrgbClr r="0" g="0" b="0"/>
+        </a:effectRef>
+        <a:fontRef idx="minor">
+          <a:schemeClr val="lt1"/>
+        </a:fontRef>
+      </dsp:style>
+      <dsp:txBody>
+        <a:bodyPr spcFirstLastPara="0" vert="horz" wrap="square" lIns="41910" tIns="41910" rIns="41910" bIns="41910" numCol="1" spcCol="1270" anchor="ctr" anchorCtr="0">
+          <a:noAutofit/>
+        </a:bodyPr>
+        <a:lstStyle/>
+        <a:p>
+          <a:pPr marL="0" lvl="0" indent="0" algn="ctr" defTabSz="488950">
+            <a:lnSpc>
+              <a:spcPct val="90000"/>
+            </a:lnSpc>
+            <a:spcBef>
+              <a:spcPct val="0"/>
+            </a:spcBef>
+            <a:spcAft>
+              <a:spcPct val="35000"/>
+            </a:spcAft>
+            <a:buNone/>
+          </a:pPr>
+          <a:r>
+            <a:rPr lang="en-US" sz="1100" kern="1200" dirty="0"/>
+            <a:t>3. Coding</a:t>
+          </a:r>
+        </a:p>
+      </dsp:txBody>
+      <dsp:txXfrm>
+        <a:off x="7044308" y="1940027"/>
+        <a:ext cx="1121466" cy="878171"/>
+      </dsp:txXfrm>
+    </dsp:sp>
+    <dsp:sp modelId="{17A84419-0B92-3745-9FA5-99182F307790}">
+      <dsp:nvSpPr>
+        <dsp:cNvPr id="0" name=""/>
+        <dsp:cNvSpPr/>
+      </dsp:nvSpPr>
+      <dsp:spPr>
+        <a:xfrm>
+          <a:off x="2711070" y="341564"/>
+          <a:ext cx="4931431" cy="4931431"/>
+        </a:xfrm>
+        <a:custGeom>
+          <a:avLst/>
+          <a:gdLst/>
+          <a:ahLst/>
+          <a:cxnLst/>
+          <a:rect l="0" t="0" r="0" b="0"/>
+          <a:pathLst>
+            <a:path>
+              <a:moveTo>
+                <a:pt x="4923493" y="2663410"/>
+              </a:moveTo>
+              <a:arcTo wR="2465715" hR="2465715" stAng="275926" swAng="586649"/>
+            </a:path>
+          </a:pathLst>
+        </a:custGeom>
+        <a:noFill/>
+        <a:ln w="6350" cap="flat" cmpd="sng" algn="ctr">
+          <a:solidFill>
+            <a:schemeClr val="accent1">
+              <a:hueOff val="0"/>
+              <a:satOff val="0"/>
+              <a:lumOff val="0"/>
+              <a:alphaOff val="0"/>
+            </a:schemeClr>
+          </a:solidFill>
+          <a:prstDash val="solid"/>
+          <a:miter lim="800000"/>
+          <a:tailEnd type="arrow"/>
+        </a:ln>
+        <a:effectLst/>
+      </dsp:spPr>
+      <dsp:style>
+        <a:lnRef idx="1">
+          <a:scrgbClr r="0" g="0" b="0"/>
+        </a:lnRef>
+        <a:fillRef idx="0">
+          <a:scrgbClr r="0" g="0" b="0"/>
+        </a:fillRef>
+        <a:effectRef idx="0">
+          <a:scrgbClr r="0" g="0" b="0"/>
+        </a:effectRef>
+        <a:fontRef idx="minor"/>
+      </dsp:style>
+    </dsp:sp>
+    <dsp:sp modelId="{0DA8C7AC-B4A6-2345-B240-17DDB258A780}">
+      <dsp:nvSpPr>
+        <dsp:cNvPr id="0" name=""/>
+        <dsp:cNvSpPr/>
+      </dsp:nvSpPr>
+      <dsp:spPr>
+        <a:xfrm>
+          <a:off x="6703918" y="3553544"/>
+          <a:ext cx="1216480" cy="973185"/>
+        </a:xfrm>
+        <a:prstGeom prst="roundRect">
+          <a:avLst/>
+        </a:prstGeom>
+        <a:solidFill>
+          <a:schemeClr val="accent1">
+            <a:hueOff val="0"/>
+            <a:satOff val="0"/>
+            <a:lumOff val="0"/>
+            <a:alphaOff val="0"/>
+          </a:schemeClr>
+        </a:solidFill>
+        <a:ln w="12700" cap="flat" cmpd="sng" algn="ctr">
+          <a:solidFill>
+            <a:schemeClr val="lt1">
+              <a:hueOff val="0"/>
+              <a:satOff val="0"/>
+              <a:lumOff val="0"/>
+              <a:alphaOff val="0"/>
+            </a:schemeClr>
+          </a:solidFill>
+          <a:prstDash val="solid"/>
+          <a:miter lim="800000"/>
+        </a:ln>
+        <a:effectLst/>
+      </dsp:spPr>
+      <dsp:style>
+        <a:lnRef idx="2">
+          <a:scrgbClr r="0" g="0" b="0"/>
+        </a:lnRef>
+        <a:fillRef idx="1">
+          <a:scrgbClr r="0" g="0" b="0"/>
+        </a:fillRef>
+        <a:effectRef idx="0">
+          <a:scrgbClr r="0" g="0" b="0"/>
+        </a:effectRef>
+        <a:fontRef idx="minor">
+          <a:schemeClr val="lt1"/>
+        </a:fontRef>
+      </dsp:style>
+      <dsp:txBody>
+        <a:bodyPr spcFirstLastPara="0" vert="horz" wrap="square" lIns="41910" tIns="41910" rIns="41910" bIns="41910" numCol="1" spcCol="1270" anchor="ctr" anchorCtr="0">
+          <a:noAutofit/>
+        </a:bodyPr>
+        <a:lstStyle/>
+        <a:p>
+          <a:pPr marL="0" lvl="0" indent="0" algn="ctr" defTabSz="488950">
+            <a:lnSpc>
+              <a:spcPct val="90000"/>
+            </a:lnSpc>
+            <a:spcBef>
+              <a:spcPct val="0"/>
+            </a:spcBef>
+            <a:spcAft>
+              <a:spcPct val="35000"/>
+            </a:spcAft>
+            <a:buNone/>
+          </a:pPr>
+          <a:r>
+            <a:rPr lang="en-US" sz="1100" kern="1200" dirty="0"/>
+            <a:t>4. Building Containers</a:t>
+          </a:r>
+        </a:p>
+      </dsp:txBody>
+      <dsp:txXfrm>
+        <a:off x="6751425" y="3601051"/>
+        <a:ext cx="1121466" cy="878171"/>
+      </dsp:txXfrm>
+    </dsp:sp>
+    <dsp:sp modelId="{86BE49DA-B007-6648-8B50-AF93500AC54A}">
+      <dsp:nvSpPr>
+        <dsp:cNvPr id="0" name=""/>
+        <dsp:cNvSpPr/>
+      </dsp:nvSpPr>
+      <dsp:spPr>
+        <a:xfrm>
+          <a:off x="2711070" y="341564"/>
+          <a:ext cx="4931431" cy="4931431"/>
+        </a:xfrm>
+        <a:custGeom>
+          <a:avLst/>
+          <a:gdLst/>
+          <a:ahLst/>
+          <a:cxnLst/>
+          <a:rect l="0" t="0" r="0" b="0"/>
+          <a:pathLst>
+            <a:path>
+              <a:moveTo>
+                <a:pt x="4165408" y="4251996"/>
+              </a:moveTo>
+              <a:arcTo wR="2465715" hR="2465715" stAng="2785373" swAng="398582"/>
+            </a:path>
+          </a:pathLst>
+        </a:custGeom>
+        <a:noFill/>
+        <a:ln w="6350" cap="flat" cmpd="sng" algn="ctr">
+          <a:solidFill>
+            <a:schemeClr val="accent1">
+              <a:hueOff val="0"/>
+              <a:satOff val="0"/>
+              <a:lumOff val="0"/>
+              <a:alphaOff val="0"/>
+            </a:schemeClr>
+          </a:solidFill>
+          <a:prstDash val="solid"/>
+          <a:miter lim="800000"/>
+          <a:tailEnd type="arrow"/>
+        </a:ln>
+        <a:effectLst/>
+      </dsp:spPr>
+      <dsp:style>
+        <a:lnRef idx="1">
+          <a:scrgbClr r="0" g="0" b="0"/>
+        </a:lnRef>
+        <a:fillRef idx="0">
+          <a:scrgbClr r="0" g="0" b="0"/>
+        </a:fillRef>
+        <a:effectRef idx="0">
+          <a:scrgbClr r="0" g="0" b="0"/>
+        </a:effectRef>
+        <a:fontRef idx="minor"/>
+      </dsp:style>
+    </dsp:sp>
+    <dsp:sp modelId="{46547660-5F12-4E40-8628-8071E2BA79FA}">
+      <dsp:nvSpPr>
+        <dsp:cNvPr id="0" name=""/>
+        <dsp:cNvSpPr/>
+      </dsp:nvSpPr>
+      <dsp:spPr>
+        <a:xfrm>
+          <a:off x="5458852" y="4675289"/>
+          <a:ext cx="1122516" cy="898009"/>
+        </a:xfrm>
+        <a:prstGeom prst="roundRect">
+          <a:avLst/>
+        </a:prstGeom>
+        <a:solidFill>
+          <a:schemeClr val="accent1">
+            <a:hueOff val="0"/>
+            <a:satOff val="0"/>
+            <a:lumOff val="0"/>
+            <a:alphaOff val="0"/>
+          </a:schemeClr>
+        </a:solidFill>
+        <a:ln w="12700" cap="flat" cmpd="sng" algn="ctr">
+          <a:solidFill>
+            <a:schemeClr val="lt1">
+              <a:hueOff val="0"/>
+              <a:satOff val="0"/>
+              <a:lumOff val="0"/>
+              <a:alphaOff val="0"/>
+            </a:schemeClr>
+          </a:solidFill>
+          <a:prstDash val="solid"/>
+          <a:miter lim="800000"/>
+        </a:ln>
+        <a:effectLst/>
+      </dsp:spPr>
+      <dsp:style>
+        <a:lnRef idx="2">
+          <a:scrgbClr r="0" g="0" b="0"/>
+        </a:lnRef>
+        <a:fillRef idx="1">
+          <a:scrgbClr r="0" g="0" b="0"/>
+        </a:fillRef>
+        <a:effectRef idx="0">
+          <a:scrgbClr r="0" g="0" b="0"/>
+        </a:effectRef>
+        <a:fontRef idx="minor">
+          <a:schemeClr val="lt1"/>
+        </a:fontRef>
+      </dsp:style>
+      <dsp:txBody>
+        <a:bodyPr spcFirstLastPara="0" vert="horz" wrap="square" lIns="41910" tIns="41910" rIns="41910" bIns="41910" numCol="1" spcCol="1270" anchor="ctr" anchorCtr="0">
+          <a:noAutofit/>
+        </a:bodyPr>
+        <a:lstStyle/>
+        <a:p>
+          <a:pPr marL="0" lvl="0" indent="0" algn="ctr" defTabSz="488950">
+            <a:lnSpc>
+              <a:spcPct val="90000"/>
+            </a:lnSpc>
+            <a:spcBef>
+              <a:spcPct val="0"/>
+            </a:spcBef>
+            <a:spcAft>
+              <a:spcPct val="35000"/>
+            </a:spcAft>
+            <a:buNone/>
+          </a:pPr>
+          <a:r>
+            <a:rPr lang="en-US" sz="1100" kern="1200" dirty="0"/>
+            <a:t>5. Testing Containers</a:t>
+          </a:r>
+        </a:p>
+      </dsp:txBody>
+      <dsp:txXfrm>
+        <a:off x="5502689" y="4719126"/>
+        <a:ext cx="1034842" cy="810335"/>
+      </dsp:txXfrm>
+    </dsp:sp>
+    <dsp:sp modelId="{07B98A0F-20CD-1F42-8798-DF7F0A708D65}">
+      <dsp:nvSpPr>
+        <dsp:cNvPr id="0" name=""/>
+        <dsp:cNvSpPr/>
+      </dsp:nvSpPr>
+      <dsp:spPr>
+        <a:xfrm>
+          <a:off x="2711070" y="341564"/>
+          <a:ext cx="4931431" cy="4931431"/>
+        </a:xfrm>
+        <a:custGeom>
+          <a:avLst/>
+          <a:gdLst/>
+          <a:ahLst/>
+          <a:cxnLst/>
+          <a:rect l="0" t="0" r="0" b="0"/>
+          <a:pathLst>
+            <a:path>
+              <a:moveTo>
+                <a:pt x="2635439" y="4925582"/>
+              </a:moveTo>
+              <a:arcTo wR="2465715" hR="2465715" stAng="5163180" swAng="473640"/>
+            </a:path>
+          </a:pathLst>
+        </a:custGeom>
+        <a:noFill/>
+        <a:ln w="6350" cap="flat" cmpd="sng" algn="ctr">
+          <a:solidFill>
+            <a:schemeClr val="accent1">
+              <a:hueOff val="0"/>
+              <a:satOff val="0"/>
+              <a:lumOff val="0"/>
+              <a:alphaOff val="0"/>
+            </a:schemeClr>
+          </a:solidFill>
+          <a:prstDash val="solid"/>
+          <a:miter lim="800000"/>
+          <a:tailEnd type="arrow"/>
+        </a:ln>
+        <a:effectLst/>
+      </dsp:spPr>
+      <dsp:style>
+        <a:lnRef idx="1">
+          <a:scrgbClr r="0" g="0" b="0"/>
+        </a:lnRef>
+        <a:fillRef idx="0">
+          <a:scrgbClr r="0" g="0" b="0"/>
+        </a:fillRef>
+        <a:effectRef idx="0">
+          <a:scrgbClr r="0" g="0" b="0"/>
+        </a:effectRef>
+        <a:fontRef idx="minor"/>
+      </dsp:style>
+    </dsp:sp>
+    <dsp:sp modelId="{388CB46B-4CD3-4D48-812F-638C0DAEB9AC}">
+      <dsp:nvSpPr>
+        <dsp:cNvPr id="0" name=""/>
+        <dsp:cNvSpPr/>
+      </dsp:nvSpPr>
+      <dsp:spPr>
+        <a:xfrm>
+          <a:off x="3772203" y="4675289"/>
+          <a:ext cx="1122516" cy="898009"/>
+        </a:xfrm>
+        <a:prstGeom prst="roundRect">
+          <a:avLst/>
+        </a:prstGeom>
+        <a:solidFill>
+          <a:schemeClr val="accent1">
+            <a:hueOff val="0"/>
+            <a:satOff val="0"/>
+            <a:lumOff val="0"/>
+            <a:alphaOff val="0"/>
+          </a:schemeClr>
+        </a:solidFill>
+        <a:ln w="12700" cap="flat" cmpd="sng" algn="ctr">
+          <a:solidFill>
+            <a:schemeClr val="lt1">
+              <a:hueOff val="0"/>
+              <a:satOff val="0"/>
+              <a:lumOff val="0"/>
+              <a:alphaOff val="0"/>
+            </a:schemeClr>
+          </a:solidFill>
+          <a:prstDash val="solid"/>
+          <a:miter lim="800000"/>
+        </a:ln>
+        <a:effectLst/>
+      </dsp:spPr>
+      <dsp:style>
+        <a:lnRef idx="2">
+          <a:scrgbClr r="0" g="0" b="0"/>
+        </a:lnRef>
+        <a:fillRef idx="1">
+          <a:scrgbClr r="0" g="0" b="0"/>
+        </a:fillRef>
+        <a:effectRef idx="0">
+          <a:scrgbClr r="0" g="0" b="0"/>
+        </a:effectRef>
+        <a:fontRef idx="minor">
+          <a:schemeClr val="lt1"/>
+        </a:fontRef>
+      </dsp:style>
+      <dsp:txBody>
+        <a:bodyPr spcFirstLastPara="0" vert="horz" wrap="square" lIns="41910" tIns="41910" rIns="41910" bIns="41910" numCol="1" spcCol="1270" anchor="ctr" anchorCtr="0">
+          <a:noAutofit/>
+        </a:bodyPr>
+        <a:lstStyle/>
+        <a:p>
+          <a:pPr marL="0" lvl="0" indent="0" algn="ctr" defTabSz="488950">
+            <a:lnSpc>
+              <a:spcPct val="90000"/>
+            </a:lnSpc>
+            <a:spcBef>
+              <a:spcPct val="0"/>
+            </a:spcBef>
+            <a:spcAft>
+              <a:spcPct val="35000"/>
+            </a:spcAft>
+            <a:buNone/>
+          </a:pPr>
+          <a:r>
+            <a:rPr lang="en-US" sz="1100" kern="1200" dirty="0"/>
+            <a:t>6. Building Singularity Scripts</a:t>
+          </a:r>
+        </a:p>
+      </dsp:txBody>
+      <dsp:txXfrm>
+        <a:off x="3816040" y="4719126"/>
+        <a:ext cx="1034842" cy="810335"/>
+      </dsp:txXfrm>
+    </dsp:sp>
+    <dsp:sp modelId="{B1F65CAE-3DD2-044B-A842-152E6585F490}">
+      <dsp:nvSpPr>
+        <dsp:cNvPr id="0" name=""/>
+        <dsp:cNvSpPr/>
+      </dsp:nvSpPr>
+      <dsp:spPr>
+        <a:xfrm>
+          <a:off x="2711070" y="341564"/>
+          <a:ext cx="4931431" cy="4931431"/>
+        </a:xfrm>
+        <a:custGeom>
+          <a:avLst/>
+          <a:gdLst/>
+          <a:ahLst/>
+          <a:cxnLst/>
+          <a:rect l="0" t="0" r="0" b="0"/>
+          <a:pathLst>
+            <a:path>
+              <a:moveTo>
+                <a:pt x="975833" y="4430404"/>
+              </a:moveTo>
+              <a:arcTo wR="2465715" hR="2465715" stAng="7630447" swAng="442160"/>
+            </a:path>
+          </a:pathLst>
+        </a:custGeom>
+        <a:noFill/>
+        <a:ln w="6350" cap="flat" cmpd="sng" algn="ctr">
+          <a:solidFill>
+            <a:schemeClr val="accent1">
+              <a:hueOff val="0"/>
+              <a:satOff val="0"/>
+              <a:lumOff val="0"/>
+              <a:alphaOff val="0"/>
+            </a:schemeClr>
+          </a:solidFill>
+          <a:prstDash val="solid"/>
+          <a:miter lim="800000"/>
+          <a:tailEnd type="arrow"/>
+        </a:ln>
+        <a:effectLst/>
+      </dsp:spPr>
+      <dsp:style>
+        <a:lnRef idx="1">
+          <a:scrgbClr r="0" g="0" b="0"/>
+        </a:lnRef>
+        <a:fillRef idx="0">
+          <a:scrgbClr r="0" g="0" b="0"/>
+        </a:fillRef>
+        <a:effectRef idx="0">
+          <a:scrgbClr r="0" g="0" b="0"/>
+        </a:effectRef>
+        <a:fontRef idx="minor"/>
+      </dsp:style>
+    </dsp:sp>
+    <dsp:sp modelId="{064CC82E-B461-564C-948A-2D04D3727AC3}">
+      <dsp:nvSpPr>
+        <dsp:cNvPr id="0" name=""/>
+        <dsp:cNvSpPr/>
+      </dsp:nvSpPr>
+      <dsp:spPr>
+        <a:xfrm>
+          <a:off x="2480155" y="3591132"/>
+          <a:ext cx="1122516" cy="898009"/>
+        </a:xfrm>
+        <a:prstGeom prst="roundRect">
+          <a:avLst/>
+        </a:prstGeom>
+        <a:solidFill>
+          <a:schemeClr val="accent1">
+            <a:hueOff val="0"/>
+            <a:satOff val="0"/>
+            <a:lumOff val="0"/>
+            <a:alphaOff val="0"/>
+          </a:schemeClr>
+        </a:solidFill>
+        <a:ln w="12700" cap="flat" cmpd="sng" algn="ctr">
+          <a:solidFill>
+            <a:schemeClr val="lt1">
+              <a:hueOff val="0"/>
+              <a:satOff val="0"/>
+              <a:lumOff val="0"/>
+              <a:alphaOff val="0"/>
+            </a:schemeClr>
+          </a:solidFill>
+          <a:prstDash val="solid"/>
+          <a:miter lim="800000"/>
+        </a:ln>
+        <a:effectLst/>
+      </dsp:spPr>
+      <dsp:style>
+        <a:lnRef idx="2">
+          <a:scrgbClr r="0" g="0" b="0"/>
+        </a:lnRef>
+        <a:fillRef idx="1">
+          <a:scrgbClr r="0" g="0" b="0"/>
+        </a:fillRef>
+        <a:effectRef idx="0">
+          <a:scrgbClr r="0" g="0" b="0"/>
+        </a:effectRef>
+        <a:fontRef idx="minor">
+          <a:schemeClr val="lt1"/>
+        </a:fontRef>
+      </dsp:style>
+      <dsp:txBody>
+        <a:bodyPr spcFirstLastPara="0" vert="horz" wrap="square" lIns="41910" tIns="41910" rIns="41910" bIns="41910" numCol="1" spcCol="1270" anchor="ctr" anchorCtr="0">
+          <a:noAutofit/>
+        </a:bodyPr>
+        <a:lstStyle/>
+        <a:p>
+          <a:pPr marL="0" lvl="0" indent="0" algn="ctr" defTabSz="488950">
+            <a:lnSpc>
+              <a:spcPct val="90000"/>
+            </a:lnSpc>
+            <a:spcBef>
+              <a:spcPct val="0"/>
+            </a:spcBef>
+            <a:spcAft>
+              <a:spcPct val="35000"/>
+            </a:spcAft>
+            <a:buNone/>
+          </a:pPr>
+          <a:r>
+            <a:rPr lang="en-US" sz="1100" kern="1200" dirty="0"/>
+            <a:t>7. Testing Singularity Scripts</a:t>
+          </a:r>
+        </a:p>
+      </dsp:txBody>
+      <dsp:txXfrm>
+        <a:off x="2523992" y="3634969"/>
+        <a:ext cx="1034842" cy="810335"/>
+      </dsp:txXfrm>
+    </dsp:sp>
+    <dsp:sp modelId="{AFBA1D39-35D9-604F-B68D-D37E10A9EC59}">
+      <dsp:nvSpPr>
+        <dsp:cNvPr id="0" name=""/>
+        <dsp:cNvSpPr/>
+      </dsp:nvSpPr>
+      <dsp:spPr>
+        <a:xfrm>
+          <a:off x="2711070" y="341564"/>
+          <a:ext cx="4931431" cy="4931431"/>
+        </a:xfrm>
+        <a:custGeom>
+          <a:avLst/>
+          <a:gdLst/>
+          <a:ahLst/>
+          <a:cxnLst/>
+          <a:rect l="0" t="0" r="0" b="0"/>
+          <a:pathLst>
+            <a:path>
+              <a:moveTo>
+                <a:pt x="83356" y="3101419"/>
+              </a:moveTo>
+              <a:arcTo wR="2465715" hR="2465715" stAng="9903566" swAng="651655"/>
+            </a:path>
+          </a:pathLst>
+        </a:custGeom>
+        <a:noFill/>
+        <a:ln w="6350" cap="flat" cmpd="sng" algn="ctr">
+          <a:solidFill>
+            <a:schemeClr val="accent1">
+              <a:hueOff val="0"/>
+              <a:satOff val="0"/>
+              <a:lumOff val="0"/>
+              <a:alphaOff val="0"/>
+            </a:schemeClr>
+          </a:solidFill>
+          <a:prstDash val="solid"/>
+          <a:miter lim="800000"/>
+          <a:tailEnd type="arrow"/>
+        </a:ln>
+        <a:effectLst/>
+      </dsp:spPr>
+      <dsp:style>
+        <a:lnRef idx="1">
+          <a:scrgbClr r="0" g="0" b="0"/>
+        </a:lnRef>
+        <a:fillRef idx="0">
+          <a:scrgbClr r="0" g="0" b="0"/>
+        </a:fillRef>
+        <a:effectRef idx="0">
+          <a:scrgbClr r="0" g="0" b="0"/>
+        </a:effectRef>
+        <a:fontRef idx="minor"/>
+      </dsp:style>
+    </dsp:sp>
+    <dsp:sp modelId="{53A42A12-E43C-7541-8250-32E4A38EC4CE}">
+      <dsp:nvSpPr>
+        <dsp:cNvPr id="0" name=""/>
+        <dsp:cNvSpPr/>
+      </dsp:nvSpPr>
+      <dsp:spPr>
+        <a:xfrm>
+          <a:off x="2187272" y="1930108"/>
+          <a:ext cx="1122516" cy="898009"/>
+        </a:xfrm>
+        <a:prstGeom prst="roundRect">
+          <a:avLst/>
+        </a:prstGeom>
+        <a:solidFill>
+          <a:schemeClr val="accent1">
+            <a:hueOff val="0"/>
+            <a:satOff val="0"/>
+            <a:lumOff val="0"/>
+            <a:alphaOff val="0"/>
+          </a:schemeClr>
+        </a:solidFill>
+        <a:ln w="12700" cap="flat" cmpd="sng" algn="ctr">
+          <a:solidFill>
+            <a:schemeClr val="lt1">
+              <a:hueOff val="0"/>
+              <a:satOff val="0"/>
+              <a:lumOff val="0"/>
+              <a:alphaOff val="0"/>
+            </a:schemeClr>
+          </a:solidFill>
+          <a:prstDash val="solid"/>
+          <a:miter lim="800000"/>
+        </a:ln>
+        <a:effectLst/>
+      </dsp:spPr>
+      <dsp:style>
+        <a:lnRef idx="2">
+          <a:scrgbClr r="0" g="0" b="0"/>
+        </a:lnRef>
+        <a:fillRef idx="1">
+          <a:scrgbClr r="0" g="0" b="0"/>
+        </a:fillRef>
+        <a:effectRef idx="0">
+          <a:scrgbClr r="0" g="0" b="0"/>
+        </a:effectRef>
+        <a:fontRef idx="minor">
+          <a:schemeClr val="lt1"/>
+        </a:fontRef>
+      </dsp:style>
+      <dsp:txBody>
+        <a:bodyPr spcFirstLastPara="0" vert="horz" wrap="square" lIns="41910" tIns="41910" rIns="41910" bIns="41910" numCol="1" spcCol="1270" anchor="ctr" anchorCtr="0">
+          <a:noAutofit/>
+        </a:bodyPr>
+        <a:lstStyle/>
+        <a:p>
+          <a:pPr marL="0" lvl="0" indent="0" algn="ctr" defTabSz="488950">
+            <a:lnSpc>
+              <a:spcPct val="90000"/>
+            </a:lnSpc>
+            <a:spcBef>
+              <a:spcPct val="0"/>
+            </a:spcBef>
+            <a:spcAft>
+              <a:spcPct val="35000"/>
+            </a:spcAft>
+            <a:buNone/>
+          </a:pPr>
+          <a:r>
+            <a:rPr lang="en-US" sz="1100" kern="1200" dirty="0"/>
+            <a:t>8. Documenting final product on code and image repositories</a:t>
+          </a:r>
+        </a:p>
+      </dsp:txBody>
+      <dsp:txXfrm>
+        <a:off x="2231109" y="1973945"/>
+        <a:ext cx="1034842" cy="810335"/>
+      </dsp:txXfrm>
+    </dsp:sp>
+    <dsp:sp modelId="{71923F32-1816-FE4C-B879-BAD7A052FD0C}">
+      <dsp:nvSpPr>
+        <dsp:cNvPr id="0" name=""/>
+        <dsp:cNvSpPr/>
+      </dsp:nvSpPr>
+      <dsp:spPr>
+        <a:xfrm>
+          <a:off x="2711070" y="341564"/>
+          <a:ext cx="4931431" cy="4931431"/>
+        </a:xfrm>
+        <a:custGeom>
+          <a:avLst/>
+          <a:gdLst/>
+          <a:ahLst/>
+          <a:cxnLst/>
+          <a:rect l="0" t="0" r="0" b="0"/>
+          <a:pathLst>
+            <a:path>
+              <a:moveTo>
+                <a:pt x="206167" y="1478700"/>
+              </a:moveTo>
+              <a:arcTo wR="2465715" hR="2465715" stAng="12215799" swAng="498339"/>
+            </a:path>
+          </a:pathLst>
+        </a:custGeom>
+        <a:noFill/>
+        <a:ln w="6350" cap="flat" cmpd="sng" algn="ctr">
+          <a:solidFill>
+            <a:schemeClr val="accent1">
+              <a:hueOff val="0"/>
+              <a:satOff val="0"/>
+              <a:lumOff val="0"/>
+              <a:alphaOff val="0"/>
+            </a:schemeClr>
+          </a:solidFill>
+          <a:prstDash val="solid"/>
+          <a:miter lim="800000"/>
+          <a:tailEnd type="arrow"/>
+        </a:ln>
+        <a:effectLst/>
+      </dsp:spPr>
+      <dsp:style>
+        <a:lnRef idx="1">
+          <a:scrgbClr r="0" g="0" b="0"/>
+        </a:lnRef>
+        <a:fillRef idx="0">
+          <a:scrgbClr r="0" g="0" b="0"/>
+        </a:fillRef>
+        <a:effectRef idx="0">
+          <a:scrgbClr r="0" g="0" b="0"/>
+        </a:effectRef>
+        <a:fontRef idx="minor"/>
+      </dsp:style>
+    </dsp:sp>
+    <dsp:sp modelId="{BE4E625A-1380-6443-BAFC-C76702CF637F}">
+      <dsp:nvSpPr>
+        <dsp:cNvPr id="0" name=""/>
+        <dsp:cNvSpPr/>
+      </dsp:nvSpPr>
+      <dsp:spPr>
+        <a:xfrm>
+          <a:off x="2983614" y="431839"/>
+          <a:ext cx="1216480" cy="973185"/>
+        </a:xfrm>
+        <a:prstGeom prst="roundRect">
+          <a:avLst/>
+        </a:prstGeom>
+        <a:solidFill>
+          <a:schemeClr val="accent1">
+            <a:hueOff val="0"/>
+            <a:satOff val="0"/>
+            <a:lumOff val="0"/>
+            <a:alphaOff val="0"/>
+          </a:schemeClr>
+        </a:solidFill>
+        <a:ln w="12700" cap="flat" cmpd="sng" algn="ctr">
+          <a:solidFill>
+            <a:schemeClr val="lt1">
+              <a:hueOff val="0"/>
+              <a:satOff val="0"/>
+              <a:lumOff val="0"/>
+              <a:alphaOff val="0"/>
+            </a:schemeClr>
+          </a:solidFill>
+          <a:prstDash val="solid"/>
+          <a:miter lim="800000"/>
+        </a:ln>
+        <a:effectLst/>
+      </dsp:spPr>
+      <dsp:style>
+        <a:lnRef idx="2">
+          <a:scrgbClr r="0" g="0" b="0"/>
+        </a:lnRef>
+        <a:fillRef idx="1">
+          <a:scrgbClr r="0" g="0" b="0"/>
+        </a:fillRef>
+        <a:effectRef idx="0">
+          <a:scrgbClr r="0" g="0" b="0"/>
+        </a:effectRef>
+        <a:fontRef idx="minor">
+          <a:schemeClr val="lt1"/>
+        </a:fontRef>
+      </dsp:style>
+      <dsp:txBody>
+        <a:bodyPr spcFirstLastPara="0" vert="horz" wrap="square" lIns="41910" tIns="41910" rIns="41910" bIns="41910" numCol="1" spcCol="1270" anchor="ctr" anchorCtr="0">
+          <a:noAutofit/>
+        </a:bodyPr>
+        <a:lstStyle/>
+        <a:p>
+          <a:pPr marL="0" lvl="0" indent="0" algn="ctr" defTabSz="488950">
+            <a:lnSpc>
+              <a:spcPct val="90000"/>
+            </a:lnSpc>
+            <a:spcBef>
+              <a:spcPct val="0"/>
+            </a:spcBef>
+            <a:spcAft>
+              <a:spcPct val="35000"/>
+            </a:spcAft>
+            <a:buNone/>
+          </a:pPr>
+          <a:r>
+            <a:rPr lang="en-US" sz="1100" kern="1200" dirty="0"/>
+            <a:t>9. Tag and release final product for public use</a:t>
+          </a:r>
+        </a:p>
+      </dsp:txBody>
+      <dsp:txXfrm>
+        <a:off x="3031121" y="479346"/>
+        <a:ext cx="1121466" cy="878171"/>
+      </dsp:txXfrm>
+    </dsp:sp>
+    <dsp:sp modelId="{B50ECC51-5E15-B44A-85FB-13BCEDF232DF}">
+      <dsp:nvSpPr>
+        <dsp:cNvPr id="0" name=""/>
+        <dsp:cNvSpPr/>
+      </dsp:nvSpPr>
+      <dsp:spPr>
+        <a:xfrm>
+          <a:off x="2711070" y="341564"/>
+          <a:ext cx="4931431" cy="4931431"/>
+        </a:xfrm>
+        <a:custGeom>
+          <a:avLst/>
+          <a:gdLst/>
+          <a:ahLst/>
+          <a:cxnLst/>
+          <a:rect l="0" t="0" r="0" b="0"/>
+          <a:pathLst>
+            <a:path>
+              <a:moveTo>
+                <a:pt x="1560978" y="171984"/>
+              </a:moveTo>
+              <a:arcTo wR="2465715" hR="2465715" stAng="14908428" swAng="326172"/>
+            </a:path>
+          </a:pathLst>
+        </a:custGeom>
+        <a:noFill/>
+        <a:ln w="6350" cap="flat" cmpd="sng" algn="ctr">
+          <a:solidFill>
+            <a:schemeClr val="accent1">
+              <a:hueOff val="0"/>
+              <a:satOff val="0"/>
+              <a:lumOff val="0"/>
+              <a:alphaOff val="0"/>
+            </a:schemeClr>
+          </a:solidFill>
+          <a:prstDash val="solid"/>
+          <a:miter lim="800000"/>
+          <a:tailEnd type="arrow"/>
+        </a:ln>
+        <a:effectLst/>
+      </dsp:spPr>
+      <dsp:style>
+        <a:lnRef idx="1">
+          <a:scrgbClr r="0" g="0" b="0"/>
+        </a:lnRef>
+        <a:fillRef idx="0">
+          <a:scrgbClr r="0" g="0" b="0"/>
+        </a:fillRef>
+        <a:effectRef idx="0">
+          <a:scrgbClr r="0" g="0" b="0"/>
+        </a:effectRef>
+        <a:fontRef idx="minor"/>
+      </dsp:style>
+    </dsp:sp>
+  </dsp:spTree>
+</dsp:drawing>
+</file>
+
+<file path=ppt/diagrams/layout1.xml><?xml version="1.0" encoding="utf-8"?>
+<dgm:layoutDef xmlns:dgm="http://schemas.openxmlformats.org/drawingml/2006/diagram" xmlns:a="http://schemas.openxmlformats.org/drawingml/2006/main" uniqueId="urn:microsoft.com/office/officeart/2005/8/layout/cycle5">
+  <dgm:title val=""/>
+  <dgm:desc val=""/>
+  <dgm:catLst>
+    <dgm:cat type="cycle" pri="3000"/>
+  </dgm:catLst>
+  <dgm:sampData>
+    <dgm:dataModel>
+      <dgm:ptLst>
+        <dgm:pt modelId="0" type="doc"/>
+        <dgm:pt modelId="1">
+          <dgm:prSet phldr="1"/>
+        </dgm:pt>
+        <dgm:pt modelId="2">
+          <dgm:prSet phldr="1"/>
+        </dgm:pt>
+        <dgm:pt modelId="3">
+          <dgm:prSet phldr="1"/>
+        </dgm:pt>
+        <dgm:pt modelId="4">
+          <dgm:prSet phldr="1"/>
+        </dgm:pt>
+        <dgm:pt modelId="5">
+          <dgm:prSet phldr="1"/>
+        </dgm:pt>
+      </dgm:ptLst>
+      <dgm:cxnLst>
+        <dgm:cxn modelId="6" srcId="0" destId="1" srcOrd="0" destOrd="0"/>
+        <dgm:cxn modelId="7" srcId="0" destId="2" srcOrd="1" destOrd="0"/>
+        <dgm:cxn modelId="8" srcId="0" destId="3" srcOrd="2" destOrd="0"/>
+        <dgm:cxn modelId="9" srcId="0" destId="4" srcOrd="3" destOrd="0"/>
+        <dgm:cxn modelId="10" srcId="0" destId="5" srcOrd="4" destOrd="0"/>
+      </dgm:cxnLst>
+      <dgm:bg/>
+      <dgm:whole/>
+    </dgm:dataModel>
+  </dgm:sampData>
+  <dgm:styleData>
+    <dgm:dataModel>
+      <dgm:ptLst>
+        <dgm:pt modelId="0" type="doc"/>
+        <dgm:pt modelId="1"/>
+        <dgm:pt modelId="2"/>
+        <dgm:pt modelId="3"/>
+      </dgm:ptLst>
+      <dgm:cxnLst>
+        <dgm:cxn modelId="4" srcId="0" destId="1" srcOrd="0" destOrd="0"/>
+        <dgm:cxn modelId="5" srcId="0" destId="2" srcOrd="1" destOrd="0"/>
+        <dgm:cxn modelId="6" srcId="0" destId="3" srcOrd="2" destOrd="0"/>
+      </dgm:cxnLst>
+      <dgm:bg/>
+      <dgm:whole/>
+    </dgm:dataModel>
+  </dgm:styleData>
+  <dgm:clrData>
+    <dgm:dataModel>
+      <dgm:ptLst>
+        <dgm:pt modelId="0" type="doc"/>
+        <dgm:pt modelId="1"/>
+        <dgm:pt modelId="2"/>
+        <dgm:pt modelId="3"/>
+        <dgm:pt modelId="4"/>
+        <dgm:pt modelId="5"/>
+        <dgm:pt modelId="6"/>
+      </dgm:ptLst>
+      <dgm:cxnLst>
+        <dgm:cxn modelId="7" srcId="0" destId="1" srcOrd="0" destOrd="0"/>
+        <dgm:cxn modelId="8" srcId="0" destId="2" srcOrd="1" destOrd="0"/>
+        <dgm:cxn modelId="9" srcId="0" destId="3" srcOrd="2" destOrd="0"/>
+        <dgm:cxn modelId="10" srcId="0" destId="4" srcOrd="3" destOrd="0"/>
+        <dgm:cxn modelId="11" srcId="0" destId="5" srcOrd="4" destOrd="0"/>
+        <dgm:cxn modelId="12" srcId="0" destId="6" srcOrd="5" destOrd="0"/>
+      </dgm:cxnLst>
+      <dgm:bg/>
+      <dgm:whole/>
+    </dgm:dataModel>
+  </dgm:clrData>
+  <dgm:layoutNode name="cycle">
+    <dgm:varLst>
+      <dgm:dir/>
+      <dgm:resizeHandles val="exact"/>
+    </dgm:varLst>
+    <dgm:choose name="Name0">
+      <dgm:if name="Name1" func="var" arg="dir" op="equ" val="norm">
+        <dgm:choose name="Name2">
+          <dgm:if name="Name3" axis="ch" ptType="node" func="cnt" op="gt" val="2">
+            <dgm:alg type="cycle">
+              <dgm:param type="stAng" val="0"/>
+              <dgm:param type="spanAng" val="360"/>
+            </dgm:alg>
+          </dgm:if>
+          <dgm:else name="Name4">
+            <dgm:alg type="cycle">
+              <dgm:param type="stAng" val="-90"/>
+              <dgm:param type="spanAng" val="360"/>
+            </dgm:alg>
+          </dgm:else>
+        </dgm:choose>
+      </dgm:if>
+      <dgm:else name="Name5">
+        <dgm:choose name="Name6">
+          <dgm:if name="Name7" axis="ch" ptType="node" func="cnt" op="gt" val="2">
+            <dgm:alg type="cycle">
+              <dgm:param type="stAng" val="0"/>
+              <dgm:param type="spanAng" val="-360"/>
+            </dgm:alg>
+          </dgm:if>
+          <dgm:else name="Name8">
+            <dgm:alg type="cycle">
+              <dgm:param type="stAng" val="90"/>
+              <dgm:param type="spanAng" val="-360"/>
+            </dgm:alg>
+          </dgm:else>
+        </dgm:choose>
+      </dgm:else>
+    </dgm:choose>
+    <dgm:shape xmlns:r="http://schemas.openxmlformats.org/officeDocument/2006/relationships" r:blip="">
+      <dgm:adjLst/>
+    </dgm:shape>
+    <dgm:presOf/>
+    <dgm:choose name="Name9">
+      <dgm:if name="Name10" func="var" arg="dir" op="equ" val="norm">
+        <dgm:constrLst>
+          <dgm:constr type="w" for="ch" forName="node" refType="w"/>
+          <dgm:constr type="w" for="ch" ptType="sibTrans" refType="w" refFor="ch" refForName="node" op="equ" fact="0.3"/>
+          <dgm:constr type="diam" for="ch" ptType="sibTrans" refType="diam" op="equ"/>
+          <dgm:constr type="sibSp" refType="w" refFor="ch" refForName="node" op="equ" fact="0.15"/>
+          <dgm:constr type="w" for="ch" forName="spNode" refType="sibSp" fact="1.6"/>
+          <dgm:constr type="primFontSz" for="ch" forName="node" op="equ" val="65"/>
+        </dgm:constrLst>
+      </dgm:if>
+      <dgm:else name="Name11">
+        <dgm:constrLst>
+          <dgm:constr type="w" for="ch" forName="node" refType="w"/>
+          <dgm:constr type="w" for="ch" ptType="sibTrans" refType="w" refFor="ch" refForName="node" op="equ" fact="0.3"/>
+          <dgm:constr type="diam" for="ch" ptType="sibTrans" refType="diam" fact="-1"/>
+          <dgm:constr type="diam" for="ch" refType="diam" op="equ" fact="-1"/>
+          <dgm:constr type="sibSp" refType="w" refFor="ch" refForName="node" op="equ" fact="0.15"/>
+          <dgm:constr type="w" for="ch" forName="spNode" refType="sibSp" fact="1.6"/>
+          <dgm:constr type="primFontSz" for="ch" forName="node" op="equ" val="65"/>
+        </dgm:constrLst>
+      </dgm:else>
+    </dgm:choose>
+    <dgm:ruleLst/>
+    <dgm:forEach name="Name12" axis="ch" ptType="node">
+      <dgm:layoutNode name="node">
+        <dgm:varLst>
+          <dgm:bulletEnabled val="1"/>
+        </dgm:varLst>
+        <dgm:alg type="tx"/>
+        <dgm:shape xmlns:r="http://schemas.openxmlformats.org/officeDocument/2006/relationships" type="roundRect" r:blip="">
+          <dgm:adjLst/>
+        </dgm:shape>
+        <dgm:presOf axis="desOrSelf" ptType="node"/>
+        <dgm:constrLst>
+          <dgm:constr type="h" refType="w" fact="0.65"/>
+          <dgm:constr type="tMarg" refType="primFontSz" fact="0.3"/>
+          <dgm:constr type="bMarg" refType="primFontSz" fact="0.3"/>
+          <dgm:constr type="lMarg" refType="primFontSz" fact="0.3"/>
+          <dgm:constr type="rMarg" refType="primFontSz" fact="0.3"/>
+        </dgm:constrLst>
+        <dgm:ruleLst>
+          <dgm:rule type="primFontSz" val="5" fact="NaN" max="NaN"/>
+        </dgm:ruleLst>
+      </dgm:layoutNode>
+      <dgm:choose name="Name13">
+        <dgm:if name="Name14" axis="par ch" ptType="doc node" func="cnt" op="gt" val="1">
+          <dgm:layoutNode name="spNode">
+            <dgm:alg type="sp"/>
+            <dgm:shape xmlns:r="http://schemas.openxmlformats.org/officeDocument/2006/relationships" r:blip="">
+              <dgm:adjLst/>
+            </dgm:shape>
+            <dgm:presOf/>
+            <dgm:constrLst>
+              <dgm:constr type="h" refType="w"/>
+            </dgm:constrLst>
+            <dgm:ruleLst/>
+          </dgm:layoutNode>
+          <dgm:forEach name="Name15" axis="followSib" ptType="sibTrans" hideLastTrans="0" cnt="1">
+            <dgm:layoutNode name="sibTrans">
+              <dgm:alg type="conn">
+                <dgm:param type="dim" val="1D"/>
+                <dgm:param type="connRout" val="curve"/>
+                <dgm:param type="begPts" val="radial"/>
+                <dgm:param type="endPts" val="radial"/>
+              </dgm:alg>
+              <dgm:shape xmlns:r="http://schemas.openxmlformats.org/officeDocument/2006/relationships" type="conn" r:blip="">
+                <dgm:adjLst/>
+              </dgm:shape>
+              <dgm:presOf axis="self"/>
+              <dgm:constrLst>
+                <dgm:constr type="h" refType="w" fact="0.65"/>
+                <dgm:constr type="connDist"/>
+                <dgm:constr type="begPad" refType="connDist" fact="0.2"/>
+                <dgm:constr type="endPad" refType="connDist" fact="0.2"/>
+              </dgm:constrLst>
+              <dgm:ruleLst/>
+            </dgm:layoutNode>
+          </dgm:forEach>
+        </dgm:if>
+        <dgm:else name="Name16"/>
+      </dgm:choose>
+    </dgm:forEach>
+  </dgm:layoutNode>
+</dgm:layoutDef>
+</file>
+
+<file path=ppt/diagrams/quickStyle1.xml><?xml version="1.0" encoding="utf-8"?>
+<dgm:styleDef xmlns:dgm="http://schemas.openxmlformats.org/drawingml/2006/diagram" xmlns:a="http://schemas.openxmlformats.org/drawingml/2006/main" uniqueId="urn:microsoft.com/office/officeart/2005/8/quickstyle/simple1">
+  <dgm:title val=""/>
+  <dgm:desc val=""/>
+  <dgm:catLst>
+    <dgm:cat type="simple" pri="10100"/>
+  </dgm:catLst>
+  <dgm:scene3d>
+    <a:camera prst="orthographicFront"/>
+    <a:lightRig rig="threePt" dir="t"/>
+  </dgm:scene3d>
+  <dgm:styleLbl name="node0">
+    <dgm:scene3d>
+      <a:camera prst="orthographicFront"/>
+      <a:lightRig rig="threePt" dir="t"/>
+    </dgm:scene3d>
+    <dgm:sp3d/>
+    <dgm:txPr/>
+    <dgm:style>
+      <a:lnRef idx="2">
+        <a:scrgbClr r="0" g="0" b="0"/>
+      </a:lnRef>
+      <a:fillRef idx="1">
+        <a:scrgbClr r="0" g="0" b="0"/>
+      </a:fillRef>
+      <a:effectRef idx="0">
+        <a:scrgbClr r="0" g="0" b="0"/>
+      </a:effectRef>
+      <a:fontRef idx="minor">
+        <a:schemeClr val="lt1"/>
+      </a:fontRef>
+    </dgm:style>
+  </dgm:styleLbl>
+  <dgm:styleLbl name="lnNode1">
+    <dgm:scene3d>
+      <a:camera prst="orthographicFront"/>
+      <a:lightRig rig="threePt" dir="t"/>
+    </dgm:scene3d>
+    <dgm:sp3d/>
+    <dgm:txPr/>
+    <dgm:style>
+      <a:lnRef idx="2">
+        <a:scrgbClr r="0" g="0" b="0"/>
+      </a:lnRef>
+      <a:fillRef idx="1">
+        <a:scrgbClr r="0" g="0" b="0"/>
+      </a:fillRef>
+      <a:effectRef idx="0">
+        <a:scrgbClr r="0" g="0" b="0"/>
+      </a:effectRef>
+      <a:fontRef idx="minor">
+        <a:schemeClr val="lt1"/>
+      </a:fontRef>
+    </dgm:style>
+  </dgm:styleLbl>
+  <dgm:styleLbl name="vennNode1">
+    <dgm:scene3d>
+      <a:camera prst="orthographicFront"/>
+      <a:lightRig rig="threePt" dir="t"/>
+    </dgm:scene3d>
+    <dgm:sp3d/>
+    <dgm:txPr/>
+    <dgm:style>
+      <a:lnRef idx="2">
+        <a:scrgbClr r="0" g="0" b="0"/>
+      </a:lnRef>
+      <a:fillRef idx="1">
+        <a:scrgbClr r="0" g="0" b="0"/>
+      </a:fillRef>
+      <a:effectRef idx="0">
+        <a:scrgbClr r="0" g="0" b="0"/>
+      </a:effectRef>
+      <a:fontRef idx="minor">
+        <a:schemeClr val="tx1"/>
+      </a:fontRef>
+    </dgm:style>
+  </dgm:styleLbl>
+  <dgm:styleLbl name="alignNode1">
+    <dgm:scene3d>
+      <a:camera prst="orthographicFront"/>
+      <a:lightRig rig="threePt" dir="t"/>
+    </dgm:scene3d>
+    <dgm:sp3d/>
+    <dgm:txPr/>
+    <dgm:style>
+      <a:lnRef idx="2">
+        <a:scrgbClr r="0" g="0" b="0"/>
+      </a:lnRef>
+      <a:fillRef idx="1">
+        <a:scrgbClr r="0" g="0" b="0"/>
+      </a:fillRef>
+      <a:effectRef idx="0">
+        <a:scrgbClr r="0" g="0" b="0"/>
+      </a:effectRef>
+      <a:fontRef idx="minor">
+        <a:schemeClr val="lt1"/>
+      </a:fontRef>
+    </dgm:style>
+  </dgm:styleLbl>
+  <dgm:styleLbl name="node1">
+    <dgm:scene3d>
+      <a:camera prst="orthographicFront"/>
+      <a:lightRig rig="threePt" dir="t"/>
+    </dgm:scene3d>
+    <dgm:sp3d/>
+    <dgm:txPr/>
+    <dgm:style>
+      <a:lnRef idx="2">
+        <a:scrgbClr r="0" g="0" b="0"/>
+      </a:lnRef>
+      <a:fillRef idx="1">
+        <a:scrgbClr r="0" g="0" b="0"/>
+      </a:fillRef>
+      <a:effectRef idx="0">
+        <a:scrgbClr r="0" g="0" b="0"/>
+      </a:effectRef>
+      <a:fontRef idx="minor">
+        <a:schemeClr val="lt1"/>
+      </a:fontRef>
+    </dgm:style>
+  </dgm:styleLbl>
+  <dgm:styleLbl name="node2">
+    <dgm:scene3d>
+      <a:camera prst="orthographicFront"/>
+      <a:lightRig rig="threePt" dir="t"/>
+    </dgm:scene3d>
+    <dgm:sp3d/>
+    <dgm:txPr/>
+    <dgm:style>
+      <a:lnRef idx="2">
+        <a:scrgbClr r="0" g="0" b="0"/>
+      </a:lnRef>
+      <a:fillRef idx="1">
+        <a:scrgbClr r="0" g="0" b="0"/>
+      </a:fillRef>
+      <a:effectRef idx="0">
+        <a:scrgbClr r="0" g="0" b="0"/>
+      </a:effectRef>
+      <a:fontRef idx="minor">
+        <a:schemeClr val="lt1"/>
+      </a:fontRef>
+    </dgm:style>
+  </dgm:styleLbl>
+  <dgm:styleLbl name="node3">
+    <dgm:scene3d>
+      <a:camera prst="orthographicFront"/>
+      <a:lightRig rig="threePt" dir="t"/>
+    </dgm:scene3d>
+    <dgm:sp3d/>
+    <dgm:txPr/>
+    <dgm:style>
+      <a:lnRef idx="2">
+        <a:scrgbClr r="0" g="0" b="0"/>
+      </a:lnRef>
+      <a:fillRef idx="1">
+        <a:scrgbClr r="0" g="0" b="0"/>
+      </a:fillRef>
+      <a:effectRef idx="0">
+        <a:scrgbClr r="0" g="0" b="0"/>
+      </a:effectRef>
+      <a:fontRef idx="minor">
+        <a:schemeClr val="lt1"/>
+      </a:fontRef>
+    </dgm:style>
+  </dgm:styleLbl>
+  <dgm:styleLbl name="node4">
+    <dgm:scene3d>
+      <a:camera prst="orthographicFront"/>
+      <a:lightRig rig="threePt" dir="t"/>
+    </dgm:scene3d>
+    <dgm:sp3d/>
+    <dgm:txPr/>
+    <dgm:style>
+      <a:lnRef idx="2">
+        <a:scrgbClr r="0" g="0" b="0"/>
+      </a:lnRef>
+      <a:fillRef idx="1">
+        <a:scrgbClr r="0" g="0" b="0"/>
+      </a:fillRef>
+      <a:effectRef idx="0">
+        <a:scrgbClr r="0" g="0" b="0"/>
+      </a:effectRef>
+      <a:fontRef idx="minor">
+        <a:schemeClr val="lt1"/>
+      </a:fontRef>
+    </dgm:style>
+  </dgm:styleLbl>
+  <dgm:styleLbl name="fgImgPlace1">
+    <dgm:scene3d>
+      <a:camera prst="orthographicFront"/>
+      <a:lightRig rig="threePt" dir="t"/>
+    </dgm:scene3d>
+    <dgm:sp3d/>
+    <dgm:txPr/>
+    <dgm:style>
+      <a:lnRef idx="2">
+        <a:scrgbClr r="0" g="0" b="0"/>
+      </a:lnRef>
+      <a:fillRef idx="1">
+        <a:scrgbClr r="0" g="0" b="0"/>
+      </a:fillRef>
+      <a:effectRef idx="0">
+        <a:scrgbClr r="0" g="0" b="0"/>
+      </a:effectRef>
+      <a:fontRef idx="minor"/>
+    </dgm:style>
+  </dgm:styleLbl>
+  <dgm:styleLbl name="alignImgPlace1">
+    <dgm:scene3d>
+      <a:camera prst="orthographicFront"/>
+      <a:lightRig rig="threePt" dir="t"/>
+    </dgm:scene3d>
+    <dgm:sp3d/>
+    <dgm:txPr/>
+    <dgm:style>
+      <a:lnRef idx="2">
+        <a:scrgbClr r="0" g="0" b="0"/>
+      </a:lnRef>
+      <a:fillRef idx="1">
+        <a:scrgbClr r="0" g="0" b="0"/>
+      </a:fillRef>
+      <a:effectRef idx="0">
+        <a:scrgbClr r="0" g="0" b="0"/>
+      </a:effectRef>
+      <a:fontRef idx="minor"/>
+    </dgm:style>
+  </dgm:styleLbl>
+  <dgm:styleLbl name="bgImgPlace1">
+    <dgm:scene3d>
+      <a:camera prst="orthographicFront"/>
+      <a:lightRig rig="threePt" dir="t"/>
+    </dgm:scene3d>
+    <dgm:sp3d/>
+    <dgm:txPr/>
+    <dgm:style>
+      <a:lnRef idx="2">
+        <a:scrgbClr r="0" g="0" b="0"/>
+      </a:lnRef>
+      <a:fillRef idx="1">
+        <a:scrgbClr r="0" g="0" b="0"/>
+      </a:fillRef>
+      <a:effectRef idx="0">
+        <a:scrgbClr r="0" g="0" b="0"/>
+      </a:effectRef>
+      <a:fontRef idx="minor"/>
+    </dgm:style>
+  </dgm:styleLbl>
+  <dgm:styleLbl name="sibTrans2D1">
+    <dgm:scene3d>
+      <a:camera prst="orthographicFront"/>
+      <a:lightRig rig="threePt" dir="t"/>
+    </dgm:scene3d>
+    <dgm:sp3d/>
+    <dgm:txPr/>
+    <dgm:style>
+      <a:lnRef idx="0">
+        <a:scrgbClr r="0" g="0" b="0"/>
+      </a:lnRef>
+      <a:fillRef idx="1">
+        <a:scrgbClr r="0" g="0" b="0"/>
+      </a:fillRef>
+      <a:effectRef idx="0">
+        <a:scrgbClr r="0" g="0" b="0"/>
+      </a:effectRef>
+      <a:fontRef idx="minor">
+        <a:schemeClr val="lt1"/>
+      </a:fontRef>
+    </dgm:style>
+  </dgm:styleLbl>
+  <dgm:styleLbl name="fgSibTrans2D1">
+    <dgm:scene3d>
+      <a:camera prst="orthographicFront"/>
+      <a:lightRig rig="threePt" dir="t"/>
+    </dgm:scene3d>
+    <dgm:sp3d/>
+    <dgm:txPr/>
+    <dgm:style>
+      <a:lnRef idx="0">
+        <a:scrgbClr r="0" g="0" b="0"/>
+      </a:lnRef>
+      <a:fillRef idx="1">
+        <a:scrgbClr r="0" g="0" b="0"/>
+      </a:fillRef>
+      <a:effectRef idx="0">
+        <a:scrgbClr r="0" g="0" b="0"/>
+      </a:effectRef>
+      <a:fontRef idx="minor">
+        <a:schemeClr val="lt1"/>
+      </a:fontRef>
+    </dgm:style>
+  </dgm:styleLbl>
+  <dgm:styleLbl name="bgSibTrans2D1">
+    <dgm:scene3d>
+      <a:camera prst="orthographicFront"/>
+      <a:lightRig rig="threePt" dir="t"/>
+    </dgm:scene3d>
+    <dgm:sp3d/>
+    <dgm:txPr/>
+    <dgm:style>
+      <a:lnRef idx="0">
+        <a:scrgbClr r="0" g="0" b="0"/>
+      </a:lnRef>
+      <a:fillRef idx="1">
+        <a:scrgbClr r="0" g="0" b="0"/>
+      </a:fillRef>
+      <a:effectRef idx="0">
+        <a:scrgbClr r="0" g="0" b="0"/>
+      </a:effectRef>
+      <a:fontRef idx="minor">
+        <a:schemeClr val="lt1"/>
+      </a:fontRef>
+    </dgm:style>
+  </dgm:styleLbl>
+  <dgm:styleLbl name="sibTrans1D1">
+    <dgm:scene3d>
+      <a:camera prst="orthographicFront"/>
+      <a:lightRig rig="threePt" dir="t"/>
+    </dgm:scene3d>
+    <dgm:sp3d/>
+    <dgm:txPr/>
+    <dgm:style>
+      <a:lnRef idx="1">
+        <a:scrgbClr r="0" g="0" b="0"/>
+      </a:lnRef>
+      <a:fillRef idx="0">
+        <a:scrgbClr r="0" g="0" b="0"/>
+      </a:fillRef>
+      <a:effectRef idx="0">
+        <a:scrgbClr r="0" g="0" b="0"/>
+      </a:effectRef>
+      <a:fontRef idx="minor"/>
+    </dgm:style>
+  </dgm:styleLbl>
+  <dgm:styleLbl name="callout">
+    <dgm:scene3d>
+      <a:camera prst="orthographicFront"/>
+      <a:lightRig rig="threePt" dir="t"/>
+    </dgm:scene3d>
+    <dgm:sp3d/>
+    <dgm:txPr/>
+    <dgm:style>
+      <a:lnRef idx="2">
+        <a:scrgbClr r="0" g="0" b="0"/>
+      </a:lnRef>
+      <a:fillRef idx="1">
+        <a:scrgbClr r="0" g="0" b="0"/>
+      </a:fillRef>
+      <a:effectRef idx="0">
+        <a:scrgbClr r="0" g="0" b="0"/>
+      </a:effectRef>
+      <a:fontRef idx="minor"/>
+    </dgm:style>
+  </dgm:styleLbl>
+  <dgm:styleLbl name="asst0">
+    <dgm:scene3d>
+      <a:camera prst="orthographicFront"/>
+      <a:lightRig rig="threePt" dir="t"/>
+    </dgm:scene3d>
+    <dgm:sp3d/>
+    <dgm:txPr/>
+    <dgm:style>
+      <a:lnRef idx="2">
+        <a:scrgbClr r="0" g="0" b="0"/>
+      </a:lnRef>
+      <a:fillRef idx="1">
+        <a:scrgbClr r="0" g="0" b="0"/>
+      </a:fillRef>
+      <a:effectRef idx="0">
+        <a:scrgbClr r="0" g="0" b="0"/>
+      </a:effectRef>
+      <a:fontRef idx="minor">
+        <a:schemeClr val="lt1"/>
+      </a:fontRef>
+    </dgm:style>
+  </dgm:styleLbl>
+  <dgm:styleLbl name="asst1">
+    <dgm:scene3d>
+      <a:camera prst="orthographicFront"/>
+      <a:lightRig rig="threePt" dir="t"/>
+    </dgm:scene3d>
+    <dgm:sp3d/>
+    <dgm:txPr/>
+    <dgm:style>
+      <a:lnRef idx="2">
+        <a:scrgbClr r="0" g="0" b="0"/>
+      </a:lnRef>
+      <a:fillRef idx="1">
+        <a:scrgbClr r="0" g="0" b="0"/>
+      </a:fillRef>
+      <a:effectRef idx="0">
+        <a:scrgbClr r="0" g="0" b="0"/>
+      </a:effectRef>
+      <a:fontRef idx="minor">
+        <a:schemeClr val="lt1"/>
+      </a:fontRef>
+    </dgm:style>
+  </dgm:styleLbl>
+  <dgm:styleLbl name="asst2">
+    <dgm:scene3d>
+      <a:camera prst="orthographicFront"/>
+      <a:lightRig rig="threePt" dir="t"/>
+    </dgm:scene3d>
+    <dgm:sp3d/>
+    <dgm:txPr/>
+    <dgm:style>
+      <a:lnRef idx="2">
+        <a:scrgbClr r="0" g="0" b="0"/>
+      </a:lnRef>
+      <a:fillRef idx="1">
+        <a:scrgbClr r="0" g="0" b="0"/>
+      </a:fillRef>
+      <a:effectRef idx="0">
+        <a:scrgbClr r="0" g="0" b="0"/>
+      </a:effectRef>
+      <a:fontRef idx="minor">
+        <a:schemeClr val="lt1"/>
+      </a:fontRef>
+    </dgm:style>
+  </dgm:styleLbl>
+  <dgm:styleLbl name="asst3">
+    <dgm:scene3d>
+      <a:camera prst="orthographicFront"/>
+      <a:lightRig rig="threePt" dir="t"/>
+    </dgm:scene3d>
+    <dgm:sp3d/>
+    <dgm:txPr/>
+    <dgm:style>
+      <a:lnRef idx="2">
+        <a:scrgbClr r="0" g="0" b="0"/>
+      </a:lnRef>
+      <a:fillRef idx="1">
+        <a:scrgbClr r="0" g="0" b="0"/>
+      </a:fillRef>
+      <a:effectRef idx="0">
+        <a:scrgbClr r="0" g="0" b="0"/>
+      </a:effectRef>
+      <a:fontRef idx="minor">
+        <a:schemeClr val="lt1"/>
+      </a:fontRef>
+    </dgm:style>
+  </dgm:styleLbl>
+  <dgm:styleLbl name="asst4">
+    <dgm:scene3d>
+      <a:camera prst="orthographicFront"/>
+      <a:lightRig rig="threePt" dir="t"/>
+    </dgm:scene3d>
+    <dgm:sp3d/>
+    <dgm:txPr/>
+    <dgm:style>
+      <a:lnRef idx="2">
+        <a:scrgbClr r="0" g="0" b="0"/>
+      </a:lnRef>
+      <a:fillRef idx="1">
+        <a:scrgbClr r="0" g="0" b="0"/>
+      </a:fillRef>
+      <a:effectRef idx="0">
+        <a:scrgbClr r="0" g="0" b="0"/>
+      </a:effectRef>
+      <a:fontRef idx="minor">
+        <a:schemeClr val="lt1"/>
+      </a:fontRef>
+    </dgm:style>
+  </dgm:styleLbl>
+  <dgm:styleLbl name="parChTrans2D1">
+    <dgm:scene3d>
+      <a:camera prst="orthographicFront"/>
+      <a:lightRig rig="threePt" dir="t"/>
+    </dgm:scene3d>
+    <dgm:sp3d/>
+    <dgm:txPr/>
+    <dgm:style>
+      <a:lnRef idx="2">
+        <a:scrgbClr r="0" g="0" b="0"/>
+      </a:lnRef>
+      <a:fillRef idx="1">
+        <a:scrgbClr r="0" g="0" b="0"/>
+      </a:fillRef>
+      <a:effectRef idx="0">
+        <a:scrgbClr r="0" g="0" b="0"/>
+      </a:effectRef>
+      <a:fontRef idx="minor">
+        <a:schemeClr val="lt1"/>
+      </a:fontRef>
+    </dgm:style>
+  </dgm:styleLbl>
+  <dgm:styleLbl name="parChTrans2D2">
+    <dgm:scene3d>
+      <a:camera prst="orthographicFront"/>
+      <a:lightRig rig="threePt" dir="t"/>
+    </dgm:scene3d>
+    <dgm:sp3d/>
+    <dgm:txPr/>
+    <dgm:style>
+      <a:lnRef idx="2">
+        <a:scrgbClr r="0" g="0" b="0"/>
+      </a:lnRef>
+      <a:fillRef idx="1">
+        <a:scrgbClr r="0" g="0" b="0"/>
+      </a:fillRef>
+      <a:effectRef idx="0">
+        <a:scrgbClr r="0" g="0" b="0"/>
+      </a:effectRef>
+      <a:fontRef idx="minor">
+        <a:schemeClr val="lt1"/>
+      </a:fontRef>
+    </dgm:style>
+  </dgm:styleLbl>
+  <dgm:styleLbl name="parChTrans2D3">
+    <dgm:scene3d>
+      <a:camera prst="orthographicFront"/>
+      <a:lightRig rig="threePt" dir="t"/>
+    </dgm:scene3d>
+    <dgm:sp3d/>
+    <dgm:txPr/>
+    <dgm:style>
+      <a:lnRef idx="2">
+        <a:scrgbClr r="0" g="0" b="0"/>
+      </a:lnRef>
+      <a:fillRef idx="1">
+        <a:scrgbClr r="0" g="0" b="0"/>
+      </a:fillRef>
+      <a:effectRef idx="0">
+        <a:scrgbClr r="0" g="0" b="0"/>
+      </a:effectRef>
+      <a:fontRef idx="minor">
+        <a:schemeClr val="lt1"/>
+      </a:fontRef>
+    </dgm:style>
+  </dgm:styleLbl>
+  <dgm:styleLbl name="parChTrans2D4">
+    <dgm:scene3d>
+      <a:camera prst="orthographicFront"/>
+      <a:lightRig rig="threePt" dir="t"/>
+    </dgm:scene3d>
+    <dgm:sp3d/>
+    <dgm:txPr/>
+    <dgm:style>
+      <a:lnRef idx="2">
+        <a:scrgbClr r="0" g="0" b="0"/>
+      </a:lnRef>
+      <a:fillRef idx="1">
+        <a:scrgbClr r="0" g="0" b="0"/>
+      </a:fillRef>
+      <a:effectRef idx="0">
+        <a:scrgbClr r="0" g="0" b="0"/>
+      </a:effectRef>
+      <a:fontRef idx="minor">
+        <a:schemeClr val="lt1"/>
+      </a:fontRef>
+    </dgm:style>
+  </dgm:styleLbl>
+  <dgm:styleLbl name="parChTrans1D1">
+    <dgm:scene3d>
+      <a:camera prst="orthographicFront"/>
+      <a:lightRig rig="threePt" dir="t"/>
+    </dgm:scene3d>
+    <dgm:sp3d/>
+    <dgm:txPr/>
+    <dgm:style>
+      <a:lnRef idx="2">
+        <a:scrgbClr r="0" g="0" b="0"/>
+      </a:lnRef>
+      <a:fillRef idx="0">
+        <a:scrgbClr r="0" g="0" b="0"/>
+      </a:fillRef>
+      <a:effectRef idx="0">
+        <a:scrgbClr r="0" g="0" b="0"/>
+      </a:effectRef>
+      <a:fontRef idx="minor"/>
+    </dgm:style>
+  </dgm:styleLbl>
+  <dgm:styleLbl name="parChTrans1D2">
+    <dgm:scene3d>
+      <a:camera prst="orthographicFront"/>
+      <a:lightRig rig="threePt" dir="t"/>
+    </dgm:scene3d>
+    <dgm:sp3d/>
+    <dgm:txPr/>
+    <dgm:style>
+      <a:lnRef idx="2">
+        <a:scrgbClr r="0" g="0" b="0"/>
+      </a:lnRef>
+      <a:fillRef idx="0">
+        <a:scrgbClr r="0" g="0" b="0"/>
+      </a:fillRef>
+      <a:effectRef idx="0">
+        <a:scrgbClr r="0" g="0" b="0"/>
+      </a:effectRef>
+      <a:fontRef idx="minor"/>
+    </dgm:style>
+  </dgm:styleLbl>
+  <dgm:styleLbl name="parChTrans1D3">
+    <dgm:scene3d>
+      <a:camera prst="orthographicFront"/>
+      <a:lightRig rig="threePt" dir="t"/>
+    </dgm:scene3d>
+    <dgm:sp3d/>
+    <dgm:txPr/>
+    <dgm:style>
+      <a:lnRef idx="2">
+        <a:scrgbClr r="0" g="0" b="0"/>
+      </a:lnRef>
+      <a:fillRef idx="0">
+        <a:scrgbClr r="0" g="0" b="0"/>
+      </a:fillRef>
+      <a:effectRef idx="0">
+        <a:scrgbClr r="0" g="0" b="0"/>
+      </a:effectRef>
+      <a:fontRef idx="minor"/>
+    </dgm:style>
+  </dgm:styleLbl>
+  <dgm:styleLbl name="parChTrans1D4">
+    <dgm:scene3d>
+      <a:camera prst="orthographicFront"/>
+      <a:lightRig rig="threePt" dir="t"/>
+    </dgm:scene3d>
+    <dgm:sp3d/>
+    <dgm:txPr/>
+    <dgm:style>
+      <a:lnRef idx="2">
+        <a:scrgbClr r="0" g="0" b="0"/>
+      </a:lnRef>
+      <a:fillRef idx="0">
+        <a:scrgbClr r="0" g="0" b="0"/>
+      </a:fillRef>
+      <a:effectRef idx="0">
+        <a:scrgbClr r="0" g="0" b="0"/>
+      </a:effectRef>
+      <a:fontRef idx="minor"/>
+    </dgm:style>
+  </dgm:styleLbl>
+  <dgm:styleLbl name="fgAcc1">
+    <dgm:scene3d>
+      <a:camera prst="orthographicFront"/>
+      <a:lightRig rig="threePt" dir="t"/>
+    </dgm:scene3d>
+    <dgm:sp3d/>
+    <dgm:txPr/>
+    <dgm:style>
+      <a:lnRef idx="2">
+        <a:scrgbClr r="0" g="0" b="0"/>
+      </a:lnRef>
+      <a:fillRef idx="1">
+        <a:scrgbClr r="0" g="0" b="0"/>
+      </a:fillRef>
+      <a:effectRef idx="0">
+        <a:scrgbClr r="0" g="0" b="0"/>
+      </a:effectRef>
+      <a:fontRef idx="minor"/>
+    </dgm:style>
+  </dgm:styleLbl>
+  <dgm:styleLbl name="conFgAcc1">
+    <dgm:scene3d>
+      <a:camera prst="orthographicFront"/>
+      <a:lightRig rig="threePt" dir="t"/>
+    </dgm:scene3d>
+    <dgm:sp3d/>
+    <dgm:txPr/>
+    <dgm:style>
+      <a:lnRef idx="2">
+        <a:scrgbClr r="0" g="0" b="0"/>
+      </a:lnRef>
+      <a:fillRef idx="1">
+        <a:scrgbClr r="0" g="0" b="0"/>
+      </a:fillRef>
+      <a:effectRef idx="0">
+        <a:scrgbClr r="0" g="0" b="0"/>
+      </a:effectRef>
+      <a:fontRef idx="minor"/>
+    </dgm:style>
+  </dgm:styleLbl>
+  <dgm:styleLbl name="alignAcc1">
+    <dgm:scene3d>
+      <a:camera prst="orthographicFront"/>
+      <a:lightRig rig="threePt" dir="t"/>
+    </dgm:scene3d>
+    <dgm:sp3d/>
+    <dgm:txPr/>
+    <dgm:style>
+      <a:lnRef idx="2">
+        <a:scrgbClr r="0" g="0" b="0"/>
+      </a:lnRef>
+      <a:fillRef idx="1">
+        <a:scrgbClr r="0" g="0" b="0"/>
+      </a:fillRef>
+      <a:effectRef idx="0">
+        <a:scrgbClr r="0" g="0" b="0"/>
+      </a:effectRef>
+      <a:fontRef idx="minor"/>
+    </dgm:style>
+  </dgm:styleLbl>
+  <dgm:styleLbl name="trAlignAcc1">
+    <dgm:scene3d>
+      <a:camera prst="orthographicFront"/>
+      <a:lightRig rig="threePt" dir="t"/>
+    </dgm:scene3d>
+    <dgm:sp3d/>
+    <dgm:txPr/>
+    <dgm:style>
+      <a:lnRef idx="1">
+        <a:scrgbClr r="0" g="0" b="0"/>
+      </a:lnRef>
+      <a:fillRef idx="1">
+        <a:scrgbClr r="0" g="0" b="0"/>
+      </a:fillRef>
+      <a:effectRef idx="0">
+        <a:scrgbClr r="0" g="0" b="0"/>
+      </a:effectRef>
+      <a:fontRef idx="minor"/>
+    </dgm:style>
+  </dgm:styleLbl>
+  <dgm:styleLbl name="bgAcc1">
+    <dgm:scene3d>
+      <a:camera prst="orthographicFront"/>
+      <a:lightRig rig="threePt" dir="t"/>
+    </dgm:scene3d>
+    <dgm:sp3d/>
+    <dgm:txPr/>
+    <dgm:style>
+      <a:lnRef idx="2">
+        <a:scrgbClr r="0" g="0" b="0"/>
+      </a:lnRef>
+      <a:fillRef idx="1">
+        <a:scrgbClr r="0" g="0" b="0"/>
+      </a:fillRef>
+      <a:effectRef idx="0">
+        <a:scrgbClr r="0" g="0" b="0"/>
+      </a:effectRef>
+      <a:fontRef idx="minor"/>
+    </dgm:style>
+  </dgm:styleLbl>
+  <dgm:styleLbl name="solidFgAcc1">
+    <dgm:scene3d>
+      <a:camera prst="orthographicFront"/>
+      <a:lightRig rig="threePt" dir="t"/>
+    </dgm:scene3d>
+    <dgm:sp3d/>
+    <dgm:txPr/>
+    <dgm:style>
+      <a:lnRef idx="2">
+        <a:scrgbClr r="0" g="0" b="0"/>
+      </a:lnRef>
+      <a:fillRef idx="1">
+        <a:scrgbClr r="0" g="0" b="0"/>
+      </a:fillRef>
+      <a:effectRef idx="0">
+        <a:scrgbClr r="0" g="0" b="0"/>
+      </a:effectRef>
+      <a:fontRef idx="minor"/>
+    </dgm:style>
+  </dgm:styleLbl>
+  <dgm:styleLbl name="solidAlignAcc1">
+    <dgm:scene3d>
+      <a:camera prst="orthographicFront"/>
+      <a:lightRig rig="threePt" dir="t"/>
+    </dgm:scene3d>
+    <dgm:sp3d/>
+    <dgm:txPr/>
+    <dgm:style>
+      <a:lnRef idx="2">
+        <a:scrgbClr r="0" g="0" b="0"/>
+      </a:lnRef>
+      <a:fillRef idx="1">
+        <a:scrgbClr r="0" g="0" b="0"/>
+      </a:fillRef>
+      <a:effectRef idx="0">
+        <a:scrgbClr r="0" g="0" b="0"/>
+      </a:effectRef>
+      <a:fontRef idx="minor"/>
+    </dgm:style>
+  </dgm:styleLbl>
+  <dgm:styleLbl name="solidBgAcc1">
+    <dgm:scene3d>
+      <a:camera prst="orthographicFront"/>
+      <a:lightRig rig="threePt" dir="t"/>
+    </dgm:scene3d>
+    <dgm:sp3d/>
+    <dgm:txPr/>
+    <dgm:style>
+      <a:lnRef idx="2">
+        <a:scrgbClr r="0" g="0" b="0"/>
+      </a:lnRef>
+      <a:fillRef idx="1">
+        <a:scrgbClr r="0" g="0" b="0"/>
+      </a:fillRef>
+      <a:effectRef idx="0">
+        <a:scrgbClr r="0" g="0" b="0"/>
+      </a:effectRef>
+      <a:fontRef idx="minor"/>
+    </dgm:style>
+  </dgm:styleLbl>
+  <dgm:styleLbl name="fgAccFollowNode1">
+    <dgm:scene3d>
+      <a:camera prst="orthographicFront"/>
+      <a:lightRig rig="threePt" dir="t"/>
+    </dgm:scene3d>
+    <dgm:sp3d/>
+    <dgm:txPr/>
+    <dgm:style>
+      <a:lnRef idx="2">
+        <a:scrgbClr r="0" g="0" b="0"/>
+      </a:lnRef>
+      <a:fillRef idx="1">
+        <a:scrgbClr r="0" g="0" b="0"/>
+      </a:fillRef>
+      <a:effectRef idx="0">
+        <a:scrgbClr r="0" g="0" b="0"/>
+      </a:effectRef>
+      <a:fontRef idx="minor"/>
+    </dgm:style>
+  </dgm:styleLbl>
+  <dgm:styleLbl name="alignAccFollowNode1">
+    <dgm:scene3d>
+      <a:camera prst="orthographicFront"/>
+      <a:lightRig rig="threePt" dir="t"/>
+    </dgm:scene3d>
+    <dgm:sp3d/>
+    <dgm:txPr/>
+    <dgm:style>
+      <a:lnRef idx="2">
+        <a:scrgbClr r="0" g="0" b="0"/>
+      </a:lnRef>
+      <a:fillRef idx="1">
+        <a:scrgbClr r="0" g="0" b="0"/>
+      </a:fillRef>
+      <a:effectRef idx="0">
+        <a:scrgbClr r="0" g="0" b="0"/>
+      </a:effectRef>
+      <a:fontRef idx="minor"/>
+    </dgm:style>
+  </dgm:styleLbl>
+  <dgm:styleLbl name="bgAccFollowNode1">
+    <dgm:scene3d>
+      <a:camera prst="orthographicFront"/>
+      <a:lightRig rig="threePt" dir="t"/>
+    </dgm:scene3d>
+    <dgm:sp3d/>
+    <dgm:txPr/>
+    <dgm:style>
+      <a:lnRef idx="2">
+        <a:scrgbClr r="0" g="0" b="0"/>
+      </a:lnRef>
+      <a:fillRef idx="1">
+        <a:scrgbClr r="0" g="0" b="0"/>
+      </a:fillRef>
+      <a:effectRef idx="0">
+        <a:scrgbClr r="0" g="0" b="0"/>
+      </a:effectRef>
+      <a:fontRef idx="minor"/>
+    </dgm:style>
+  </dgm:styleLbl>
+  <dgm:styleLbl name="fgAcc0">
+    <dgm:scene3d>
+      <a:camera prst="orthographicFront"/>
+      <a:lightRig rig="threePt" dir="t"/>
+    </dgm:scene3d>
+    <dgm:sp3d/>
+    <dgm:txPr/>
+    <dgm:style>
+      <a:lnRef idx="2">
+        <a:scrgbClr r="0" g="0" b="0"/>
+      </a:lnRef>
+      <a:fillRef idx="1">
+        <a:scrgbClr r="0" g="0" b="0"/>
+      </a:fillRef>
+      <a:effectRef idx="0">
+        <a:scrgbClr r="0" g="0" b="0"/>
+      </a:effectRef>
+      <a:fontRef idx="minor"/>
+    </dgm:style>
+  </dgm:styleLbl>
+  <dgm:styleLbl name="fgAcc2">
+    <dgm:scene3d>
+      <a:camera prst="orthographicFront"/>
+      <a:lightRig rig="threePt" dir="t"/>
+    </dgm:scene3d>
+    <dgm:sp3d/>
+    <dgm:txPr/>
+    <dgm:style>
+      <a:lnRef idx="2">
+        <a:scrgbClr r="0" g="0" b="0"/>
+      </a:lnRef>
+      <a:fillRef idx="1">
+        <a:scrgbClr r="0" g="0" b="0"/>
+      </a:fillRef>
+      <a:effectRef idx="0">
+        <a:scrgbClr r="0" g="0" b="0"/>
+      </a:effectRef>
+      <a:fontRef idx="minor"/>
+    </dgm:style>
+  </dgm:styleLbl>
+  <dgm:styleLbl name="fgAcc3">
+    <dgm:scene3d>
+      <a:camera prst="orthographicFront"/>
+      <a:lightRig rig="threePt" dir="t"/>
+    </dgm:scene3d>
+    <dgm:sp3d/>
+    <dgm:txPr/>
+    <dgm:style>
+      <a:lnRef idx="2">
+        <a:scrgbClr r="0" g="0" b="0"/>
+      </a:lnRef>
+      <a:fillRef idx="1">
+        <a:scrgbClr r="0" g="0" b="0"/>
+      </a:fillRef>
+      <a:effectRef idx="0">
+        <a:scrgbClr r="0" g="0" b="0"/>
+      </a:effectRef>
+      <a:fontRef idx="minor"/>
+    </dgm:style>
+  </dgm:styleLbl>
+  <dgm:styleLbl name="fgAcc4">
+    <dgm:scene3d>
+      <a:camera prst="orthographicFront"/>
+      <a:lightRig rig="threePt" dir="t"/>
+    </dgm:scene3d>
+    <dgm:sp3d/>
+    <dgm:txPr/>
+    <dgm:style>
+      <a:lnRef idx="2">
+        <a:scrgbClr r="0" g="0" b="0"/>
+      </a:lnRef>
+      <a:fillRef idx="1">
+        <a:scrgbClr r="0" g="0" b="0"/>
+      </a:fillRef>
+      <a:effectRef idx="0">
+        <a:scrgbClr r="0" g="0" b="0"/>
+      </a:effectRef>
+      <a:fontRef idx="minor"/>
+    </dgm:style>
+  </dgm:styleLbl>
+  <dgm:styleLbl name="bgShp">
+    <dgm:scene3d>
+      <a:camera prst="orthographicFront"/>
+      <a:lightRig rig="threePt" dir="t"/>
+    </dgm:scene3d>
+    <dgm:sp3d/>
+    <dgm:txPr/>
+    <dgm:style>
+      <a:lnRef idx="0">
+        <a:scrgbClr r="0" g="0" b="0"/>
+      </a:lnRef>
+      <a:fillRef idx="1">
+        <a:scrgbClr r="0" g="0" b="0"/>
+      </a:fillRef>
+      <a:effectRef idx="0">
+        <a:scrgbClr r="0" g="0" b="0"/>
+      </a:effectRef>
+      <a:fontRef idx="minor"/>
+    </dgm:style>
+  </dgm:styleLbl>
+  <dgm:styleLbl name="dkBgShp">
+    <dgm:scene3d>
+      <a:camera prst="orthographicFront"/>
+      <a:lightRig rig="threePt" dir="t"/>
+    </dgm:scene3d>
+    <dgm:sp3d/>
+    <dgm:txPr/>
+    <dgm:style>
+      <a:lnRef idx="0">
+        <a:scrgbClr r="0" g="0" b="0"/>
+      </a:lnRef>
+      <a:fillRef idx="1">
+        <a:scrgbClr r="0" g="0" b="0"/>
+      </a:fillRef>
+      <a:effectRef idx="0">
+        <a:scrgbClr r="0" g="0" b="0"/>
+      </a:effectRef>
+      <a:fontRef idx="minor"/>
+    </dgm:style>
+  </dgm:styleLbl>
+  <dgm:styleLbl name="trBgShp">
+    <dgm:scene3d>
+      <a:camera prst="orthographicFront"/>
+      <a:lightRig rig="threePt" dir="t"/>
+    </dgm:scene3d>
+    <dgm:sp3d/>
+    <dgm:txPr/>
+    <dgm:style>
+      <a:lnRef idx="0">
+        <a:scrgbClr r="0" g="0" b="0"/>
+      </a:lnRef>
+      <a:fillRef idx="1">
+        <a:scrgbClr r="0" g="0" b="0"/>
+      </a:fillRef>
+      <a:effectRef idx="0">
+        <a:scrgbClr r="0" g="0" b="0"/>
+      </a:effectRef>
+      <a:fontRef idx="minor"/>
+    </dgm:style>
+  </dgm:styleLbl>
+  <dgm:styleLbl name="fgShp">
+    <dgm:scene3d>
+      <a:camera prst="orthographicFront"/>
+      <a:lightRig rig="threePt" dir="t"/>
+    </dgm:scene3d>
+    <dgm:sp3d/>
+    <dgm:txPr/>
+    <dgm:style>
+      <a:lnRef idx="2">
+        <a:scrgbClr r="0" g="0" b="0"/>
+      </a:lnRef>
+      <a:fillRef idx="1">
+        <a:scrgbClr r="0" g="0" b="0"/>
+      </a:fillRef>
+      <a:effectRef idx="0">
+        <a:scrgbClr r="0" g="0" b="0"/>
+      </a:effectRef>
+      <a:fontRef idx="minor"/>
+    </dgm:style>
+  </dgm:styleLbl>
+  <dgm:styleLbl name="revTx">
+    <dgm:scene3d>
+      <a:camera prst="orthographicFront"/>
+      <a:lightRig rig="threePt" dir="t"/>
+    </dgm:scene3d>
+    <dgm:sp3d/>
+    <dgm:txPr/>
+    <dgm:style>
+      <a:lnRef idx="0">
+        <a:scrgbClr r="0" g="0" b="0"/>
+      </a:lnRef>
+      <a:fillRef idx="0">
+        <a:scrgbClr r="0" g="0" b="0"/>
+      </a:fillRef>
+      <a:effectRef idx="0">
+        <a:scrgbClr r="0" g="0" b="0"/>
+      </a:effectRef>
+      <a:fontRef idx="minor"/>
+    </dgm:style>
+  </dgm:styleLbl>
+</dgm:styleDef>
+</file>
+
 <file path=ppt/notesMasters/notesMaster1.xml><?xml version="1.0" encoding="utf-8"?>
 <p:notesMaster xmlns:a="http://schemas.openxmlformats.org/drawingml/2006/main" xmlns:r="http://schemas.openxmlformats.org/officeDocument/2006/relationships" xmlns:p="http://schemas.openxmlformats.org/presentationml/2006/main">
   <p:cSld>
@@ -205,7 +3957,7 @@
           <a:p>
             <a:fld id="{6083C2AA-89AA-DF40-8BFB-8E8D91B9A26D}" type="datetimeFigureOut">
               <a:rPr lang="en-US" smtClean="0"/>
-              <a:t>4/20/23</a:t>
+              <a:t>5/3/23</a:t>
             </a:fld>
             <a:endParaRPr lang="en-US"/>
           </a:p>
@@ -516,7 +4268,58 @@
           <a:bodyPr/>
           <a:lstStyle/>
           <a:p>
-            <a:endParaRPr lang="en-US" dirty="0"/>
+            <a:r>
+              <a:rPr lang="en-US" dirty="0"/>
+              <a:t>Hello, my name is Justin Campbell; a little bit about myself before I dive into the presentation; I am a research engineering/scientist assistant employed by The University of Texas at Austin’s Computational Research in Ice and Ocean Systems or CRIOS group. The group is part of the university’s Oden Institute for Computational Engineering and Sciences and their mission is to apply advanced computational methods to improve the understanding of the role of the global ocean, sea ice, and ice sheets in the climate system. In particular, Bayesian inverse methods, scientific machine learning and other techniques are used to develop numerical models that can improve the group’s mechanistic understanding of current, and predict future, ocean phenomena. One such climate model is the Massachusetts Institute of Technology general circulation model (or </a:t>
+            </a:r>
+            <a:r>
+              <a:rPr lang="en-US" dirty="0" err="1"/>
+              <a:t>MITgcm</a:t>
+            </a:r>
+            <a:r>
+              <a:rPr lang="en-US" dirty="0"/>
+              <a:t> for short). As the name suggests, the model is used to study oceanic and atmospheric phenomena using finite volume methods and is a community model with open-source code where hundreds of researchers and scientists have contributed to the development of the model. As part of the project entitled Estimating the Circulation and Climate of the Ocean (ECCO for short), the model output is assimilated with remote observational data from satellites and in-situ observational data from cruise ships and </a:t>
+            </a:r>
+            <a:r>
+              <a:rPr lang="en-US" dirty="0" err="1"/>
+              <a:t>argo</a:t>
+            </a:r>
+            <a:r>
+              <a:rPr lang="en-US" dirty="0"/>
+              <a:t> floats to produce a time-evolving estimate of atmospheric and oceanic circulation properties. This project involves the development of post-processing and data analysis routines that are geared specifically towards operating on model output data of the format that </a:t>
+            </a:r>
+            <a:r>
+              <a:rPr lang="en-US" dirty="0" err="1"/>
+              <a:t>MITgcm</a:t>
+            </a:r>
+            <a:r>
+              <a:rPr lang="en-US" dirty="0"/>
+              <a:t> produces. My responsibilities as a research engineering scientist assistant involve contributing to the development of data analysis and climate model simulation workflows, and as part of the latter, bottlenecks in </a:t>
+            </a:r>
+            <a:r>
+              <a:rPr lang="en-US" dirty="0" err="1"/>
+              <a:t>MITgcm</a:t>
+            </a:r>
+            <a:r>
+              <a:rPr lang="en-US" dirty="0"/>
+              <a:t> model user’s workflows both within the group and in the larger </a:t>
+            </a:r>
+            <a:r>
+              <a:rPr lang="en-US" dirty="0" err="1"/>
+              <a:t>MITgcm</a:t>
+            </a:r>
+            <a:r>
+              <a:rPr lang="en-US" dirty="0"/>
+              <a:t> community have motivated the undertaking of this project to develop portable units of software that can automate much the workflow of setting model problem specifications, building and running model experiments using </a:t>
+            </a:r>
+            <a:r>
+              <a:rPr lang="en-US" dirty="0" err="1"/>
+              <a:t>MITgcm</a:t>
+            </a:r>
+            <a:r>
+              <a:rPr lang="en-US" dirty="0"/>
+              <a:t> software, and ultimately, interpreting the results using ECCO software. Ideally, these products will reduce the time and energy needed for an end user to execute this workflow for their research using this model (which has been in development for a significant amount of time).</a:t>
+            </a:r>
           </a:p>
         </p:txBody>
       </p:sp>
@@ -547,6 +4350,201 @@
     <p:extLst>
       <p:ext uri="{BB962C8B-B14F-4D97-AF65-F5344CB8AC3E}">
         <p14:creationId xmlns:p14="http://schemas.microsoft.com/office/powerpoint/2010/main" val="1513113751"/>
+      </p:ext>
+    </p:extLst>
+  </p:cSld>
+  <p:clrMapOvr>
+    <a:masterClrMapping/>
+  </p:clrMapOvr>
+</p:notes>
+</file>
+
+<file path=ppt/notesSlides/notesSlide10.xml><?xml version="1.0" encoding="utf-8"?>
+<p:notes xmlns:a="http://schemas.openxmlformats.org/drawingml/2006/main" xmlns:r="http://schemas.openxmlformats.org/officeDocument/2006/relationships" xmlns:p="http://schemas.openxmlformats.org/presentationml/2006/main">
+  <p:cSld>
+    <p:spTree>
+      <p:nvGrpSpPr>
+        <p:cNvPr id="1" name=""/>
+        <p:cNvGrpSpPr/>
+        <p:nvPr/>
+      </p:nvGrpSpPr>
+      <p:grpSpPr>
+        <a:xfrm>
+          <a:off x="0" y="0"/>
+          <a:ext cx="0" cy="0"/>
+          <a:chOff x="0" y="0"/>
+          <a:chExt cx="0" cy="0"/>
+        </a:xfrm>
+      </p:grpSpPr>
+      <p:sp>
+        <p:nvSpPr>
+          <p:cNvPr id="2" name="Slide Image Placeholder 1"/>
+          <p:cNvSpPr>
+            <a:spLocks noGrp="1" noRot="1" noChangeAspect="1"/>
+          </p:cNvSpPr>
+          <p:nvPr>
+            <p:ph type="sldImg"/>
+          </p:nvPr>
+        </p:nvSpPr>
+        <p:spPr/>
+      </p:sp>
+      <p:sp>
+        <p:nvSpPr>
+          <p:cNvPr id="3" name="Notes Placeholder 2"/>
+          <p:cNvSpPr>
+            <a:spLocks noGrp="1"/>
+          </p:cNvSpPr>
+          <p:nvPr>
+            <p:ph type="body" idx="1"/>
+          </p:nvPr>
+        </p:nvSpPr>
+        <p:spPr/>
+        <p:txBody>
+          <a:bodyPr/>
+          <a:lstStyle/>
+          <a:p>
+            <a:r>
+              <a:rPr lang="en-US" dirty="0"/>
+              <a:t>Speaker Notes: </a:t>
+            </a:r>
+          </a:p>
+          <a:p>
+            <a:endParaRPr lang="en-US" dirty="0"/>
+          </a:p>
+          <a:p>
+            <a:r>
+              <a:rPr lang="en-US" dirty="0"/>
+              <a:t>The next steps in the project design process will involve performing a literature review on the broad subject area of using portable units of software to run climate models in a platform agnostic way, reading through relevant user guides for installing and operating software tools applicable to this project, beginning the ‘Ideate’ phase of the design process by developing sketches and diagrams that communicate layers of information in system design, and lastly, scheduling and incorporating feedback from, periodic meetings with project collaborators to gather and check design requirements. </a:t>
+            </a:r>
+          </a:p>
+        </p:txBody>
+      </p:sp>
+      <p:sp>
+        <p:nvSpPr>
+          <p:cNvPr id="4" name="Slide Number Placeholder 3"/>
+          <p:cNvSpPr>
+            <a:spLocks noGrp="1"/>
+          </p:cNvSpPr>
+          <p:nvPr>
+            <p:ph type="sldNum" sz="quarter" idx="5"/>
+          </p:nvPr>
+        </p:nvSpPr>
+        <p:spPr/>
+        <p:txBody>
+          <a:bodyPr/>
+          <a:lstStyle/>
+          <a:p>
+            <a:fld id="{406A5E4B-0CAD-DE41-9697-DAE3CDD53949}" type="slidenum">
+              <a:rPr lang="en-US" smtClean="0"/>
+              <a:t>10</a:t>
+            </a:fld>
+            <a:endParaRPr lang="en-US"/>
+          </a:p>
+        </p:txBody>
+      </p:sp>
+    </p:spTree>
+    <p:extLst>
+      <p:ext uri="{BB962C8B-B14F-4D97-AF65-F5344CB8AC3E}">
+        <p14:creationId xmlns:p14="http://schemas.microsoft.com/office/powerpoint/2010/main" val="1801297930"/>
+      </p:ext>
+    </p:extLst>
+  </p:cSld>
+  <p:clrMapOvr>
+    <a:masterClrMapping/>
+  </p:clrMapOvr>
+</p:notes>
+</file>
+
+<file path=ppt/notesSlides/notesSlide11.xml><?xml version="1.0" encoding="utf-8"?>
+<p:notes xmlns:a="http://schemas.openxmlformats.org/drawingml/2006/main" xmlns:r="http://schemas.openxmlformats.org/officeDocument/2006/relationships" xmlns:p="http://schemas.openxmlformats.org/presentationml/2006/main">
+  <p:cSld>
+    <p:spTree>
+      <p:nvGrpSpPr>
+        <p:cNvPr id="1" name=""/>
+        <p:cNvGrpSpPr/>
+        <p:nvPr/>
+      </p:nvGrpSpPr>
+      <p:grpSpPr>
+        <a:xfrm>
+          <a:off x="0" y="0"/>
+          <a:ext cx="0" cy="0"/>
+          <a:chOff x="0" y="0"/>
+          <a:chExt cx="0" cy="0"/>
+        </a:xfrm>
+      </p:grpSpPr>
+      <p:sp>
+        <p:nvSpPr>
+          <p:cNvPr id="2" name="Slide Image Placeholder 1"/>
+          <p:cNvSpPr>
+            <a:spLocks noGrp="1" noRot="1" noChangeAspect="1"/>
+          </p:cNvSpPr>
+          <p:nvPr>
+            <p:ph type="sldImg"/>
+          </p:nvPr>
+        </p:nvSpPr>
+        <p:spPr/>
+      </p:sp>
+      <p:sp>
+        <p:nvSpPr>
+          <p:cNvPr id="3" name="Notes Placeholder 2"/>
+          <p:cNvSpPr>
+            <a:spLocks noGrp="1"/>
+          </p:cNvSpPr>
+          <p:nvPr>
+            <p:ph type="body" idx="1"/>
+          </p:nvPr>
+        </p:nvSpPr>
+        <p:spPr/>
+        <p:txBody>
+          <a:bodyPr/>
+          <a:lstStyle/>
+          <a:p>
+            <a:r>
+              <a:rPr lang="en-US" dirty="0"/>
+              <a:t>Speaker Notes: </a:t>
+            </a:r>
+          </a:p>
+          <a:p>
+            <a:endParaRPr lang="en-US" dirty="0"/>
+          </a:p>
+          <a:p>
+            <a:endParaRPr lang="en-US" dirty="0"/>
+          </a:p>
+          <a:p>
+            <a:r>
+              <a:rPr lang="en-US" dirty="0"/>
+              <a:t>And here are the references. Any questions? </a:t>
+            </a:r>
+          </a:p>
+        </p:txBody>
+      </p:sp>
+      <p:sp>
+        <p:nvSpPr>
+          <p:cNvPr id="4" name="Slide Number Placeholder 3"/>
+          <p:cNvSpPr>
+            <a:spLocks noGrp="1"/>
+          </p:cNvSpPr>
+          <p:nvPr>
+            <p:ph type="sldNum" sz="quarter" idx="5"/>
+          </p:nvPr>
+        </p:nvSpPr>
+        <p:spPr/>
+        <p:txBody>
+          <a:bodyPr/>
+          <a:lstStyle/>
+          <a:p>
+            <a:fld id="{406A5E4B-0CAD-DE41-9697-DAE3CDD53949}" type="slidenum">
+              <a:rPr lang="en-US" smtClean="0"/>
+              <a:t>11</a:t>
+            </a:fld>
+            <a:endParaRPr lang="en-US"/>
+          </a:p>
+        </p:txBody>
+      </p:sp>
+    </p:spTree>
+    <p:extLst>
+      <p:ext uri="{BB962C8B-B14F-4D97-AF65-F5344CB8AC3E}">
+        <p14:creationId xmlns:p14="http://schemas.microsoft.com/office/powerpoint/2010/main" val="4229253459"/>
       </p:ext>
     </p:extLst>
   </p:cSld>
@@ -1418,7 +5416,7 @@
                 <a:ea typeface="Calibri" panose="020F0502020204030204" pitchFamily="34" charset="0"/>
                 <a:cs typeface="Times New Roman" panose="02020603050405020304" pitchFamily="18" charset="0"/>
               </a:rPr>
-              <a:t>Develop portable units of software that can be leveraged to build, run, and interpret results from computationally inexpensive </a:t>
+              <a:t>Develop portable units of software (ideally containers) that can be leveraged to build, and run computationally inexpensive </a:t>
             </a:r>
             <a:r>
               <a:rPr lang="en-US" sz="1200" dirty="0" err="1">
@@ -1454,7 +5452,25 @@
                 <a:ea typeface="Calibri" panose="020F0502020204030204" pitchFamily="34" charset="0"/>
                 <a:cs typeface="Times New Roman" panose="02020603050405020304" pitchFamily="18" charset="0"/>
               </a:rPr>
-              <a:t>, ECCO libraries and their dependencies </a:t>
+              <a:t>, ECCO libraries and their dependencies and without </a:t>
+            </a:r>
+            <a:r>
+              <a:rPr lang="en-US" sz="1200" dirty="0" err="1">
+                <a:effectLst/>
+                <a:latin typeface="Calibri" panose="020F0502020204030204" pitchFamily="34" charset="0"/>
+                <a:ea typeface="Calibri" panose="020F0502020204030204" pitchFamily="34" charset="0"/>
+                <a:cs typeface="Times New Roman" panose="02020603050405020304" pitchFamily="18" charset="0"/>
+              </a:rPr>
+              <a:t>mpi</a:t>
+            </a:r>
+            <a:r>
+              <a:rPr lang="en-US" sz="1200" dirty="0">
+                <a:effectLst/>
+                <a:latin typeface="Calibri" panose="020F0502020204030204" pitchFamily="34" charset="0"/>
+                <a:ea typeface="Calibri" panose="020F0502020204030204" pitchFamily="34" charset="0"/>
+                <a:cs typeface="Times New Roman" panose="02020603050405020304" pitchFamily="18" charset="0"/>
+              </a:rPr>
+              <a:t> libraries </a:t>
             </a:r>
           </a:p>
           <a:p>
@@ -1494,25 +5510,7 @@
                 <a:ea typeface="Calibri" panose="020F0502020204030204" pitchFamily="34" charset="0"/>
                 <a:cs typeface="Times New Roman" panose="02020603050405020304" pitchFamily="18" charset="0"/>
               </a:rPr>
-              <a:t>Configure support for these units of software on the most frequently used computing platforms, architectures, and operating systems according to </a:t>
-            </a:r>
-            <a:r>
-              <a:rPr lang="en-US" sz="1200" dirty="0" err="1">
-                <a:effectLst/>
-                <a:latin typeface="Calibri" panose="020F0502020204030204" pitchFamily="34" charset="0"/>
-                <a:ea typeface="Calibri" panose="020F0502020204030204" pitchFamily="34" charset="0"/>
-                <a:cs typeface="Times New Roman" panose="02020603050405020304" pitchFamily="18" charset="0"/>
-              </a:rPr>
-              <a:t>MITgcm</a:t>
-            </a:r>
-            <a:r>
-              <a:rPr lang="en-US" sz="1200" dirty="0">
-                <a:effectLst/>
-                <a:latin typeface="Calibri" panose="020F0502020204030204" pitchFamily="34" charset="0"/>
-                <a:ea typeface="Calibri" panose="020F0502020204030204" pitchFamily="34" charset="0"/>
-                <a:cs typeface="Times New Roman" panose="02020603050405020304" pitchFamily="18" charset="0"/>
-              </a:rPr>
-              <a:t>-ECCO researchers and scientists </a:t>
+              <a:t>Configure support for these units of software on the most frequently used computing platforms, architectures, and operating systems according to CRIOS group users</a:t>
             </a:r>
           </a:p>
           <a:p>
@@ -1552,7 +5550,7 @@
                 <a:ea typeface="Calibri" panose="020F0502020204030204" pitchFamily="34" charset="0"/>
                 <a:cs typeface="Times New Roman" panose="02020603050405020304" pitchFamily="18" charset="0"/>
               </a:rPr>
-              <a:t>Document the software products in code repository and present results to </a:t>
+              <a:t>Document the software products in code repository and image registry and present results to </a:t>
             </a:r>
             <a:r>
               <a:rPr lang="en-US" sz="1200" dirty="0" err="1">
@@ -1799,26 +5797,7 @@
                 <a:ea typeface="Calibri" panose="020F0502020204030204" pitchFamily="34" charset="0"/>
                 <a:cs typeface="Times New Roman" panose="02020603050405020304" pitchFamily="18" charset="0"/>
               </a:rPr>
-              <a:t>)  along with desired data visualization tasks and render output in the interface</a:t>
-            </a:r>
-          </a:p>
-          <a:p>
-            <a:pPr marL="457200" marR="0">
-              <a:spcBef>
-                <a:spcPts val="0"/>
-              </a:spcBef>
-              <a:spcAft>
-                <a:spcPts val="0"/>
-              </a:spcAft>
-            </a:pPr>
-            <a:r>
-              <a:rPr lang="en-US" sz="1200" dirty="0">
-                <a:effectLst/>
-                <a:latin typeface="Calibri" panose="020F0502020204030204" pitchFamily="34" charset="0"/>
-                <a:ea typeface="Calibri" panose="020F0502020204030204" pitchFamily="34" charset="0"/>
-                <a:cs typeface="Times New Roman" panose="02020603050405020304" pitchFamily="18" charset="0"/>
-              </a:rPr>
-              <a:t> </a:t>
+              <a:t>)  along with desired post-processing and data analysis tasks such as invoking ECCO to render data visualizations and render output on a GUI in the portable unit of software. </a:t>
             </a:r>
           </a:p>
           <a:p>
@@ -1832,52 +5811,12 @@
               <a:buFont typeface="+mj-lt"/>
               <a:buAutoNum type="arabicPeriod"/>
             </a:pPr>
-            <a:r>
-              <a:rPr lang="en-US" sz="1200" dirty="0">
-                <a:effectLst/>
-                <a:latin typeface="Calibri" panose="020F0502020204030204" pitchFamily="34" charset="0"/>
-                <a:ea typeface="Calibri" panose="020F0502020204030204" pitchFamily="34" charset="0"/>
-                <a:cs typeface="Times New Roman" panose="02020603050405020304" pitchFamily="18" charset="0"/>
-              </a:rPr>
-              <a:t>Scale up support for </a:t>
-            </a:r>
-            <a:r>
-              <a:rPr lang="en-US" sz="1200" dirty="0" err="1">
-                <a:effectLst/>
-                <a:latin typeface="Calibri" panose="020F0502020204030204" pitchFamily="34" charset="0"/>
-                <a:ea typeface="Calibri" panose="020F0502020204030204" pitchFamily="34" charset="0"/>
-                <a:cs typeface="Times New Roman" panose="02020603050405020304" pitchFamily="18" charset="0"/>
-              </a:rPr>
-              <a:t>MITgcm</a:t>
-            </a:r>
-            <a:r>
-              <a:rPr lang="en-US" sz="1200" dirty="0">
-                <a:effectLst/>
-                <a:latin typeface="Calibri" panose="020F0502020204030204" pitchFamily="34" charset="0"/>
-                <a:ea typeface="Calibri" panose="020F0502020204030204" pitchFamily="34" charset="0"/>
-                <a:cs typeface="Times New Roman" panose="02020603050405020304" pitchFamily="18" charset="0"/>
-              </a:rPr>
-              <a:t> model problems and ECCO visualization tasks to enable more computationally expensive configurations</a:t>
-            </a:r>
-          </a:p>
-          <a:p>
-            <a:pPr marL="457200" marR="0">
-              <a:spcBef>
-                <a:spcPts val="0"/>
-              </a:spcBef>
-              <a:spcAft>
-                <a:spcPts val="0"/>
-              </a:spcAft>
-            </a:pPr>
-            <a:r>
-              <a:rPr lang="en-US" sz="1200" dirty="0">
-                <a:effectLst/>
-                <a:latin typeface="Calibri" panose="020F0502020204030204" pitchFamily="34" charset="0"/>
-                <a:ea typeface="Calibri" panose="020F0502020204030204" pitchFamily="34" charset="0"/>
-                <a:cs typeface="Times New Roman" panose="02020603050405020304" pitchFamily="18" charset="0"/>
-              </a:rPr>
-              <a:t> </a:t>
-            </a:r>
+            <a:endParaRPr lang="en-US" sz="1200" dirty="0">
+              <a:effectLst/>
+              <a:latin typeface="Calibri" panose="020F0502020204030204" pitchFamily="34" charset="0"/>
+              <a:ea typeface="Calibri" panose="020F0502020204030204" pitchFamily="34" charset="0"/>
+              <a:cs typeface="Times New Roman" panose="02020603050405020304" pitchFamily="18" charset="0"/>
+            </a:endParaRPr>
           </a:p>
           <a:p>
             <a:pPr marL="342900" marR="0" lvl="0" indent="-342900">
@@ -1897,18 +5836,17 @@
                 <a:ea typeface="Calibri" panose="020F0502020204030204" pitchFamily="34" charset="0"/>
                 <a:cs typeface="Times New Roman" panose="02020603050405020304" pitchFamily="18" charset="0"/>
               </a:rPr>
-              <a:t>Add support for ASTE regional domain model problems</a:t>
-            </a:r>
-          </a:p>
-          <a:p>
-            <a:pPr marL="457200" marR="0">
-              <a:spcBef>
-                <a:spcPts val="0"/>
-              </a:spcBef>
-              <a:spcAft>
-                <a:spcPts val="0"/>
-              </a:spcAft>
-            </a:pPr>
+              <a:t>Scale up support for </a:t>
+            </a:r>
+            <a:r>
+              <a:rPr lang="en-US" sz="1200" dirty="0" err="1">
+                <a:effectLst/>
+                <a:latin typeface="Calibri" panose="020F0502020204030204" pitchFamily="34" charset="0"/>
+                <a:ea typeface="Calibri" panose="020F0502020204030204" pitchFamily="34" charset="0"/>
+                <a:cs typeface="Times New Roman" panose="02020603050405020304" pitchFamily="18" charset="0"/>
+              </a:rPr>
+              <a:t>MITgcm</a:t>
+            </a:r>
             <a:r>
               <a:rPr lang="en-US" sz="1200" dirty="0">
                 <a:effectLst/>
@@ -1916,7 +5854,7 @@
                 <a:ea typeface="Calibri" panose="020F0502020204030204" pitchFamily="34" charset="0"/>
                 <a:cs typeface="Times New Roman" panose="02020603050405020304" pitchFamily="18" charset="0"/>
               </a:rPr>
-              <a:t> </a:t>
+              <a:t> model problems and ECCO visualization tasks to enable more computationally expensive configurations</a:t>
             </a:r>
           </a:p>
           <a:p>
@@ -1930,6 +5868,31 @@
               <a:buFont typeface="+mj-lt"/>
               <a:buAutoNum type="arabicPeriod"/>
             </a:pPr>
+            <a:endParaRPr lang="en-US" sz="1200" dirty="0">
+              <a:effectLst/>
+              <a:latin typeface="Calibri" panose="020F0502020204030204" pitchFamily="34" charset="0"/>
+              <a:ea typeface="Calibri" panose="020F0502020204030204" pitchFamily="34" charset="0"/>
+              <a:cs typeface="Times New Roman" panose="02020603050405020304" pitchFamily="18" charset="0"/>
+            </a:endParaRPr>
+          </a:p>
+          <a:p>
+            <a:pPr marL="342900" marR="0" lvl="0" indent="-342900" algn="l" defTabSz="914400" rtl="0" eaLnBrk="1" fontAlgn="auto" latinLnBrk="0" hangingPunct="1">
+              <a:lnSpc>
+                <a:spcPct val="100000"/>
+              </a:lnSpc>
+              <a:spcBef>
+                <a:spcPts val="0"/>
+              </a:spcBef>
+              <a:spcAft>
+                <a:spcPts val="0"/>
+              </a:spcAft>
+              <a:buClrTx/>
+              <a:buSzTx/>
+              <a:buFont typeface="+mj-lt"/>
+              <a:buAutoNum type="arabicPeriod"/>
+              <a:tabLst/>
+              <a:defRPr/>
+            </a:pPr>
             <a:r>
               <a:rPr lang="en-US" sz="1200" dirty="0">
                 <a:effectLst/>
@@ -1937,11 +5900,29 @@
                 <a:ea typeface="Calibri" panose="020F0502020204030204" pitchFamily="34" charset="0"/>
                 <a:cs typeface="Times New Roman" panose="02020603050405020304" pitchFamily="18" charset="0"/>
               </a:rPr>
-              <a:t>Configure support for products on multiple Linux distributions to include (in addition to CentOS), Ubuntu, RedHat, and Fedora</a:t>
-            </a:r>
-          </a:p>
-          <a:p>
-            <a:pPr marL="0" marR="0">
+              <a:t>Add support for ASTE regional domain model problems</a:t>
+            </a:r>
+          </a:p>
+          <a:p>
+            <a:pPr marL="342900" marR="0" lvl="0" indent="-342900">
+              <a:spcBef>
+                <a:spcPts val="0"/>
+              </a:spcBef>
+              <a:spcAft>
+                <a:spcPts val="0"/>
+              </a:spcAft>
+              <a:buFont typeface="+mj-lt"/>
+              <a:buAutoNum type="arabicPeriod"/>
+            </a:pPr>
+            <a:endParaRPr lang="en-US" sz="1200" dirty="0">
+              <a:effectLst/>
+              <a:latin typeface="Calibri" panose="020F0502020204030204" pitchFamily="34" charset="0"/>
+              <a:ea typeface="Calibri" panose="020F0502020204030204" pitchFamily="34" charset="0"/>
+              <a:cs typeface="Times New Roman" panose="02020603050405020304" pitchFamily="18" charset="0"/>
+            </a:endParaRPr>
+          </a:p>
+          <a:p>
+            <a:pPr marL="457200" marR="0">
               <a:spcBef>
                 <a:spcPts val="0"/>
               </a:spcBef>
@@ -1960,7 +5941,18 @@
             </a:r>
           </a:p>
           <a:p>
-            <a:endParaRPr lang="en-US" dirty="0"/>
+            <a:r>
+              <a:rPr lang="en-US" dirty="0"/>
+              <a:t>4. Scale up support for product to run on most-widely adopted computing platforms, architectures, and OS according to general purpose </a:t>
+            </a:r>
+            <a:r>
+              <a:rPr lang="en-US" dirty="0" err="1"/>
+              <a:t>MITgcm</a:t>
+            </a:r>
+            <a:r>
+              <a:rPr lang="en-US" dirty="0"/>
+              <a:t> community use.</a:t>
+            </a:r>
           </a:p>
         </p:txBody>
       </p:sp>
@@ -2218,16 +6210,7 @@
           <a:p>
             <a:r>
               <a:rPr lang="en-US" dirty="0"/>
-              <a:t>Speaker Notes: </a:t>
-            </a:r>
-          </a:p>
-          <a:p>
-            <a:endParaRPr lang="en-US" dirty="0"/>
-          </a:p>
-          <a:p>
-            <a:r>
-              <a:rPr lang="en-US" dirty="0"/>
-              <a:t>The next steps in the project design process will involve reading through relevant user guides for installing and operating software tools applicable to this project, performing a literature review on this broad subject area of using portable units of software to run climate models in a platform agnostic way and defining design requirements by incorporating feedback from researchers and graduate students in the </a:t>
+              <a:t>Presented on this slide is a high-level overview of the workflow that I am undertaking in working on this project. This workflow can be thought of as a working methodology for performing tasks from the ‘Understand’ to the ‘Prototype and Test’ phase of the product design process schematic mentioned earlier. As an iterative process, the first task involves gathering and verifying requirements in communicating with end users on the project. Since the product’s first release will be intended for CRIOS group </a:t>
             </a:r>
             <a:r>
               <a:rPr lang="en-US" dirty="0" err="1"/>
@@ -2235,7 +6218,63 @@
             </a:r>
             <a:r>
               <a:rPr lang="en-US" dirty="0"/>
-              <a:t>-ECCO community along with IT administrators. </a:t>
+              <a:t> users specifically, high-level communication regarding project objectives, design requirements, etc. will be established with Patrick, researchers, and other graduate students who will benefit most from portability and improved efficiency of compiling and running </a:t>
+            </a:r>
+            <a:r>
+              <a:rPr lang="en-US" dirty="0" err="1"/>
+              <a:t>MITgcm</a:t>
+            </a:r>
+            <a:r>
+              <a:rPr lang="en-US" dirty="0"/>
+              <a:t> model problems. The next step in the workflow is the system design phase which will involve developing flowcharts for high-level layers of communication and procedures between product elements, and within these product elements, class diagrams and pseudocode in an architecture-agnostic fashion. From here, the diagrams will be implemented in code, the code incorporated into a containerized environment, and ultimately tested all on a Centos7 Linux OS running on an Oracle VirtualBox Hypervisor as the development environment. This development environment was chosen because of lack of permissions to run containers directly on </a:t>
+            </a:r>
+            <a:r>
+              <a:rPr lang="en-US" dirty="0" err="1"/>
+              <a:t>sverdrup</a:t>
+            </a:r>
+            <a:r>
+              <a:rPr lang="en-US" dirty="0"/>
+              <a:t> or TACC login or compute nodes. This brings up the next stage in the workflow which involves using another containerization software called ‘singularity’ to build and test scripts from runnable containers. Singularity is installed on TACC and </a:t>
+            </a:r>
+            <a:r>
+              <a:rPr lang="en-US" dirty="0" err="1"/>
+              <a:t>sverdrup</a:t>
+            </a:r>
+            <a:r>
+              <a:rPr lang="en-US" dirty="0"/>
+              <a:t> login nodes, and therefore, the development environment for building and testing singularity scripts from functional containers will be a Centos7 OS on </a:t>
+            </a:r>
+            <a:r>
+              <a:rPr lang="en-US" dirty="0" err="1"/>
+              <a:t>sverdrup’s</a:t>
+            </a:r>
+            <a:r>
+              <a:rPr lang="en-US" dirty="0"/>
+              <a:t> and stampede2’s compute nodes respectively. Now, it should be mentioned that the initial goal for the end-user environment of the product is to have it running on Centos7 on </a:t>
+            </a:r>
+            <a:r>
+              <a:rPr lang="en-US" dirty="0" err="1"/>
+              <a:t>sverdrup</a:t>
+            </a:r>
+            <a:r>
+              <a:rPr lang="en-US" dirty="0"/>
+              <a:t> for immediate access by the group. However, stretch goals involve configuring the product to run on stampede2 compute nodes, and perhaps other Linux distributions, and computing architectures used by </a:t>
+            </a:r>
+            <a:r>
+              <a:rPr lang="en-US" dirty="0" err="1"/>
+              <a:t>MITgcm</a:t>
+            </a:r>
+            <a:r>
+              <a:rPr lang="en-US" dirty="0"/>
+              <a:t> users. In step 8, after the output of the singularity scripts are checked against their container counterparts in the virtual machine environment, the final product will be pushed up to code and image repositories and then ultimately tagged for release to the public. Any recommendations for feature improvements, bug fixes, performance enhancements, etc. will be </a:t>
+            </a:r>
+            <a:r>
+              <a:rPr lang="en-US" dirty="0" err="1"/>
+              <a:t>continously</a:t>
+            </a:r>
+            <a:r>
+              <a:rPr lang="en-US" dirty="0"/>
+              <a:t> incorporated in the workflow bringing us back to step 1 in this iterative design.</a:t>
             </a:r>
           </a:p>
         </p:txBody>
@@ -2255,7 +6294,7 @@
           <a:bodyPr/>
           <a:lstStyle/>
           <a:p>
-            <a:fld id="{406A5E4B-0CAD-DE41-9697-DAE3CDD53949}" type="slidenum">
+            <a:fld id="{16700A8E-B3A9-9C49-B741-F4BFD70CC559}" type="slidenum">
               <a:rPr lang="en-US" smtClean="0"/>
               <a:t>8</a:t>
             </a:fld>
@@ -2266,7 +6305,7 @@
     </p:spTree>
     <p:extLst>
       <p:ext uri="{BB962C8B-B14F-4D97-AF65-F5344CB8AC3E}">
-        <p14:creationId xmlns:p14="http://schemas.microsoft.com/office/powerpoint/2010/main" val="1801297930"/>
+        <p14:creationId xmlns:p14="http://schemas.microsoft.com/office/powerpoint/2010/main" val="1040568603"/>
       </p:ext>
     </p:extLst>
   </p:cSld>
@@ -2322,31 +6361,23 @@
           <a:p>
             <a:r>
               <a:rPr lang="en-US" dirty="0"/>
-              <a:t>Speaker Notes: </a:t>
-            </a:r>
-          </a:p>
-          <a:p>
-            <a:endParaRPr lang="en-US" dirty="0"/>
-          </a:p>
-          <a:p>
-            <a:endParaRPr lang="en-US" dirty="0"/>
-          </a:p>
-          <a:p>
-            <a:r>
-              <a:rPr lang="en-US"/>
-              <a:t>And </a:t>
+              <a:t>With respect to project collaboration, I’ve established this high-level top-down flowchart to characterize the communication hierarchy and scope of communication with different collaborators on this project. At the beginning of the project, I have briefed my manager, Patrick of the problem and need statements, along with objectives of this project, and my chosen design process. I will establish recurring meetings with him throughout the project lifecycle to brief him on updates as I progress through designing, testing, and implementing my products. Below, I’ve documented the contact information of two of the group’s senior research associates, An and Helen with whom I plan on setting up periodic meetings to have high-level discussions about gathering project requirements and product end goals to address CRIOS group needs. These high-level discussions will be incorporated into ad-hoc meetings with graduate research assistants Ivana, Shreyas, and Matthew (around their research schedules) to troubleshoot system design errors, validate requirements, and gauge feasibility of system designs. Lastly, time permitting, in addressing the stretch goals to release a product that is compatible with computing hardware and software in the general </a:t>
+            </a:r>
+            <a:r>
+              <a:rPr lang="en-US" dirty="0" err="1"/>
+              <a:t>MITgcm</a:t>
             </a:r>
             <a:r>
               <a:rPr lang="en-US" dirty="0"/>
-              <a:t>here are </a:t>
-            </a:r>
-            <a:r>
-              <a:rPr lang="en-US"/>
-              <a:t>the references. </a:t>
+              <a:t>-community and thus not limited to the CRIOS group, I will establish periodic meetings with senior research scientists with NASA’s JPL in </a:t>
+            </a:r>
+            <a:r>
+              <a:rPr lang="en-US" dirty="0" err="1"/>
+              <a:t>Ou</a:t>
             </a:r>
             <a:r>
               <a:rPr lang="en-US" dirty="0"/>
-              <a:t>Any questions? </a:t>
+              <a:t> and Ian. </a:t>
             </a:r>
           </a:p>
         </p:txBody>
@@ -2377,7 +6408,7 @@
     </p:spTree>
     <p:extLst>
       <p:ext uri="{BB962C8B-B14F-4D97-AF65-F5344CB8AC3E}">
-        <p14:creationId xmlns:p14="http://schemas.microsoft.com/office/powerpoint/2010/main" val="4229253459"/>
+        <p14:creationId xmlns:p14="http://schemas.microsoft.com/office/powerpoint/2010/main" val="1179384494"/>
       </p:ext>
     </p:extLst>
   </p:cSld>
@@ -2534,7 +6565,7 @@
           <a:p>
             <a:fld id="{9722764F-F819-594B-BA02-9CAF06EE9DE7}" type="datetimeFigureOut">
               <a:rPr lang="en-US" smtClean="0"/>
-              <a:t>4/20/23</a:t>
+              <a:t>5/3/23</a:t>
             </a:fld>
             <a:endParaRPr lang="en-US"/>
           </a:p>
@@ -2732,7 +6763,7 @@
           <a:p>
             <a:fld id="{9722764F-F819-594B-BA02-9CAF06EE9DE7}" type="datetimeFigureOut">
               <a:rPr lang="en-US" smtClean="0"/>
-              <a:t>4/20/23</a:t>
+              <a:t>5/3/23</a:t>
             </a:fld>
             <a:endParaRPr lang="en-US"/>
           </a:p>
@@ -2940,7 +6971,7 @@
           <a:p>
             <a:fld id="{9722764F-F819-594B-BA02-9CAF06EE9DE7}" type="datetimeFigureOut">
               <a:rPr lang="en-US" smtClean="0"/>
-              <a:t>4/20/23</a:t>
+              <a:t>5/3/23</a:t>
             </a:fld>
             <a:endParaRPr lang="en-US"/>
           </a:p>
@@ -3138,7 +7169,7 @@
           <a:p>
             <a:fld id="{9722764F-F819-594B-BA02-9CAF06EE9DE7}" type="datetimeFigureOut">
               <a:rPr lang="en-US" smtClean="0"/>
-              <a:t>4/20/23</a:t>
+              <a:t>5/3/23</a:t>
             </a:fld>
             <a:endParaRPr lang="en-US"/>
           </a:p>
@@ -3413,7 +7444,7 @@
           <a:p>
             <a:fld id="{9722764F-F819-594B-BA02-9CAF06EE9DE7}" type="datetimeFigureOut">
               <a:rPr lang="en-US" smtClean="0"/>
-              <a:t>4/20/23</a:t>
+              <a:t>5/3/23</a:t>
             </a:fld>
             <a:endParaRPr lang="en-US"/>
           </a:p>
@@ -3678,7 +7709,7 @@
           <a:p>
             <a:fld id="{9722764F-F819-594B-BA02-9CAF06EE9DE7}" type="datetimeFigureOut">
               <a:rPr lang="en-US" smtClean="0"/>
-              <a:t>4/20/23</a:t>
+              <a:t>5/3/23</a:t>
             </a:fld>
             <a:endParaRPr lang="en-US"/>
           </a:p>
@@ -4090,7 +8121,7 @@
           <a:p>
             <a:fld id="{9722764F-F819-594B-BA02-9CAF06EE9DE7}" type="datetimeFigureOut">
               <a:rPr lang="en-US" smtClean="0"/>
-              <a:t>4/20/23</a:t>
+              <a:t>5/3/23</a:t>
             </a:fld>
             <a:endParaRPr lang="en-US"/>
           </a:p>
@@ -4231,7 +8262,7 @@
           <a:p>
             <a:fld id="{9722764F-F819-594B-BA02-9CAF06EE9DE7}" type="datetimeFigureOut">
               <a:rPr lang="en-US" smtClean="0"/>
-              <a:t>4/20/23</a:t>
+              <a:t>5/3/23</a:t>
             </a:fld>
             <a:endParaRPr lang="en-US"/>
           </a:p>
@@ -4344,7 +8375,7 @@
           <a:p>
             <a:fld id="{9722764F-F819-594B-BA02-9CAF06EE9DE7}" type="datetimeFigureOut">
               <a:rPr lang="en-US" smtClean="0"/>
-              <a:t>4/20/23</a:t>
+              <a:t>5/3/23</a:t>
             </a:fld>
             <a:endParaRPr lang="en-US"/>
           </a:p>
@@ -4655,7 +8686,7 @@
           <a:p>
             <a:fld id="{9722764F-F819-594B-BA02-9CAF06EE9DE7}" type="datetimeFigureOut">
               <a:rPr lang="en-US" smtClean="0"/>
-              <a:t>4/20/23</a:t>
+              <a:t>5/3/23</a:t>
             </a:fld>
             <a:endParaRPr lang="en-US"/>
           </a:p>
@@ -4943,7 +8974,7 @@
           <a:p>
             <a:fld id="{9722764F-F819-594B-BA02-9CAF06EE9DE7}" type="datetimeFigureOut">
               <a:rPr lang="en-US" smtClean="0"/>
-              <a:t>4/20/23</a:t>
+              <a:t>5/3/23</a:t>
             </a:fld>
             <a:endParaRPr lang="en-US"/>
           </a:p>
@@ -5184,7 +9215,7 @@
           <a:p>
             <a:fld id="{9722764F-F819-594B-BA02-9CAF06EE9DE7}" type="datetimeFigureOut">
               <a:rPr lang="en-US" smtClean="0"/>
-              <a:t>4/20/23</a:t>
+              <a:t>5/3/23</a:t>
             </a:fld>
             <a:endParaRPr lang="en-US"/>
           </a:p>
@@ -5690,7 +9721,7 @@
         </p:blipFill>
         <p:spPr>
           <a:xfrm>
-            <a:off x="-3047" y="10"/>
+            <a:off x="8528" y="10"/>
             <a:ext cx="12191999" cy="6857990"/>
           </a:xfrm>
           <a:prstGeom prst="rect">
@@ -5820,25 +9851,17 @@
         </p:spPr>
         <p:txBody>
           <a:bodyPr>
-            <a:normAutofit/>
+            <a:normAutofit fontScale="90000"/>
           </a:bodyPr>
           <a:lstStyle/>
           <a:p>
-            <a:r>
-              <a:rPr lang="en-US" sz="5200" dirty="0" err="1">
-                <a:solidFill>
-                  <a:srgbClr val="FFFFFF"/>
-                </a:solidFill>
-              </a:rPr>
-              <a:t>MITgcm</a:t>
-            </a:r>
             <a:r>
               <a:rPr lang="en-US" sz="5200" dirty="0">
                 <a:solidFill>
                   <a:srgbClr val="FFFFFF"/>
                 </a:solidFill>
               </a:rPr>
-              <a:t>-Docker Project Overview</a:t>
+              <a:t>Ocean Circulation Model Containerization Project Overview</a:t>
             </a:r>
           </a:p>
         </p:txBody>
@@ -5861,8 +9884,8 @@
         </p:nvSpPr>
         <p:spPr>
           <a:xfrm>
-            <a:off x="1063752" y="5495934"/>
-            <a:ext cx="10058400" cy="1282707"/>
+            <a:off x="2383825" y="5393916"/>
+            <a:ext cx="7418253" cy="1282707"/>
           </a:xfrm>
           <a:effectLst>
             <a:outerShdw blurRad="50800" dist="38100" dir="2700000" algn="tl" rotWithShape="0">
@@ -5879,13 +9902,20 @@
           <a:lstStyle/>
           <a:p>
             <a:r>
-              <a:rPr lang="en-US" dirty="0">
+              <a:rPr lang="en-US" sz="2000" dirty="0">
                 <a:solidFill>
                   <a:srgbClr val="FFFFFF"/>
                 </a:solidFill>
               </a:rPr>
-              <a:t>By: Justin Campbell</a:t>
-            </a:r>
+              <a:t>By: Justin Campbell, Research Engineering/Scientist Assistant with Computational Research in Ice and Ocean Systems (CRIOS) Group</a:t>
+            </a:r>
+          </a:p>
+          <a:p>
+            <a:endParaRPr lang="en-US" dirty="0">
+              <a:solidFill>
+                <a:srgbClr val="FFFFFF"/>
+              </a:solidFill>
+            </a:endParaRPr>
           </a:p>
         </p:txBody>
       </p:sp>
@@ -5893,6 +9923,940 @@
     <p:extLst>
       <p:ext uri="{BB962C8B-B14F-4D97-AF65-F5344CB8AC3E}">
         <p14:creationId xmlns:p14="http://schemas.microsoft.com/office/powerpoint/2010/main" val="3004535359"/>
+      </p:ext>
+    </p:extLst>
+  </p:cSld>
+  <p:clrMapOvr>
+    <a:masterClrMapping/>
+  </p:clrMapOvr>
+  <mc:AlternateContent xmlns:mc="http://schemas.openxmlformats.org/markup-compatibility/2006">
+    <mc:Choice xmlns:p14="http://schemas.microsoft.com/office/powerpoint/2010/main" Requires="p14">
+      <p:transition spd="slow" p14:dur="2000" advTm="4133"/>
+    </mc:Choice>
+    <mc:Fallback>
+      <p:transition spd="slow" advTm="4133"/>
+    </mc:Fallback>
+  </mc:AlternateContent>
+</p:sld>
+</file>
+
+<file path=ppt/slides/slide10.xml><?xml version="1.0" encoding="utf-8"?>
+<p:sld xmlns:a="http://schemas.openxmlformats.org/drawingml/2006/main" xmlns:r="http://schemas.openxmlformats.org/officeDocument/2006/relationships" xmlns:p="http://schemas.openxmlformats.org/presentationml/2006/main">
+  <p:cSld>
+    <p:spTree>
+      <p:nvGrpSpPr>
+        <p:cNvPr id="1" name=""/>
+        <p:cNvGrpSpPr/>
+        <p:nvPr/>
+      </p:nvGrpSpPr>
+      <p:grpSpPr>
+        <a:xfrm>
+          <a:off x="0" y="0"/>
+          <a:ext cx="0" cy="0"/>
+          <a:chOff x="0" y="0"/>
+          <a:chExt cx="0" cy="0"/>
+        </a:xfrm>
+      </p:grpSpPr>
+      <p:sp>
+        <p:nvSpPr>
+          <p:cNvPr id="11" name="Title 10">
+            <a:extLst>
+              <a:ext uri="{FF2B5EF4-FFF2-40B4-BE49-F238E27FC236}">
+                <a16:creationId xmlns:a16="http://schemas.microsoft.com/office/drawing/2014/main" id="{B1748D03-7FB0-516E-DCC3-DBFD7C2DF205}"/>
+              </a:ext>
+            </a:extLst>
+          </p:cNvPr>
+          <p:cNvSpPr>
+            <a:spLocks noGrp="1"/>
+          </p:cNvSpPr>
+          <p:nvPr>
+            <p:ph type="title"/>
+          </p:nvPr>
+        </p:nvSpPr>
+        <p:spPr>
+          <a:xfrm>
+            <a:off x="838198" y="1"/>
+            <a:ext cx="10515600" cy="733246"/>
+          </a:xfrm>
+        </p:spPr>
+        <p:txBody>
+          <a:bodyPr/>
+          <a:lstStyle/>
+          <a:p>
+            <a:pPr algn="ctr"/>
+            <a:r>
+              <a:rPr lang="en-US" dirty="0"/>
+              <a:t>Next Steps</a:t>
+            </a:r>
+          </a:p>
+        </p:txBody>
+      </p:sp>
+      <p:pic>
+        <p:nvPicPr>
+          <p:cNvPr id="20" name="Content Placeholder 4" descr="A body of water with blue sky and clouds&#10;&#10;Description automatically generated with low confidence">
+            <a:extLst>
+              <a:ext uri="{FF2B5EF4-FFF2-40B4-BE49-F238E27FC236}">
+                <a16:creationId xmlns:a16="http://schemas.microsoft.com/office/drawing/2014/main" id="{1758AB50-27A2-F679-EA0A-9A6B42A7786A}"/>
+              </a:ext>
+            </a:extLst>
+          </p:cNvPr>
+          <p:cNvPicPr>
+            <a:picLocks noChangeAspect="1"/>
+          </p:cNvPicPr>
+          <p:nvPr/>
+        </p:nvPicPr>
+        <p:blipFill rotWithShape="1">
+          <a:blip r:embed="rId3"/>
+          <a:srcRect l="55000" t="55539"/>
+          <a:stretch/>
+        </p:blipFill>
+        <p:spPr>
+          <a:xfrm>
+            <a:off x="0" y="0"/>
+            <a:ext cx="12365152" cy="6858000"/>
+          </a:xfrm>
+          <a:prstGeom prst="rect">
+            <a:avLst/>
+          </a:prstGeom>
+        </p:spPr>
+      </p:pic>
+      <p:sp>
+        <p:nvSpPr>
+          <p:cNvPr id="21" name="TextBox 20">
+            <a:extLst>
+              <a:ext uri="{FF2B5EF4-FFF2-40B4-BE49-F238E27FC236}">
+                <a16:creationId xmlns:a16="http://schemas.microsoft.com/office/drawing/2014/main" id="{97194565-9712-60A5-602B-34E3E5171064}"/>
+              </a:ext>
+            </a:extLst>
+          </p:cNvPr>
+          <p:cNvSpPr txBox="1"/>
+          <p:nvPr/>
+        </p:nvSpPr>
+        <p:spPr>
+          <a:xfrm>
+            <a:off x="1" y="1353902"/>
+            <a:ext cx="12191999" cy="4832092"/>
+          </a:xfrm>
+          <a:prstGeom prst="rect">
+            <a:avLst/>
+          </a:prstGeom>
+          <a:noFill/>
+        </p:spPr>
+        <p:txBody>
+          <a:bodyPr wrap="square">
+            <a:spAutoFit/>
+          </a:bodyPr>
+          <a:lstStyle/>
+          <a:p>
+            <a:pPr marL="457200" indent="-457200">
+              <a:buFont typeface="Arial" panose="020B0604020202020204" pitchFamily="34" charset="0"/>
+              <a:buChar char="•"/>
+            </a:pPr>
+            <a:r>
+              <a:rPr lang="en-US" sz="2800" dirty="0">
+                <a:solidFill>
+                  <a:schemeClr val="bg1"/>
+                </a:solidFill>
+              </a:rPr>
+              <a:t>Perform a literature review on the project’s subject area with a focus of identifying solutions using portable units of software to run climate models</a:t>
+            </a:r>
+          </a:p>
+          <a:p>
+            <a:endParaRPr lang="en-US" sz="2800" dirty="0">
+              <a:solidFill>
+                <a:schemeClr val="bg1"/>
+              </a:solidFill>
+            </a:endParaRPr>
+          </a:p>
+          <a:p>
+            <a:pPr marL="457200" indent="-457200">
+              <a:buFont typeface="Arial" panose="020B0604020202020204" pitchFamily="34" charset="0"/>
+              <a:buChar char="•"/>
+            </a:pPr>
+            <a:r>
+              <a:rPr lang="en-US" sz="2800" dirty="0">
+                <a:solidFill>
+                  <a:schemeClr val="bg1"/>
+                </a:solidFill>
+              </a:rPr>
+              <a:t>Annotate and document user guides for setting up and using software tools applicable to project scope</a:t>
+            </a:r>
+          </a:p>
+          <a:p>
+            <a:endParaRPr lang="en-US" sz="2800" dirty="0">
+              <a:solidFill>
+                <a:schemeClr val="bg1"/>
+              </a:solidFill>
+            </a:endParaRPr>
+          </a:p>
+          <a:p>
+            <a:pPr marL="457200" indent="-457200">
+              <a:buFont typeface="Arial" panose="020B0604020202020204" pitchFamily="34" charset="0"/>
+              <a:buChar char="•"/>
+            </a:pPr>
+            <a:r>
+              <a:rPr lang="en-US" sz="2800" dirty="0">
+                <a:solidFill>
+                  <a:schemeClr val="bg1"/>
+                </a:solidFill>
+              </a:rPr>
+              <a:t>Brainstorm product design ideas using rudimentary sketches, flowcharts, and class diagrams</a:t>
+            </a:r>
+          </a:p>
+          <a:p>
+            <a:endParaRPr lang="en-US" sz="2800" dirty="0">
+              <a:solidFill>
+                <a:schemeClr val="bg1"/>
+              </a:solidFill>
+            </a:endParaRPr>
+          </a:p>
+          <a:p>
+            <a:pPr marL="457200" indent="-457200">
+              <a:buFont typeface="Arial" panose="020B0604020202020204" pitchFamily="34" charset="0"/>
+              <a:buChar char="•"/>
+            </a:pPr>
+            <a:r>
+              <a:rPr lang="en-US" sz="2800" dirty="0">
+                <a:solidFill>
+                  <a:schemeClr val="bg1"/>
+                </a:solidFill>
+              </a:rPr>
+              <a:t>Continuously incorporate feedback from project collaborators to supplement design requirements</a:t>
+            </a:r>
+          </a:p>
+        </p:txBody>
+      </p:sp>
+      <p:sp>
+        <p:nvSpPr>
+          <p:cNvPr id="22" name="TextBox 21">
+            <a:extLst>
+              <a:ext uri="{FF2B5EF4-FFF2-40B4-BE49-F238E27FC236}">
+                <a16:creationId xmlns:a16="http://schemas.microsoft.com/office/drawing/2014/main" id="{D393A796-A6DC-7BA0-42EB-E38FAD3D81B0}"/>
+              </a:ext>
+            </a:extLst>
+          </p:cNvPr>
+          <p:cNvSpPr txBox="1"/>
+          <p:nvPr/>
+        </p:nvSpPr>
+        <p:spPr>
+          <a:xfrm>
+            <a:off x="4536138" y="57509"/>
+            <a:ext cx="3119717" cy="769441"/>
+          </a:xfrm>
+          <a:prstGeom prst="rect">
+            <a:avLst/>
+          </a:prstGeom>
+          <a:noFill/>
+        </p:spPr>
+        <p:txBody>
+          <a:bodyPr wrap="square" rtlCol="0">
+            <a:spAutoFit/>
+          </a:bodyPr>
+          <a:lstStyle/>
+          <a:p>
+            <a:pPr algn="ctr"/>
+            <a:r>
+              <a:rPr lang="en-US" sz="4400" dirty="0">
+                <a:solidFill>
+                  <a:schemeClr val="bg1"/>
+                </a:solidFill>
+              </a:rPr>
+              <a:t>Next Steps</a:t>
+            </a:r>
+          </a:p>
+        </p:txBody>
+      </p:sp>
+    </p:spTree>
+    <p:extLst>
+      <p:ext uri="{BB962C8B-B14F-4D97-AF65-F5344CB8AC3E}">
+        <p14:creationId xmlns:p14="http://schemas.microsoft.com/office/powerpoint/2010/main" val="988854764"/>
+      </p:ext>
+    </p:extLst>
+  </p:cSld>
+  <p:clrMapOvr>
+    <a:masterClrMapping/>
+  </p:clrMapOvr>
+</p:sld>
+</file>
+
+<file path=ppt/slides/slide11.xml><?xml version="1.0" encoding="utf-8"?>
+<p:sld xmlns:a="http://schemas.openxmlformats.org/drawingml/2006/main" xmlns:r="http://schemas.openxmlformats.org/officeDocument/2006/relationships" xmlns:p="http://schemas.openxmlformats.org/presentationml/2006/main">
+  <p:cSld>
+    <p:spTree>
+      <p:nvGrpSpPr>
+        <p:cNvPr id="1" name=""/>
+        <p:cNvGrpSpPr/>
+        <p:nvPr/>
+      </p:nvGrpSpPr>
+      <p:grpSpPr>
+        <a:xfrm>
+          <a:off x="0" y="0"/>
+          <a:ext cx="0" cy="0"/>
+          <a:chOff x="0" y="0"/>
+          <a:chExt cx="0" cy="0"/>
+        </a:xfrm>
+      </p:grpSpPr>
+      <p:sp>
+        <p:nvSpPr>
+          <p:cNvPr id="2" name="Title 1">
+            <a:extLst>
+              <a:ext uri="{FF2B5EF4-FFF2-40B4-BE49-F238E27FC236}">
+                <a16:creationId xmlns:a16="http://schemas.microsoft.com/office/drawing/2014/main" id="{2366A68F-15F1-85B1-99FA-1E55C24D5120}"/>
+              </a:ext>
+            </a:extLst>
+          </p:cNvPr>
+          <p:cNvSpPr>
+            <a:spLocks noGrp="1"/>
+          </p:cNvSpPr>
+          <p:nvPr>
+            <p:ph type="title"/>
+          </p:nvPr>
+        </p:nvSpPr>
+        <p:spPr/>
+        <p:txBody>
+          <a:bodyPr/>
+          <a:lstStyle/>
+          <a:p>
+            <a:endParaRPr lang="en-US"/>
+          </a:p>
+        </p:txBody>
+      </p:sp>
+      <p:pic>
+        <p:nvPicPr>
+          <p:cNvPr id="5" name="Content Placeholder 4" descr="A body of water with blue sky and clouds&#10;&#10;Description automatically generated with low confidence">
+            <a:extLst>
+              <a:ext uri="{FF2B5EF4-FFF2-40B4-BE49-F238E27FC236}">
+                <a16:creationId xmlns:a16="http://schemas.microsoft.com/office/drawing/2014/main" id="{47FB3BC2-9B81-1AE2-20B5-04E9A9133CAB}"/>
+              </a:ext>
+            </a:extLst>
+          </p:cNvPr>
+          <p:cNvPicPr>
+            <a:picLocks noGrp="1" noChangeAspect="1"/>
+          </p:cNvPicPr>
+          <p:nvPr>
+            <p:ph idx="1"/>
+          </p:nvPr>
+        </p:nvPicPr>
+        <p:blipFill rotWithShape="1">
+          <a:blip r:embed="rId3"/>
+          <a:srcRect l="55000" t="55539"/>
+          <a:stretch/>
+        </p:blipFill>
+        <p:spPr>
+          <a:xfrm>
+            <a:off x="-1" y="0"/>
+            <a:ext cx="12365151" cy="6858000"/>
+          </a:xfrm>
+        </p:spPr>
+      </p:pic>
+      <p:sp>
+        <p:nvSpPr>
+          <p:cNvPr id="6" name="TextBox 5">
+            <a:extLst>
+              <a:ext uri="{FF2B5EF4-FFF2-40B4-BE49-F238E27FC236}">
+                <a16:creationId xmlns:a16="http://schemas.microsoft.com/office/drawing/2014/main" id="{7EEBC945-BCD1-972E-F326-2AD0A0317191}"/>
+              </a:ext>
+            </a:extLst>
+          </p:cNvPr>
+          <p:cNvSpPr txBox="1"/>
+          <p:nvPr/>
+        </p:nvSpPr>
+        <p:spPr>
+          <a:xfrm>
+            <a:off x="4213412" y="0"/>
+            <a:ext cx="3747247" cy="769441"/>
+          </a:xfrm>
+          <a:prstGeom prst="rect">
+            <a:avLst/>
+          </a:prstGeom>
+          <a:noFill/>
+        </p:spPr>
+        <p:txBody>
+          <a:bodyPr wrap="square" rtlCol="0">
+            <a:spAutoFit/>
+          </a:bodyPr>
+          <a:lstStyle/>
+          <a:p>
+            <a:pPr algn="ctr"/>
+            <a:r>
+              <a:rPr lang="en-US" sz="4400" dirty="0">
+                <a:solidFill>
+                  <a:schemeClr val="bg1"/>
+                </a:solidFill>
+              </a:rPr>
+              <a:t>References</a:t>
+            </a:r>
+          </a:p>
+        </p:txBody>
+      </p:sp>
+      <p:sp>
+        <p:nvSpPr>
+          <p:cNvPr id="8" name="TextBox 7">
+            <a:extLst>
+              <a:ext uri="{FF2B5EF4-FFF2-40B4-BE49-F238E27FC236}">
+                <a16:creationId xmlns:a16="http://schemas.microsoft.com/office/drawing/2014/main" id="{5DD0ECD5-C2BC-F2CE-F521-5BC364B065CD}"/>
+              </a:ext>
+            </a:extLst>
+          </p:cNvPr>
+          <p:cNvSpPr txBox="1"/>
+          <p:nvPr/>
+        </p:nvSpPr>
+        <p:spPr>
+          <a:xfrm>
+            <a:off x="9599" y="1137563"/>
+            <a:ext cx="12355551" cy="5355312"/>
+          </a:xfrm>
+          <a:prstGeom prst="rect">
+            <a:avLst/>
+          </a:prstGeom>
+          <a:noFill/>
+        </p:spPr>
+        <p:txBody>
+          <a:bodyPr wrap="square" rtlCol="0">
+            <a:spAutoFit/>
+          </a:bodyPr>
+          <a:lstStyle/>
+          <a:p>
+            <a:pPr marL="342900" indent="-342900">
+              <a:buFont typeface="+mj-lt"/>
+              <a:buAutoNum type="arabicPeriod"/>
+            </a:pPr>
+            <a:r>
+              <a:rPr lang="en-US" dirty="0">
+                <a:solidFill>
+                  <a:schemeClr val="bg1"/>
+                </a:solidFill>
+              </a:rPr>
+              <a:t>“MITGCM.” </a:t>
+            </a:r>
+            <a:r>
+              <a:rPr lang="en-US" dirty="0" err="1">
+                <a:solidFill>
+                  <a:schemeClr val="bg1"/>
+                </a:solidFill>
+              </a:rPr>
+              <a:t>MITgcm</a:t>
+            </a:r>
+            <a:r>
+              <a:rPr lang="en-US" dirty="0">
+                <a:solidFill>
+                  <a:schemeClr val="bg1"/>
+                </a:solidFill>
+              </a:rPr>
+              <a:t>, https://</a:t>
+            </a:r>
+            <a:r>
+              <a:rPr lang="en-US" dirty="0" err="1">
+                <a:solidFill>
+                  <a:schemeClr val="bg1"/>
+                </a:solidFill>
+              </a:rPr>
+              <a:t>mitgcm.org</a:t>
+            </a:r>
+            <a:r>
+              <a:rPr lang="en-US" dirty="0">
+                <a:solidFill>
+                  <a:schemeClr val="bg1"/>
+                </a:solidFill>
+              </a:rPr>
+              <a:t>/. </a:t>
+            </a:r>
+          </a:p>
+          <a:p>
+            <a:pPr marL="342900" indent="-342900">
+              <a:buFont typeface="+mj-lt"/>
+              <a:buAutoNum type="arabicPeriod"/>
+            </a:pPr>
+            <a:r>
+              <a:rPr lang="en-US" dirty="0">
+                <a:solidFill>
+                  <a:schemeClr val="bg1"/>
+                </a:solidFill>
+              </a:rPr>
+              <a:t>“JPL Science: Ecco.” NASA, NASA, https://</a:t>
+            </a:r>
+            <a:r>
+              <a:rPr lang="en-US" dirty="0" err="1">
+                <a:solidFill>
+                  <a:schemeClr val="bg1"/>
+                </a:solidFill>
+              </a:rPr>
+              <a:t>science.jpl.nasa.gov</a:t>
+            </a:r>
+            <a:r>
+              <a:rPr lang="en-US" dirty="0">
+                <a:solidFill>
+                  <a:schemeClr val="bg1"/>
+                </a:solidFill>
+              </a:rPr>
+              <a:t>/projects/</a:t>
+            </a:r>
+            <a:r>
+              <a:rPr lang="en-US" dirty="0" err="1">
+                <a:solidFill>
+                  <a:schemeClr val="bg1"/>
+                </a:solidFill>
+              </a:rPr>
+              <a:t>ecco</a:t>
+            </a:r>
+            <a:r>
+              <a:rPr lang="en-US" dirty="0">
+                <a:solidFill>
+                  <a:schemeClr val="bg1"/>
+                </a:solidFill>
+              </a:rPr>
+              <a:t>/. </a:t>
+            </a:r>
+          </a:p>
+          <a:p>
+            <a:pPr marL="342900" indent="-342900">
+              <a:buFont typeface="+mj-lt"/>
+              <a:buAutoNum type="arabicPeriod"/>
+            </a:pPr>
+            <a:r>
+              <a:rPr lang="en-US" dirty="0">
+                <a:solidFill>
+                  <a:schemeClr val="bg1"/>
+                </a:solidFill>
+                <a:effectLst/>
+              </a:rPr>
+              <a:t>Helmenstine, Anne Marie. “Why Is the Ocean Blue? Here's How It Works.” </a:t>
+            </a:r>
+            <a:r>
+              <a:rPr lang="en-US" i="1" dirty="0">
+                <a:solidFill>
+                  <a:schemeClr val="bg1"/>
+                </a:solidFill>
+                <a:effectLst/>
+              </a:rPr>
+              <a:t>ThoughtCo</a:t>
+            </a:r>
+            <a:r>
+              <a:rPr lang="en-US" dirty="0">
+                <a:solidFill>
+                  <a:schemeClr val="bg1"/>
+                </a:solidFill>
+                <a:effectLst/>
+              </a:rPr>
+              <a:t>, ThoughtCo, 11 July 2022, https://</a:t>
+            </a:r>
+            <a:r>
+              <a:rPr lang="en-US" dirty="0" err="1">
+                <a:solidFill>
+                  <a:schemeClr val="bg1"/>
+                </a:solidFill>
+                <a:effectLst/>
+              </a:rPr>
+              <a:t>www.thoughtco.com</a:t>
+            </a:r>
+            <a:r>
+              <a:rPr lang="en-US" dirty="0">
+                <a:solidFill>
+                  <a:schemeClr val="bg1"/>
+                </a:solidFill>
+                <a:effectLst/>
+              </a:rPr>
+              <a:t>/why-is-the-ocean-blue-609420. </a:t>
+            </a:r>
+          </a:p>
+          <a:p>
+            <a:pPr marL="342900" indent="-342900">
+              <a:buFont typeface="+mj-lt"/>
+              <a:buAutoNum type="arabicPeriod"/>
+            </a:pPr>
+            <a:r>
+              <a:rPr lang="en-US" dirty="0">
+                <a:solidFill>
+                  <a:schemeClr val="bg1"/>
+                </a:solidFill>
+                <a:effectLst/>
+              </a:rPr>
+              <a:t>McCarty, Scott, and Joe </a:t>
+            </a:r>
+            <a:r>
+              <a:rPr lang="en-US" dirty="0" err="1">
+                <a:solidFill>
+                  <a:schemeClr val="bg1"/>
+                </a:solidFill>
+                <a:effectLst/>
+              </a:rPr>
+              <a:t>Brockmeier</a:t>
+            </a:r>
+            <a:r>
+              <a:rPr lang="en-US" dirty="0">
+                <a:solidFill>
+                  <a:schemeClr val="bg1"/>
+                </a:solidFill>
+                <a:effectLst/>
+              </a:rPr>
+              <a:t>. “A Practical Introduction to Docker Containers.” </a:t>
+            </a:r>
+            <a:r>
+              <a:rPr lang="en-US" i="1" dirty="0">
+                <a:solidFill>
+                  <a:schemeClr val="bg1"/>
+                </a:solidFill>
+                <a:effectLst/>
+              </a:rPr>
+              <a:t>Red Hat Developer</a:t>
+            </a:r>
+            <a:r>
+              <a:rPr lang="en-US" dirty="0">
+                <a:solidFill>
+                  <a:schemeClr val="bg1"/>
+                </a:solidFill>
+                <a:effectLst/>
+              </a:rPr>
+              <a:t>, Red Hat Developer Community, 7 Mar. 2023, </a:t>
+            </a:r>
+            <a:r>
+              <a:rPr lang="en-US" dirty="0">
+                <a:solidFill>
+                  <a:schemeClr val="bg1"/>
+                </a:solidFill>
+                <a:effectLst/>
+                <a:hlinkClick r:id="rId4">
+                  <a:extLst>
+                    <a:ext uri="{A12FA001-AC4F-418D-AE19-62706E023703}">
+                      <ahyp:hlinkClr xmlns:ahyp="http://schemas.microsoft.com/office/drawing/2018/hyperlinkcolor" val="tx"/>
+                    </a:ext>
+                  </a:extLst>
+                </a:hlinkClick>
+              </a:rPr>
+              <a:t>https://developers.redhat.com/blog/2014/05/15/practical-introduction-to-docker-containers</a:t>
+            </a:r>
+            <a:r>
+              <a:rPr lang="en-US" dirty="0">
+                <a:solidFill>
+                  <a:schemeClr val="bg1"/>
+                </a:solidFill>
+                <a:effectLst/>
+              </a:rPr>
+              <a:t>.</a:t>
+            </a:r>
+          </a:p>
+          <a:p>
+            <a:pPr marL="342900" indent="-342900">
+              <a:buFont typeface="+mj-lt"/>
+              <a:buAutoNum type="arabicPeriod"/>
+            </a:pPr>
+            <a:r>
+              <a:rPr lang="en-US" dirty="0">
+                <a:solidFill>
+                  <a:schemeClr val="bg1"/>
+                </a:solidFill>
+                <a:effectLst/>
+              </a:rPr>
+              <a:t>Mathai, </a:t>
+            </a:r>
+            <a:r>
+              <a:rPr lang="en-US" dirty="0" err="1">
+                <a:solidFill>
+                  <a:schemeClr val="bg1"/>
+                </a:solidFill>
+                <a:effectLst/>
+              </a:rPr>
+              <a:t>Claireice</a:t>
+            </a:r>
+            <a:r>
+              <a:rPr lang="en-US" dirty="0">
+                <a:solidFill>
+                  <a:schemeClr val="bg1"/>
+                </a:solidFill>
+                <a:effectLst/>
+              </a:rPr>
+              <a:t>. “How to Dual Boot Windows 11 and Linux.” </a:t>
+            </a:r>
+            <a:r>
+              <a:rPr lang="en-US" i="1" dirty="0" err="1">
+                <a:solidFill>
+                  <a:schemeClr val="bg1"/>
+                </a:solidFill>
+                <a:effectLst/>
+              </a:rPr>
+              <a:t>OnLogic</a:t>
+            </a:r>
+            <a:r>
+              <a:rPr lang="en-US" i="1" dirty="0">
+                <a:solidFill>
+                  <a:schemeClr val="bg1"/>
+                </a:solidFill>
+                <a:effectLst/>
+              </a:rPr>
+              <a:t> Blog</a:t>
+            </a:r>
+            <a:r>
+              <a:rPr lang="en-US" dirty="0">
+                <a:solidFill>
+                  <a:schemeClr val="bg1"/>
+                </a:solidFill>
+                <a:effectLst/>
+              </a:rPr>
+              <a:t>, </a:t>
+            </a:r>
+            <a:r>
+              <a:rPr lang="en-US" dirty="0" err="1">
+                <a:solidFill>
+                  <a:schemeClr val="bg1"/>
+                </a:solidFill>
+                <a:effectLst/>
+              </a:rPr>
+              <a:t>OnLogic</a:t>
+            </a:r>
+            <a:r>
+              <a:rPr lang="en-US" dirty="0">
+                <a:solidFill>
+                  <a:schemeClr val="bg1"/>
+                </a:solidFill>
+                <a:effectLst/>
+              </a:rPr>
+              <a:t>, 15 Feb. 2023, https://</a:t>
+            </a:r>
+            <a:r>
+              <a:rPr lang="en-US" dirty="0" err="1">
+                <a:solidFill>
+                  <a:schemeClr val="bg1"/>
+                </a:solidFill>
+                <a:effectLst/>
+              </a:rPr>
+              <a:t>www.onlogic.com</a:t>
+            </a:r>
+            <a:r>
+              <a:rPr lang="en-US" dirty="0">
+                <a:solidFill>
+                  <a:schemeClr val="bg1"/>
+                </a:solidFill>
+                <a:effectLst/>
+              </a:rPr>
+              <a:t>/company/io-hub/how-to-dual-boot-windows-11-and-linux/. </a:t>
+            </a:r>
+          </a:p>
+          <a:p>
+            <a:pPr marL="342900" indent="-342900">
+              <a:buFont typeface="+mj-lt"/>
+              <a:buAutoNum type="arabicPeriod"/>
+            </a:pPr>
+            <a:r>
+              <a:rPr lang="en-US" dirty="0">
+                <a:solidFill>
+                  <a:schemeClr val="bg1"/>
+                </a:solidFill>
+                <a:effectLst/>
+              </a:rPr>
+              <a:t> Dwyer, Susanne. “Are You Still on Target to Meet Your Goal?” </a:t>
+            </a:r>
+            <a:r>
+              <a:rPr lang="en-US" i="1" dirty="0" err="1">
+                <a:solidFill>
+                  <a:schemeClr val="bg1"/>
+                </a:solidFill>
+                <a:effectLst/>
+              </a:rPr>
+              <a:t>RISMedia</a:t>
+            </a:r>
+            <a:r>
+              <a:rPr lang="en-US" dirty="0">
+                <a:solidFill>
+                  <a:schemeClr val="bg1"/>
+                </a:solidFill>
+                <a:effectLst/>
+              </a:rPr>
+              <a:t>, </a:t>
+            </a:r>
+            <a:r>
+              <a:rPr lang="en-US" dirty="0" err="1">
+                <a:solidFill>
+                  <a:schemeClr val="bg1"/>
+                </a:solidFill>
+                <a:effectLst/>
+              </a:rPr>
+              <a:t>RISMedia</a:t>
+            </a:r>
+            <a:r>
+              <a:rPr lang="en-US" dirty="0">
+                <a:solidFill>
+                  <a:schemeClr val="bg1"/>
+                </a:solidFill>
+                <a:effectLst/>
+              </a:rPr>
+              <a:t>, 13 June 2019, https://</a:t>
+            </a:r>
+            <a:r>
+              <a:rPr lang="en-US" dirty="0" err="1">
+                <a:solidFill>
+                  <a:schemeClr val="bg1"/>
+                </a:solidFill>
+                <a:effectLst/>
+              </a:rPr>
+              <a:t>www.rismedia.com</a:t>
+            </a:r>
+            <a:r>
+              <a:rPr lang="en-US" dirty="0">
+                <a:solidFill>
+                  <a:schemeClr val="bg1"/>
+                </a:solidFill>
+                <a:effectLst/>
+              </a:rPr>
+              <a:t>/2019/06/13/target-goal/. </a:t>
+            </a:r>
+          </a:p>
+          <a:p>
+            <a:pPr marL="342900" indent="-342900">
+              <a:buFont typeface="+mj-lt"/>
+              <a:buAutoNum type="arabicPeriod"/>
+            </a:pPr>
+            <a:r>
+              <a:rPr lang="en-US" dirty="0">
+                <a:solidFill>
+                  <a:schemeClr val="bg1"/>
+                </a:solidFill>
+                <a:effectLst/>
+              </a:rPr>
+              <a:t>Lean East. “Setting Objectives: Measure What Matters.” </a:t>
+            </a:r>
+            <a:r>
+              <a:rPr lang="en-US" i="1" dirty="0">
+                <a:solidFill>
+                  <a:schemeClr val="bg1"/>
+                </a:solidFill>
+                <a:effectLst/>
+              </a:rPr>
+              <a:t>Lean East</a:t>
+            </a:r>
+            <a:r>
+              <a:rPr lang="en-US" dirty="0">
+                <a:solidFill>
+                  <a:schemeClr val="bg1"/>
+                </a:solidFill>
+                <a:effectLst/>
+              </a:rPr>
+              <a:t>, Lean East, 25 Mar. 2022, https://</a:t>
+            </a:r>
+            <a:r>
+              <a:rPr lang="en-US" dirty="0" err="1">
+                <a:solidFill>
+                  <a:schemeClr val="bg1"/>
+                </a:solidFill>
+                <a:effectLst/>
+              </a:rPr>
+              <a:t>www.leaneast.com</a:t>
+            </a:r>
+            <a:r>
+              <a:rPr lang="en-US" dirty="0">
+                <a:solidFill>
+                  <a:schemeClr val="bg1"/>
+                </a:solidFill>
+                <a:effectLst/>
+              </a:rPr>
+              <a:t>/setting-objectives. </a:t>
+            </a:r>
+          </a:p>
+          <a:p>
+            <a:pPr marL="342900" indent="-342900">
+              <a:buFont typeface="+mj-lt"/>
+              <a:buAutoNum type="arabicPeriod"/>
+            </a:pPr>
+            <a:r>
+              <a:rPr lang="en-US" dirty="0">
+                <a:solidFill>
+                  <a:schemeClr val="bg1"/>
+                </a:solidFill>
+                <a:effectLst/>
+              </a:rPr>
+              <a:t>Asana, Team. “How to Set &amp; Track Stretch Goals to Inspire Your Team [2023] [2022] • Asana.” </a:t>
+            </a:r>
+            <a:r>
+              <a:rPr lang="en-US" i="1" dirty="0">
+                <a:solidFill>
+                  <a:schemeClr val="bg1"/>
+                </a:solidFill>
+                <a:effectLst/>
+              </a:rPr>
+              <a:t>Asana</a:t>
+            </a:r>
+            <a:r>
+              <a:rPr lang="en-US" dirty="0">
+                <a:solidFill>
+                  <a:schemeClr val="bg1"/>
+                </a:solidFill>
+                <a:effectLst/>
+              </a:rPr>
+              <a:t>, Asana, 19 Nov. 2022, https://</a:t>
+            </a:r>
+            <a:r>
+              <a:rPr lang="en-US" dirty="0" err="1">
+                <a:solidFill>
+                  <a:schemeClr val="bg1"/>
+                </a:solidFill>
+                <a:effectLst/>
+              </a:rPr>
+              <a:t>asana.com</a:t>
+            </a:r>
+            <a:r>
+              <a:rPr lang="en-US" dirty="0">
+                <a:solidFill>
+                  <a:schemeClr val="bg1"/>
+                </a:solidFill>
+                <a:effectLst/>
+              </a:rPr>
+              <a:t>/resources/stretch-goals. </a:t>
+            </a:r>
+          </a:p>
+          <a:p>
+            <a:pPr marL="342900" indent="-342900">
+              <a:buFont typeface="+mj-lt"/>
+              <a:buAutoNum type="arabicPeriod"/>
+            </a:pPr>
+            <a:endParaRPr lang="en-US" dirty="0">
+              <a:effectLst/>
+            </a:endParaRPr>
+          </a:p>
+          <a:p>
+            <a:pPr marL="342900" indent="-342900">
+              <a:buFont typeface="+mj-lt"/>
+              <a:buAutoNum type="arabicPeriod"/>
+            </a:pPr>
+            <a:endParaRPr lang="en-US" dirty="0">
+              <a:effectLst/>
+            </a:endParaRPr>
+          </a:p>
+          <a:p>
+            <a:pPr marL="342900" indent="-342900">
+              <a:buFont typeface="+mj-lt"/>
+              <a:buAutoNum type="arabicPeriod"/>
+            </a:pPr>
+            <a:endParaRPr lang="en-US" dirty="0">
+              <a:solidFill>
+                <a:schemeClr val="bg1"/>
+              </a:solidFill>
+              <a:effectLst/>
+            </a:endParaRPr>
+          </a:p>
+          <a:p>
+            <a:pPr marL="342900" indent="-342900">
+              <a:buFont typeface="+mj-lt"/>
+              <a:buAutoNum type="arabicPeriod"/>
+            </a:pPr>
+            <a:endParaRPr lang="en-US" dirty="0">
+              <a:solidFill>
+                <a:schemeClr val="bg1"/>
+              </a:solidFill>
+              <a:effectLst/>
+            </a:endParaRPr>
+          </a:p>
+          <a:p>
+            <a:pPr marL="342900" indent="-342900">
+              <a:buFont typeface="+mj-lt"/>
+              <a:buAutoNum type="arabicPeriod"/>
+            </a:pPr>
+            <a:endParaRPr lang="en-US" dirty="0"/>
+          </a:p>
+        </p:txBody>
+      </p:sp>
+    </p:spTree>
+    <p:extLst>
+      <p:ext uri="{BB962C8B-B14F-4D97-AF65-F5344CB8AC3E}">
+        <p14:creationId xmlns:p14="http://schemas.microsoft.com/office/powerpoint/2010/main" val="2619542427"/>
       </p:ext>
     </p:extLst>
   </p:cSld>
@@ -8040,8 +13004,8 @@
         </p:nvSpPr>
         <p:spPr>
           <a:xfrm>
-            <a:off x="0" y="1325563"/>
-            <a:ext cx="5737412" cy="5532437"/>
+            <a:off x="0" y="1123407"/>
+            <a:ext cx="5737412" cy="5734594"/>
           </a:xfrm>
         </p:spPr>
         <p:txBody>
@@ -8055,14 +13019,14 @@
             </a:pPr>
             <a:r>
               <a:rPr lang="en-US" dirty="0"/>
-              <a:t>  		Smart Goals</a:t>
+              <a:t>  		SMART Goals</a:t>
             </a:r>
           </a:p>
           <a:p>
             <a:pPr marL="0" indent="0">
               <a:buNone/>
             </a:pPr>
-            <a:endParaRPr lang="en-US" dirty="0"/>
+            <a:endParaRPr lang="en-US" sz="2000" dirty="0"/>
           </a:p>
           <a:p>
             <a:pPr marL="971550" lvl="1" indent="-514350">
@@ -8071,7 +13035,7 @@
             </a:pPr>
             <a:r>
               <a:rPr lang="en-US" sz="2000" dirty="0"/>
-              <a:t>Develop portable units of software to build, run, and interpret results from computationally inexpensive </a:t>
+              <a:t>Develop portable units of software to build and run computationally inexpensive </a:t>
             </a:r>
             <a:r>
               <a:rPr lang="en-US" sz="2000" dirty="0" err="1"/>
@@ -8079,7 +13043,15 @@
             </a:r>
             <a:r>
               <a:rPr lang="en-US" sz="2000" dirty="0"/>
-              <a:t> problems </a:t>
+              <a:t> model problems without </a:t>
+            </a:r>
+            <a:r>
+              <a:rPr lang="en-US" sz="2000" dirty="0" err="1"/>
+              <a:t>mpi</a:t>
+            </a:r>
+            <a:r>
+              <a:rPr lang="en-US" sz="2000" dirty="0"/>
+              <a:t> libraries</a:t>
             </a:r>
           </a:p>
           <a:p>
@@ -8094,15 +13066,14 @@
             </a:pPr>
             <a:r>
               <a:rPr lang="en-US" sz="2000" dirty="0"/>
-              <a:t>Add support for these products on the most frequently used host machines  according to </a:t>
-            </a:r>
-            <a:r>
-              <a:rPr lang="en-US" sz="2000" dirty="0" err="1"/>
-              <a:t>MITgcm</a:t>
-            </a:r>
-            <a:r>
+              <a:t>Add support for these units of software on </a:t>
+            </a:r>
+            <a:br>
               <a:rPr lang="en-US" sz="2000" dirty="0"/>
-              <a:t> and ECCO end users</a:t>
+            </a:br>
+            <a:r>
+              <a:rPr lang="en-US" sz="2000" dirty="0"/>
+              <a:t>common platforms, architectures, and OS according to CRIOS group users</a:t>
             </a:r>
           </a:p>
           <a:p>
@@ -8112,12 +13083,28 @@
             <a:endParaRPr lang="en-US" sz="2000" dirty="0"/>
           </a:p>
           <a:p>
-            <a:pPr marL="457200" lvl="1" indent="0">
-              <a:buNone/>
+            <a:pPr marL="914400" lvl="1" indent="-457200">
+              <a:buAutoNum type="arabicPeriod" startAt="3"/>
             </a:pPr>
             <a:r>
               <a:rPr lang="en-US" sz="2000" dirty="0"/>
-              <a:t>3.    Document detailed working software 	product designs in code repository and 	present results to </a:t>
+              <a:t>Document detailed working software product designs in code repository and image registry</a:t>
+            </a:r>
+          </a:p>
+          <a:p>
+            <a:pPr marL="914400" lvl="1" indent="-457200">
+              <a:buAutoNum type="arabicPeriod" startAt="3"/>
+            </a:pPr>
+            <a:endParaRPr lang="en-US" sz="2000" dirty="0"/>
+          </a:p>
+          <a:p>
+            <a:pPr marL="914400" lvl="1" indent="-457200">
+              <a:buFont typeface="Arial" panose="020B0604020202020204" pitchFamily="34" charset="0"/>
+              <a:buAutoNum type="arabicPeriod" startAt="3"/>
+            </a:pPr>
+            <a:r>
+              <a:rPr lang="en-US" sz="2000" dirty="0"/>
+              <a:t>Present results to </a:t>
             </a:r>
             <a:r>
               <a:rPr lang="en-US" sz="2000" dirty="0" err="1"/>
@@ -8125,14 +13112,22 @@
             </a:r>
             <a:r>
               <a:rPr lang="en-US" sz="2000" dirty="0"/>
-              <a:t> and ECCO senior 	researchers</a:t>
+              <a:t> and ECCO senior scientists for stable release in </a:t>
+            </a:r>
+            <a:r>
+              <a:rPr lang="en-US" sz="2000" dirty="0" err="1"/>
+              <a:t>MITgcm</a:t>
+            </a:r>
+            <a:r>
+              <a:rPr lang="en-US" sz="2000" dirty="0"/>
+              <a:t>-ECCO ecosystems</a:t>
             </a:r>
           </a:p>
           <a:p>
             <a:pPr marL="914400" lvl="1" indent="-457200">
-              <a:buAutoNum type="arabicPeriod" startAt="2"/>
+              <a:buAutoNum type="arabicPeriod" startAt="3"/>
             </a:pPr>
-            <a:endParaRPr lang="en-US" dirty="0"/>
+            <a:endParaRPr lang="en-US" sz="2000" dirty="0"/>
           </a:p>
         </p:txBody>
       </p:sp>
@@ -8190,8 +13185,8 @@
         </p:blipFill>
         <p:spPr>
           <a:xfrm>
-            <a:off x="-1" y="0"/>
-            <a:ext cx="12144365" cy="6859597"/>
+            <a:off x="-95272" y="0"/>
+            <a:ext cx="12287272" cy="6858000"/>
           </a:xfrm>
           <a:prstGeom prst="rect">
             <a:avLst/>
@@ -9017,7 +14012,7 @@
         </p:spPr>
         <p:txBody>
           <a:bodyPr anchor="t">
-            <a:normAutofit/>
+            <a:normAutofit lnSpcReduction="10000"/>
           </a:bodyPr>
           <a:lstStyle/>
           <a:p>
@@ -9053,7 +14048,7 @@
             </a:r>
             <a:r>
               <a:rPr lang="en-US" sz="2000" dirty="0"/>
-              <a:t>   model problem specifications in addition to desired ECCO data visualization tasks</a:t>
+              <a:t> model problem specifications in addition to desired post- processing/data analysis tasks</a:t>
             </a:r>
           </a:p>
           <a:p>
@@ -9068,7 +14063,7 @@
             </a:pPr>
             <a:r>
               <a:rPr lang="en-US" sz="2000" dirty="0"/>
-              <a:t>Scale up support for </a:t>
+              <a:t>Introduce support for more computationally expensive jobs to enable execution of more robust </a:t>
             </a:r>
             <a:r>
               <a:rPr lang="en-US" sz="2000" dirty="0" err="1"/>
@@ -9076,7 +14071,7 @@
             </a:r>
             <a:r>
               <a:rPr lang="en-US" sz="2000" dirty="0"/>
-              <a:t> model problems to facilitate more computationally expensive configurations</a:t>
+              <a:t> model problems</a:t>
             </a:r>
           </a:p>
           <a:p>
@@ -9091,22 +14086,30 @@
             </a:pPr>
             <a:r>
               <a:rPr lang="en-US" sz="2000" dirty="0"/>
-              <a:t>Introduce features for ASTE regional domain model problem analysis</a:t>
-            </a:r>
+              <a:t>Implement features for ASTE regional domain model problems</a:t>
+            </a:r>
+          </a:p>
+          <a:p>
+            <a:pPr marL="914400" lvl="1" indent="-457200">
+              <a:buAutoNum type="arabicPeriod" startAt="3"/>
+            </a:pPr>
+            <a:endParaRPr lang="en-US" sz="2000" dirty="0"/>
           </a:p>
           <a:p>
             <a:pPr marL="457200" lvl="1" indent="0">
               <a:buNone/>
             </a:pPr>
-            <a:endParaRPr lang="en-US" sz="2000" dirty="0"/>
-          </a:p>
-          <a:p>
-            <a:pPr marL="457200" lvl="1" indent="0">
-              <a:buNone/>
-            </a:pPr>
             <a:r>
               <a:rPr lang="en-US" sz="2000" dirty="0"/>
-              <a:t>4.  	Configure support for products on multiple Linux 	distributions </a:t>
+              <a:t>4.  	Configure support for product on multiple computing  	platforms for general </a:t>
+            </a:r>
+            <a:r>
+              <a:rPr lang="en-US" sz="2000" dirty="0" err="1"/>
+              <a:t>MITgcm</a:t>
+            </a:r>
+            <a:r>
+              <a:rPr lang="en-US" sz="2000" dirty="0"/>
+              <a:t>-community use</a:t>
             </a:r>
           </a:p>
         </p:txBody>
@@ -9135,7 +14138,7 @@
         </p:blipFill>
         <p:spPr>
           <a:xfrm>
-            <a:off x="-1" y="0"/>
+            <a:off x="-528981" y="7275257"/>
             <a:ext cx="12192001" cy="6886503"/>
           </a:xfrm>
           <a:prstGeom prst="rect">
@@ -9245,10 +14248,10 @@
       </p:pic>
       <p:pic>
         <p:nvPicPr>
-          <p:cNvPr id="4" name="Content Placeholder 4" descr="Diagram&#10;&#10;Description automatically generated">
+          <p:cNvPr id="7" name="Content Placeholder 6" descr="Diagram&#10;&#10;Description automatically generated">
             <a:extLst>
               <a:ext uri="{FF2B5EF4-FFF2-40B4-BE49-F238E27FC236}">
-                <a16:creationId xmlns:a16="http://schemas.microsoft.com/office/drawing/2014/main" id="{3188BFB0-76A7-9532-9B6E-3445CD0505AA}"/>
+                <a16:creationId xmlns:a16="http://schemas.microsoft.com/office/drawing/2014/main" id="{63C81BCF-04DC-B798-CE15-D79B24FA5DC7}"/>
               </a:ext>
             </a:extLst>
           </p:cNvPr>
@@ -9260,30 +14263,190 @@
           </p:nvPr>
         </p:nvPicPr>
         <p:blipFill>
-          <a:blip r:embed="rId4">
-            <a:alphaModFix/>
-          </a:blip>
+          <a:blip r:embed="rId4"/>
           <a:stretch>
             <a:fillRect/>
           </a:stretch>
         </p:blipFill>
         <p:spPr>
           <a:xfrm>
-            <a:off x="1524000" y="0"/>
-            <a:ext cx="9143999" cy="6858000"/>
+            <a:off x="4151873" y="-23888"/>
+            <a:ext cx="4685829" cy="6897406"/>
           </a:xfrm>
-          <a:prstGeom prst="rect">
+        </p:spPr>
+      </p:pic>
+      <p:cxnSp>
+        <p:nvCxnSpPr>
+          <p:cNvPr id="9" name="Straight Connector 8">
+            <a:extLst>
+              <a:ext uri="{FF2B5EF4-FFF2-40B4-BE49-F238E27FC236}">
+                <a16:creationId xmlns:a16="http://schemas.microsoft.com/office/drawing/2014/main" id="{0B8DF204-763D-0E25-1EF7-87FCC5D981DA}"/>
+              </a:ext>
+            </a:extLst>
+          </p:cNvPr>
+          <p:cNvCxnSpPr/>
+          <p:nvPr/>
+        </p:nvCxnSpPr>
+        <p:spPr>
+          <a:xfrm>
+            <a:off x="4524525" y="-264242"/>
+            <a:ext cx="0" cy="2560320"/>
+          </a:xfrm>
+          <a:prstGeom prst="line">
             <a:avLst/>
           </a:prstGeom>
-          <a:effectLst>
-            <a:outerShdw dist="50800" dir="5400000" algn="ctr" rotWithShape="0">
-              <a:srgbClr val="000000">
-                <a:alpha val="43137"/>
-              </a:srgbClr>
-            </a:outerShdw>
-          </a:effectLst>
+          <a:ln w="38100">
+            <a:solidFill>
+              <a:srgbClr val="FF0000"/>
+            </a:solidFill>
+            <a:prstDash val="sysDot"/>
+          </a:ln>
         </p:spPr>
-      </p:pic>
+        <p:style>
+          <a:lnRef idx="1">
+            <a:schemeClr val="accent1"/>
+          </a:lnRef>
+          <a:fillRef idx="0">
+            <a:schemeClr val="accent1"/>
+          </a:fillRef>
+          <a:effectRef idx="0">
+            <a:schemeClr val="accent1"/>
+          </a:effectRef>
+          <a:fontRef idx="minor">
+            <a:schemeClr val="tx1"/>
+          </a:fontRef>
+        </p:style>
+      </p:cxnSp>
+      <p:cxnSp>
+        <p:nvCxnSpPr>
+          <p:cNvPr id="10" name="Straight Connector 9">
+            <a:extLst>
+              <a:ext uri="{FF2B5EF4-FFF2-40B4-BE49-F238E27FC236}">
+                <a16:creationId xmlns:a16="http://schemas.microsoft.com/office/drawing/2014/main" id="{A7E7EB90-C05F-A2EE-4A57-9632CD8B5C82}"/>
+              </a:ext>
+            </a:extLst>
+          </p:cNvPr>
+          <p:cNvCxnSpPr/>
+          <p:nvPr/>
+        </p:nvCxnSpPr>
+        <p:spPr>
+          <a:xfrm>
+            <a:off x="8594016" y="-264242"/>
+            <a:ext cx="0" cy="2560320"/>
+          </a:xfrm>
+          <a:prstGeom prst="line">
+            <a:avLst/>
+          </a:prstGeom>
+          <a:ln w="38100">
+            <a:solidFill>
+              <a:srgbClr val="FF0000"/>
+            </a:solidFill>
+            <a:prstDash val="sysDot"/>
+          </a:ln>
+        </p:spPr>
+        <p:style>
+          <a:lnRef idx="1">
+            <a:schemeClr val="accent1"/>
+          </a:lnRef>
+          <a:fillRef idx="0">
+            <a:schemeClr val="accent1"/>
+          </a:fillRef>
+          <a:effectRef idx="0">
+            <a:schemeClr val="accent1"/>
+          </a:effectRef>
+          <a:fontRef idx="minor">
+            <a:schemeClr val="tx1"/>
+          </a:fontRef>
+        </p:style>
+      </p:cxnSp>
+      <p:cxnSp>
+        <p:nvCxnSpPr>
+          <p:cNvPr id="11" name="Straight Connector 10">
+            <a:extLst>
+              <a:ext uri="{FF2B5EF4-FFF2-40B4-BE49-F238E27FC236}">
+                <a16:creationId xmlns:a16="http://schemas.microsoft.com/office/drawing/2014/main" id="{2B9E8210-14FC-F477-5392-3440BD725802}"/>
+              </a:ext>
+            </a:extLst>
+          </p:cNvPr>
+          <p:cNvCxnSpPr>
+            <a:cxnSpLocks/>
+          </p:cNvCxnSpPr>
+          <p:nvPr/>
+        </p:nvCxnSpPr>
+        <p:spPr>
+          <a:xfrm flipH="1">
+            <a:off x="4524525" y="2256729"/>
+            <a:ext cx="4069491" cy="0"/>
+          </a:xfrm>
+          <a:prstGeom prst="line">
+            <a:avLst/>
+          </a:prstGeom>
+          <a:ln w="38100">
+            <a:solidFill>
+              <a:srgbClr val="FF0000"/>
+            </a:solidFill>
+            <a:prstDash val="sysDot"/>
+          </a:ln>
+        </p:spPr>
+        <p:style>
+          <a:lnRef idx="1">
+            <a:schemeClr val="accent1"/>
+          </a:lnRef>
+          <a:fillRef idx="0">
+            <a:schemeClr val="accent1"/>
+          </a:fillRef>
+          <a:effectRef idx="0">
+            <a:schemeClr val="accent1"/>
+          </a:effectRef>
+          <a:fontRef idx="minor">
+            <a:schemeClr val="tx1"/>
+          </a:fontRef>
+        </p:style>
+      </p:cxnSp>
+      <p:cxnSp>
+        <p:nvCxnSpPr>
+          <p:cNvPr id="14" name="Straight Connector 13">
+            <a:extLst>
+              <a:ext uri="{FF2B5EF4-FFF2-40B4-BE49-F238E27FC236}">
+                <a16:creationId xmlns:a16="http://schemas.microsoft.com/office/drawing/2014/main" id="{A749AF21-1FC3-91B4-BD58-B08A41CA984B}"/>
+              </a:ext>
+            </a:extLst>
+          </p:cNvPr>
+          <p:cNvCxnSpPr>
+            <a:cxnSpLocks/>
+          </p:cNvCxnSpPr>
+          <p:nvPr/>
+        </p:nvCxnSpPr>
+        <p:spPr>
+          <a:xfrm>
+            <a:off x="4524526" y="32320"/>
+            <a:ext cx="4069490" cy="0"/>
+          </a:xfrm>
+          <a:prstGeom prst="line">
+            <a:avLst/>
+          </a:prstGeom>
+          <a:ln w="38100">
+            <a:solidFill>
+              <a:srgbClr val="FF0000"/>
+            </a:solidFill>
+            <a:prstDash val="sysDot"/>
+          </a:ln>
+        </p:spPr>
+        <p:style>
+          <a:lnRef idx="1">
+            <a:schemeClr val="accent1"/>
+          </a:lnRef>
+          <a:fillRef idx="0">
+            <a:schemeClr val="accent1"/>
+          </a:fillRef>
+          <a:effectRef idx="0">
+            <a:schemeClr val="accent1"/>
+          </a:effectRef>
+          <a:fontRef idx="minor">
+            <a:schemeClr val="tx1"/>
+          </a:fontRef>
+        </p:style>
+      </p:cxnSp>
     </p:spTree>
     <p:extLst>
       <p:ext uri="{BB962C8B-B14F-4D97-AF65-F5344CB8AC3E}">
@@ -9597,10 +14760,10 @@
       </p:grpSpPr>
       <p:sp>
         <p:nvSpPr>
-          <p:cNvPr id="11" name="Title 10">
+          <p:cNvPr id="2" name="Title 1">
             <a:extLst>
               <a:ext uri="{FF2B5EF4-FFF2-40B4-BE49-F238E27FC236}">
-                <a16:creationId xmlns:a16="http://schemas.microsoft.com/office/drawing/2014/main" id="{B1748D03-7FB0-516E-DCC3-DBFD7C2DF205}"/>
+                <a16:creationId xmlns:a16="http://schemas.microsoft.com/office/drawing/2014/main" id="{94CAF31B-8EA0-2C65-173C-3479DAF07044}"/>
               </a:ext>
             </a:extLst>
           </p:cNvPr>
@@ -9613,57 +14776,153 @@
         </p:nvSpPr>
         <p:spPr>
           <a:xfrm>
-            <a:off x="838198" y="1"/>
-            <a:ext cx="10515600" cy="733246"/>
+            <a:off x="947351" y="0"/>
+            <a:ext cx="10515600" cy="706930"/>
           </a:xfrm>
         </p:spPr>
         <p:txBody>
           <a:bodyPr/>
           <a:lstStyle/>
           <a:p>
-            <a:pPr algn="ctr"/>
             <a:r>
               <a:rPr lang="en-US" dirty="0"/>
-              <a:t>Next Steps</a:t>
+              <a:t>Project Workflow</a:t>
             </a:r>
           </a:p>
         </p:txBody>
       </p:sp>
-      <p:pic>
-        <p:nvPicPr>
-          <p:cNvPr id="20" name="Content Placeholder 4" descr="A body of water with blue sky and clouds&#10;&#10;Description automatically generated with low confidence">
+      <p:graphicFrame>
+        <p:nvGraphicFramePr>
+          <p:cNvPr id="4" name="Content Placeholder 3">
             <a:extLst>
               <a:ext uri="{FF2B5EF4-FFF2-40B4-BE49-F238E27FC236}">
-                <a16:creationId xmlns:a16="http://schemas.microsoft.com/office/drawing/2014/main" id="{1758AB50-27A2-F679-EA0A-9A6B42A7786A}"/>
+                <a16:creationId xmlns:a16="http://schemas.microsoft.com/office/drawing/2014/main" id="{D99827A5-1DC3-071B-A0FA-57C72C3B5D3E}"/>
               </a:ext>
             </a:extLst>
           </p:cNvPr>
-          <p:cNvPicPr>
-            <a:picLocks noChangeAspect="1"/>
-          </p:cNvPicPr>
+          <p:cNvGraphicFramePr>
+            <a:graphicFrameLocks noGrp="1"/>
+          </p:cNvGraphicFramePr>
+          <p:nvPr>
+            <p:ph idx="1"/>
+          </p:nvPr>
+        </p:nvGraphicFramePr>
+        <p:xfrm>
+          <a:off x="895722" y="1182594"/>
+          <a:ext cx="10400555" cy="5428271"/>
+        </p:xfrm>
+        <a:graphic>
+          <a:graphicData uri="http://schemas.openxmlformats.org/drawingml/2006/diagram">
+            <dgm:relIds xmlns:dgm="http://schemas.openxmlformats.org/drawingml/2006/diagram" xmlns:r="http://schemas.openxmlformats.org/officeDocument/2006/relationships" r:dm="rId3" r:lo="rId4" r:qs="rId5" r:cs="rId6"/>
+          </a:graphicData>
+        </a:graphic>
+      </p:graphicFrame>
+      <p:sp>
+        <p:nvSpPr>
+          <p:cNvPr id="5" name="U-Turn Arrow 4">
+            <a:extLst>
+              <a:ext uri="{FF2B5EF4-FFF2-40B4-BE49-F238E27FC236}">
+                <a16:creationId xmlns:a16="http://schemas.microsoft.com/office/drawing/2014/main" id="{CC8D7F76-DE80-DFDA-E35E-803147C6D351}"/>
+              </a:ext>
+            </a:extLst>
+          </p:cNvPr>
+          <p:cNvSpPr/>
           <p:nvPr/>
-        </p:nvPicPr>
-        <p:blipFill rotWithShape="1">
-          <a:blip r:embed="rId3"/>
-          <a:srcRect l="55000" t="55539"/>
-          <a:stretch/>
-        </p:blipFill>
+        </p:nvSpPr>
         <p:spPr>
           <a:xfrm>
-            <a:off x="0" y="0"/>
-            <a:ext cx="12365152" cy="6858000"/>
+            <a:off x="5379307" y="2570206"/>
+            <a:ext cx="1107989" cy="506627"/>
           </a:xfrm>
-          <a:prstGeom prst="rect">
+          <a:prstGeom prst="uturnArrow">
             <a:avLst/>
           </a:prstGeom>
         </p:spPr>
-      </p:pic>
+        <p:style>
+          <a:lnRef idx="2">
+            <a:schemeClr val="accent1">
+              <a:shade val="50000"/>
+            </a:schemeClr>
+          </a:lnRef>
+          <a:fillRef idx="1">
+            <a:schemeClr val="accent1"/>
+          </a:fillRef>
+          <a:effectRef idx="0">
+            <a:schemeClr val="accent1"/>
+          </a:effectRef>
+          <a:fontRef idx="minor">
+            <a:schemeClr val="lt1"/>
+          </a:fontRef>
+        </p:style>
+        <p:txBody>
+          <a:bodyPr rtlCol="0" anchor="ctr"/>
+          <a:lstStyle/>
+          <a:p>
+            <a:pPr algn="ctr"/>
+            <a:endParaRPr lang="en-US">
+              <a:solidFill>
+                <a:schemeClr val="tx1"/>
+              </a:solidFill>
+            </a:endParaRPr>
+          </a:p>
+        </p:txBody>
+      </p:sp>
       <p:sp>
         <p:nvSpPr>
-          <p:cNvPr id="21" name="TextBox 20">
+          <p:cNvPr id="6" name="U-Turn Arrow 5">
             <a:extLst>
               <a:ext uri="{FF2B5EF4-FFF2-40B4-BE49-F238E27FC236}">
-                <a16:creationId xmlns:a16="http://schemas.microsoft.com/office/drawing/2014/main" id="{97194565-9712-60A5-602B-34E3E5171064}"/>
+                <a16:creationId xmlns:a16="http://schemas.microsoft.com/office/drawing/2014/main" id="{444D5C50-35EA-571C-E8D7-4A29F6508305}"/>
+              </a:ext>
+            </a:extLst>
+          </p:cNvPr>
+          <p:cNvSpPr/>
+          <p:nvPr/>
+        </p:nvSpPr>
+        <p:spPr>
+          <a:xfrm rot="10800000">
+            <a:off x="5321642" y="3975124"/>
+            <a:ext cx="1165654" cy="506627"/>
+          </a:xfrm>
+          <a:prstGeom prst="uturnArrow">
+            <a:avLst/>
+          </a:prstGeom>
+        </p:spPr>
+        <p:style>
+          <a:lnRef idx="2">
+            <a:schemeClr val="accent1">
+              <a:shade val="50000"/>
+            </a:schemeClr>
+          </a:lnRef>
+          <a:fillRef idx="1">
+            <a:schemeClr val="accent1"/>
+          </a:fillRef>
+          <a:effectRef idx="0">
+            <a:schemeClr val="accent1"/>
+          </a:effectRef>
+          <a:fontRef idx="minor">
+            <a:schemeClr val="lt1"/>
+          </a:fontRef>
+        </p:style>
+        <p:txBody>
+          <a:bodyPr rtlCol="0" anchor="ctr"/>
+          <a:lstStyle/>
+          <a:p>
+            <a:pPr algn="ctr"/>
+            <a:endParaRPr lang="en-US">
+              <a:solidFill>
+                <a:schemeClr val="tx1"/>
+              </a:solidFill>
+            </a:endParaRPr>
+          </a:p>
+        </p:txBody>
+      </p:sp>
+      <p:sp>
+        <p:nvSpPr>
+          <p:cNvPr id="7" name="TextBox 6">
+            <a:extLst>
+              <a:ext uri="{FF2B5EF4-FFF2-40B4-BE49-F238E27FC236}">
+                <a16:creationId xmlns:a16="http://schemas.microsoft.com/office/drawing/2014/main" id="{58632A65-164C-5D71-0ACC-B9D33BDE649C}"/>
               </a:ext>
             </a:extLst>
           </p:cNvPr>
@@ -9672,123 +14931,8 @@
         </p:nvSpPr>
         <p:spPr>
           <a:xfrm>
-            <a:off x="1" y="1353902"/>
-            <a:ext cx="12191999" cy="5262979"/>
-          </a:xfrm>
-          <a:prstGeom prst="rect">
-            <a:avLst/>
-          </a:prstGeom>
-          <a:noFill/>
-        </p:spPr>
-        <p:txBody>
-          <a:bodyPr wrap="square">
-            <a:spAutoFit/>
-          </a:bodyPr>
-          <a:lstStyle/>
-          <a:p>
-            <a:pPr marL="457200" indent="-457200">
-              <a:buFont typeface="Arial" panose="020B0604020202020204" pitchFamily="34" charset="0"/>
-              <a:buChar char="•"/>
-            </a:pPr>
-            <a:r>
-              <a:rPr lang="en-US" sz="2800" dirty="0">
-                <a:solidFill>
-                  <a:schemeClr val="bg1"/>
-                </a:solidFill>
-              </a:rPr>
-              <a:t>Annotate and document user guides for setting up and using software tools applicable to project scope</a:t>
-            </a:r>
-          </a:p>
-          <a:p>
-            <a:endParaRPr lang="en-US" sz="2800" dirty="0">
-              <a:solidFill>
-                <a:schemeClr val="bg1"/>
-              </a:solidFill>
-            </a:endParaRPr>
-          </a:p>
-          <a:p>
-            <a:endParaRPr lang="en-US" sz="2800" dirty="0">
-              <a:solidFill>
-                <a:schemeClr val="bg1"/>
-              </a:solidFill>
-            </a:endParaRPr>
-          </a:p>
-          <a:p>
-            <a:pPr marL="457200" indent="-457200">
-              <a:buFont typeface="Arial" panose="020B0604020202020204" pitchFamily="34" charset="0"/>
-              <a:buChar char="•"/>
-            </a:pPr>
-            <a:r>
-              <a:rPr lang="en-US" sz="2800" dirty="0">
-                <a:solidFill>
-                  <a:schemeClr val="bg1"/>
-                </a:solidFill>
-              </a:rPr>
-              <a:t>Perform a literature review on the project’s subject area with a focus of identifying solutions using portable units of software to run climate models in a computing-architecture-independent fashion </a:t>
-            </a:r>
-          </a:p>
-          <a:p>
-            <a:endParaRPr lang="en-US" sz="2800" dirty="0">
-              <a:solidFill>
-                <a:schemeClr val="bg1"/>
-              </a:solidFill>
-            </a:endParaRPr>
-          </a:p>
-          <a:p>
-            <a:endParaRPr lang="en-US" sz="2800" dirty="0">
-              <a:solidFill>
-                <a:schemeClr val="bg1"/>
-              </a:solidFill>
-            </a:endParaRPr>
-          </a:p>
-          <a:p>
-            <a:pPr marL="457200" indent="-457200">
-              <a:buFont typeface="Arial" panose="020B0604020202020204" pitchFamily="34" charset="0"/>
-              <a:buChar char="•"/>
-            </a:pPr>
-            <a:r>
-              <a:rPr lang="en-US" sz="2800" dirty="0">
-                <a:solidFill>
-                  <a:schemeClr val="bg1"/>
-                </a:solidFill>
-              </a:rPr>
-              <a:t>Incorporate feedback from researchers, graduate students, and IT administrators within the </a:t>
-            </a:r>
-            <a:r>
-              <a:rPr lang="en-US" sz="2800" dirty="0" err="1">
-                <a:solidFill>
-                  <a:schemeClr val="bg1"/>
-                </a:solidFill>
-              </a:rPr>
-              <a:t>MITgcm</a:t>
-            </a:r>
-            <a:r>
-              <a:rPr lang="en-US" sz="2800" dirty="0">
-                <a:solidFill>
-                  <a:schemeClr val="bg1"/>
-                </a:solidFill>
-              </a:rPr>
-              <a:t>-ECCO community to document design requirements</a:t>
-            </a:r>
-          </a:p>
-        </p:txBody>
-      </p:sp>
-      <p:sp>
-        <p:nvSpPr>
-          <p:cNvPr id="22" name="TextBox 21">
-            <a:extLst>
-              <a:ext uri="{FF2B5EF4-FFF2-40B4-BE49-F238E27FC236}">
-                <a16:creationId xmlns:a16="http://schemas.microsoft.com/office/drawing/2014/main" id="{D393A796-A6DC-7BA0-42EB-E38FAD3D81B0}"/>
-              </a:ext>
-            </a:extLst>
-          </p:cNvPr>
-          <p:cNvSpPr txBox="1"/>
-          <p:nvPr/>
-        </p:nvSpPr>
-        <p:spPr>
-          <a:xfrm>
-            <a:off x="4536138" y="57509"/>
-            <a:ext cx="3119717" cy="769441"/>
+            <a:off x="5095102" y="3208810"/>
+            <a:ext cx="2220098" cy="646331"/>
           </a:xfrm>
           <a:prstGeom prst="rect">
             <a:avLst/>
@@ -9801,28 +14945,347 @@
           </a:bodyPr>
           <a:lstStyle/>
           <a:p>
-            <a:pPr algn="ctr"/>
-            <a:r>
-              <a:rPr lang="en-US" sz="4400" dirty="0">
-                <a:solidFill>
-                  <a:schemeClr val="bg1"/>
-                </a:solidFill>
-              </a:rPr>
-              <a:t>Next Steps</a:t>
+            <a:r>
+              <a:rPr lang="en-US" sz="1200" dirty="0"/>
+              <a:t>- Requirements gathering,        verification</a:t>
+            </a:r>
+          </a:p>
+          <a:p>
+            <a:r>
+              <a:rPr lang="en-US" sz="1200" dirty="0"/>
+              <a:t>- Communication with end-users</a:t>
             </a:r>
           </a:p>
         </p:txBody>
       </p:sp>
+      <p:pic>
+        <p:nvPicPr>
+          <p:cNvPr id="3" name="Picture 2" descr="A body of water with blue sky and clouds&#10;&#10;Description automatically generated with low confidence">
+            <a:extLst>
+              <a:ext uri="{FF2B5EF4-FFF2-40B4-BE49-F238E27FC236}">
+                <a16:creationId xmlns:a16="http://schemas.microsoft.com/office/drawing/2014/main" id="{9D6BFFEB-E167-3E64-E2D5-EC34B599B7B7}"/>
+              </a:ext>
+            </a:extLst>
+          </p:cNvPr>
+          <p:cNvPicPr>
+            <a:picLocks noChangeAspect="1"/>
+          </p:cNvPicPr>
+          <p:nvPr/>
+        </p:nvPicPr>
+        <p:blipFill>
+          <a:blip r:embed="rId8">
+            <a:alphaModFix amt="23000"/>
+          </a:blip>
+          <a:stretch>
+            <a:fillRect/>
+          </a:stretch>
+        </p:blipFill>
+        <p:spPr>
+          <a:xfrm>
+            <a:off x="0" y="0"/>
+            <a:ext cx="12192000" cy="6858000"/>
+          </a:xfrm>
+          <a:prstGeom prst="rect">
+            <a:avLst/>
+          </a:prstGeom>
+        </p:spPr>
+      </p:pic>
     </p:spTree>
     <p:extLst>
       <p:ext uri="{BB962C8B-B14F-4D97-AF65-F5344CB8AC3E}">
-        <p14:creationId xmlns:p14="http://schemas.microsoft.com/office/powerpoint/2010/main" val="988854764"/>
+        <p14:creationId xmlns:p14="http://schemas.microsoft.com/office/powerpoint/2010/main" val="4026283040"/>
       </p:ext>
     </p:extLst>
   </p:cSld>
   <p:clrMapOvr>
     <a:masterClrMapping/>
   </p:clrMapOvr>
+  <p:timing>
+    <p:tnLst>
+      <p:par>
+        <p:cTn id="1" dur="indefinite" restart="never" nodeType="tmRoot">
+          <p:childTnLst>
+            <p:seq concurrent="1" nextAc="seek">
+              <p:cTn id="2" dur="indefinite" nodeType="mainSeq">
+                <p:childTnLst>
+                  <p:par>
+                    <p:cTn id="3" fill="hold">
+                      <p:stCondLst>
+                        <p:cond delay="indefinite"/>
+                      </p:stCondLst>
+                      <p:childTnLst>
+                        <p:par>
+                          <p:cTn id="4" fill="hold">
+                            <p:stCondLst>
+                              <p:cond delay="0"/>
+                            </p:stCondLst>
+                            <p:childTnLst>
+                              <p:par>
+                                <p:cTn id="5" presetID="0" presetClass="path" presetSubtype="0" accel="50000" decel="50000" fill="hold" nodeType="clickEffect">
+                                  <p:stCondLst>
+                                    <p:cond delay="0"/>
+                                  </p:stCondLst>
+                                  <p:childTnLst>
+                                    <p:animMotion origin="layout" path="M 0 0 L -0.24922 -0.33656" pathEditMode="relative" ptsTypes="AA">
+                                      <p:cBhvr>
+                                        <p:cTn id="6" dur="30000" fill="hold"/>
+                                        <p:tgtEl>
+                                          <p:spTgt spid="3"/>
+                                        </p:tgtEl>
+                                        <p:attrNameLst>
+                                          <p:attrName>ppt_x</p:attrName>
+                                          <p:attrName>ppt_y</p:attrName>
+                                        </p:attrNameLst>
+                                      </p:cBhvr>
+                                    </p:animMotion>
+                                  </p:childTnLst>
+                                </p:cTn>
+                              </p:par>
+                              <p:par>
+                                <p:cTn id="7" presetID="6" presetClass="emph" presetSubtype="0" accel="50000" decel="50000" fill="hold" nodeType="withEffect">
+                                  <p:stCondLst>
+                                    <p:cond delay="0"/>
+                                  </p:stCondLst>
+                                  <p:childTnLst>
+                                    <p:animScale>
+                                      <p:cBhvr>
+                                        <p:cTn id="8" dur="30000" fill="hold"/>
+                                        <p:tgtEl>
+                                          <p:spTgt spid="3"/>
+                                        </p:tgtEl>
+                                      </p:cBhvr>
+                                      <p:by x="150000" y="150000"/>
+                                    </p:animScale>
+                                  </p:childTnLst>
+                                </p:cTn>
+                              </p:par>
+                            </p:childTnLst>
+                          </p:cTn>
+                        </p:par>
+                        <p:par>
+                          <p:cTn id="9" fill="hold">
+                            <p:stCondLst>
+                              <p:cond delay="30000"/>
+                            </p:stCondLst>
+                            <p:childTnLst>
+                              <p:par>
+                                <p:cTn id="10" presetID="0" presetClass="path" presetSubtype="0" accel="50000" decel="50000" fill="hold" nodeType="afterEffect">
+                                  <p:stCondLst>
+                                    <p:cond delay="5000"/>
+                                  </p:stCondLst>
+                                  <p:childTnLst>
+                                    <p:animMotion origin="layout" path="M -0.24922 -0.33656 L 0.24922 0.38839" pathEditMode="relative" ptsTypes="AA">
+                                      <p:cBhvr>
+                                        <p:cTn id="11" dur="30000" fill="hold"/>
+                                        <p:tgtEl>
+                                          <p:spTgt spid="3"/>
+                                        </p:tgtEl>
+                                        <p:attrNameLst>
+                                          <p:attrName>ppt_x</p:attrName>
+                                          <p:attrName>ppt_y</p:attrName>
+                                        </p:attrNameLst>
+                                      </p:cBhvr>
+                                    </p:animMotion>
+                                  </p:childTnLst>
+                                </p:cTn>
+                              </p:par>
+                            </p:childTnLst>
+                          </p:cTn>
+                        </p:par>
+                        <p:par>
+                          <p:cTn id="12" fill="hold">
+                            <p:stCondLst>
+                              <p:cond delay="65000"/>
+                            </p:stCondLst>
+                            <p:childTnLst>
+                              <p:par>
+                                <p:cTn id="13" presetID="0" presetClass="path" presetSubtype="0" accel="50000" decel="50000" fill="hold" nodeType="afterEffect">
+                                  <p:stCondLst>
+                                    <p:cond delay="5000"/>
+                                  </p:stCondLst>
+                                  <p:childTnLst>
+                                    <p:animMotion origin="layout" path="M 0.24922 0.38839 L -0.23513 0.38839" pathEditMode="relative" ptsTypes="AA">
+                                      <p:cBhvr>
+                                        <p:cTn id="14" dur="30000" fill="hold"/>
+                                        <p:tgtEl>
+                                          <p:spTgt spid="3"/>
+                                        </p:tgtEl>
+                                        <p:attrNameLst>
+                                          <p:attrName>ppt_x</p:attrName>
+                                          <p:attrName>ppt_y</p:attrName>
+                                        </p:attrNameLst>
+                                      </p:cBhvr>
+                                    </p:animMotion>
+                                  </p:childTnLst>
+                                </p:cTn>
+                              </p:par>
+                            </p:childTnLst>
+                          </p:cTn>
+                        </p:par>
+                        <p:par>
+                          <p:cTn id="15" fill="hold">
+                            <p:stCondLst>
+                              <p:cond delay="100000"/>
+                            </p:stCondLst>
+                            <p:childTnLst>
+                              <p:par>
+                                <p:cTn id="16" presetID="0" presetClass="path" presetSubtype="0" accel="50000" decel="50000" fill="hold" nodeType="afterEffect">
+                                  <p:stCondLst>
+                                    <p:cond delay="5000"/>
+                                  </p:stCondLst>
+                                  <p:childTnLst>
+                                    <p:animMotion origin="layout" path="M -0.23513 0.38839 L 0.24922 -0.38839" pathEditMode="relative" ptsTypes="AA">
+                                      <p:cBhvr>
+                                        <p:cTn id="17" dur="30000" fill="hold"/>
+                                        <p:tgtEl>
+                                          <p:spTgt spid="3"/>
+                                        </p:tgtEl>
+                                        <p:attrNameLst>
+                                          <p:attrName>ppt_x</p:attrName>
+                                          <p:attrName>ppt_y</p:attrName>
+                                        </p:attrNameLst>
+                                      </p:cBhvr>
+                                    </p:animMotion>
+                                  </p:childTnLst>
+                                </p:cTn>
+                              </p:par>
+                            </p:childTnLst>
+                          </p:cTn>
+                        </p:par>
+                        <p:par>
+                          <p:cTn id="18" fill="hold">
+                            <p:stCondLst>
+                              <p:cond delay="135000"/>
+                            </p:stCondLst>
+                            <p:childTnLst>
+                              <p:par>
+                                <p:cTn id="19" presetID="0" presetClass="path" presetSubtype="0" accel="50000" decel="50000" fill="hold" nodeType="afterEffect">
+                                  <p:stCondLst>
+                                    <p:cond delay="5000"/>
+                                  </p:stCondLst>
+                                  <p:childTnLst>
+                                    <p:animMotion origin="layout" path="M 0.24922 -0.38839 L -0.24922 -0.38839" pathEditMode="relative" ptsTypes="AA">
+                                      <p:cBhvr>
+                                        <p:cTn id="20" dur="30000" fill="hold"/>
+                                        <p:tgtEl>
+                                          <p:spTgt spid="3"/>
+                                        </p:tgtEl>
+                                        <p:attrNameLst>
+                                          <p:attrName>ppt_x</p:attrName>
+                                          <p:attrName>ppt_y</p:attrName>
+                                        </p:attrNameLst>
+                                      </p:cBhvr>
+                                    </p:animMotion>
+                                  </p:childTnLst>
+                                </p:cTn>
+                              </p:par>
+                            </p:childTnLst>
+                          </p:cTn>
+                        </p:par>
+                        <p:par>
+                          <p:cTn id="21" fill="hold">
+                            <p:stCondLst>
+                              <p:cond delay="170000"/>
+                            </p:stCondLst>
+                            <p:childTnLst>
+                              <p:par>
+                                <p:cTn id="22" presetID="0" presetClass="path" presetSubtype="0" accel="50000" decel="50000" fill="hold" nodeType="afterEffect">
+                                  <p:stCondLst>
+                                    <p:cond delay="5000"/>
+                                  </p:stCondLst>
+                                  <p:childTnLst>
+                                    <p:animMotion origin="layout" path="M -0.24922 -0.38839 L 0 0" pathEditMode="relative" ptsTypes="AA">
+                                      <p:cBhvr>
+                                        <p:cTn id="23" dur="30000" fill="hold"/>
+                                        <p:tgtEl>
+                                          <p:spTgt spid="3"/>
+                                        </p:tgtEl>
+                                        <p:attrNameLst>
+                                          <p:attrName>ppt_x</p:attrName>
+                                          <p:attrName>ppt_y</p:attrName>
+                                        </p:attrNameLst>
+                                      </p:cBhvr>
+                                    </p:animMotion>
+                                  </p:childTnLst>
+                                </p:cTn>
+                              </p:par>
+                              <p:par>
+                                <p:cTn id="24" presetID="6" presetClass="emph" presetSubtype="0" accel="50000" decel="50000" fill="hold" nodeType="withEffect">
+                                  <p:stCondLst>
+                                    <p:cond delay="5000"/>
+                                  </p:stCondLst>
+                                  <p:childTnLst>
+                                    <p:animScale>
+                                      <p:cBhvr>
+                                        <p:cTn id="25" dur="30000" fill="hold"/>
+                                        <p:tgtEl>
+                                          <p:spTgt spid="3"/>
+                                        </p:tgtEl>
+                                      </p:cBhvr>
+                                      <p:by x="150000" y="150000"/>
+                                      <p:to x="100000" y="100000"/>
+                                    </p:animScale>
+                                  </p:childTnLst>
+                                </p:cTn>
+                              </p:par>
+                            </p:childTnLst>
+                          </p:cTn>
+                        </p:par>
+                        <p:par>
+                          <p:cTn id="26" fill="hold">
+                            <p:stCondLst>
+                              <p:cond delay="205000"/>
+                            </p:stCondLst>
+                            <p:childTnLst>
+                              <p:par>
+                                <p:cTn id="27" presetID="0" presetClass="path" presetSubtype="0" accel="50000" decel="50000" fill="hold" nodeType="afterEffect">
+                                  <p:stCondLst>
+                                    <p:cond delay="0"/>
+                                  </p:stCondLst>
+                                  <p:childTnLst>
+                                    <p:animMotion origin="layout" path="M 0 0 L 0 0" pathEditMode="relative" ptsTypes="AA">
+                                      <p:cBhvr>
+                                        <p:cTn id="28" dur="5000" fill="hold"/>
+                                        <p:tgtEl>
+                                          <p:spTgt spid="3"/>
+                                        </p:tgtEl>
+                                        <p:attrNameLst>
+                                          <p:attrName>ppt_x</p:attrName>
+                                          <p:attrName>ppt_y</p:attrName>
+                                        </p:attrNameLst>
+                                      </p:cBhvr>
+                                    </p:animMotion>
+                                  </p:childTnLst>
+                                </p:cTn>
+                              </p:par>
+                            </p:childTnLst>
+                          </p:cTn>
+                        </p:par>
+                      </p:childTnLst>
+                    </p:cTn>
+                  </p:par>
+                </p:childTnLst>
+              </p:cTn>
+              <p:prevCondLst>
+                <p:cond evt="onPrev" delay="0">
+                  <p:tgtEl>
+                    <p:sldTgt/>
+                  </p:tgtEl>
+                </p:cond>
+              </p:prevCondLst>
+              <p:nextCondLst>
+                <p:cond evt="onNext" delay="0">
+                  <p:tgtEl>
+                    <p:sldTgt/>
+                  </p:tgtEl>
+                </p:cond>
+              </p:nextCondLst>
+            </p:seq>
+          </p:childTnLst>
+        </p:cTn>
+      </p:par>
+    </p:tnLst>
+  </p:timing>
 </p:sld>
 </file>
 
@@ -9843,641 +15306,657 @@
           <a:chExt cx="0" cy="0"/>
         </a:xfrm>
       </p:grpSpPr>
-      <p:sp>
-        <p:nvSpPr>
-          <p:cNvPr id="2" name="Title 1">
+      <p:pic>
+        <p:nvPicPr>
+          <p:cNvPr id="5" name="Picture 4" descr="A body of water with blue sky and clouds&#10;&#10;Description automatically generated with low confidence">
             <a:extLst>
               <a:ext uri="{FF2B5EF4-FFF2-40B4-BE49-F238E27FC236}">
-                <a16:creationId xmlns:a16="http://schemas.microsoft.com/office/drawing/2014/main" id="{2366A68F-15F1-85B1-99FA-1E55C24D5120}"/>
-              </a:ext>
-            </a:extLst>
-          </p:cNvPr>
-          <p:cNvSpPr>
-            <a:spLocks noGrp="1"/>
-          </p:cNvSpPr>
-          <p:nvPr>
-            <p:ph type="title"/>
-          </p:nvPr>
-        </p:nvSpPr>
-        <p:spPr/>
-        <p:txBody>
-          <a:bodyPr/>
-          <a:lstStyle/>
-          <a:p>
-            <a:endParaRPr lang="en-US"/>
-          </a:p>
-        </p:txBody>
-      </p:sp>
-      <p:pic>
-        <p:nvPicPr>
-          <p:cNvPr id="5" name="Content Placeholder 4" descr="A body of water with blue sky and clouds&#10;&#10;Description automatically generated with low confidence">
-            <a:extLst>
-              <a:ext uri="{FF2B5EF4-FFF2-40B4-BE49-F238E27FC236}">
-                <a16:creationId xmlns:a16="http://schemas.microsoft.com/office/drawing/2014/main" id="{47FB3BC2-9B81-1AE2-20B5-04E9A9133CAB}"/>
+                <a16:creationId xmlns:a16="http://schemas.microsoft.com/office/drawing/2014/main" id="{B651D4A6-EDD3-058C-2918-8CBD526D807D}"/>
               </a:ext>
             </a:extLst>
           </p:cNvPr>
           <p:cNvPicPr>
-            <a:picLocks noGrp="1" noChangeAspect="1"/>
+            <a:picLocks noChangeAspect="1"/>
           </p:cNvPicPr>
-          <p:nvPr>
-            <p:ph idx="1"/>
-          </p:nvPr>
+          <p:nvPr/>
+        </p:nvPicPr>
+        <p:blipFill>
+          <a:blip r:embed="rId3">
+            <a:alphaModFix amt="23000"/>
+          </a:blip>
+          <a:stretch>
+            <a:fillRect/>
+          </a:stretch>
+        </p:blipFill>
+        <p:spPr>
+          <a:xfrm>
+            <a:off x="-696686" y="7460963"/>
+            <a:ext cx="12117959" cy="6858000"/>
+          </a:xfrm>
+          <a:prstGeom prst="rect">
+            <a:avLst/>
+          </a:prstGeom>
+        </p:spPr>
+      </p:pic>
+      <p:pic>
+        <p:nvPicPr>
+          <p:cNvPr id="9" name="Picture 8" descr="Table&#10;&#10;Description automatically generated">
+            <a:extLst>
+              <a:ext uri="{FF2B5EF4-FFF2-40B4-BE49-F238E27FC236}">
+                <a16:creationId xmlns:a16="http://schemas.microsoft.com/office/drawing/2014/main" id="{AB3F0A9B-4FBA-C837-BBB5-B0245B525F93}"/>
+              </a:ext>
+            </a:extLst>
+          </p:cNvPr>
+          <p:cNvPicPr>
+            <a:picLocks noChangeAspect="1"/>
+          </p:cNvPicPr>
+          <p:nvPr/>
         </p:nvPicPr>
         <p:blipFill rotWithShape="1">
-          <a:blip r:embed="rId3"/>
-          <a:srcRect l="55000" t="55539"/>
+          <a:blip r:embed="rId4">
+            <a:extLst>
+              <a:ext uri="{28A0092B-C50C-407E-A947-70E740481C1C}">
+                <a14:useLocalDpi xmlns:a14="http://schemas.microsoft.com/office/drawing/2010/main" val="0"/>
+              </a:ext>
+            </a:extLst>
+          </a:blip>
+          <a:srcRect b="3868"/>
           <a:stretch/>
         </p:blipFill>
         <p:spPr>
           <a:xfrm>
-            <a:off x="-1" y="0"/>
-            <a:ext cx="12365151" cy="6858000"/>
-          </a:xfrm>
-        </p:spPr>
-      </p:pic>
-      <p:sp>
-        <p:nvSpPr>
-          <p:cNvPr id="6" name="TextBox 5">
-            <a:extLst>
-              <a:ext uri="{FF2B5EF4-FFF2-40B4-BE49-F238E27FC236}">
-                <a16:creationId xmlns:a16="http://schemas.microsoft.com/office/drawing/2014/main" id="{7EEBC945-BCD1-972E-F326-2AD0A0317191}"/>
-              </a:ext>
-            </a:extLst>
-          </p:cNvPr>
-          <p:cNvSpPr txBox="1"/>
-          <p:nvPr/>
-        </p:nvSpPr>
-        <p:spPr>
-          <a:xfrm>
-            <a:off x="4213412" y="0"/>
-            <a:ext cx="3747247" cy="769441"/>
+            <a:off x="2879956" y="-1"/>
+            <a:ext cx="6681401" cy="6857999"/>
           </a:xfrm>
           <a:prstGeom prst="rect">
             <a:avLst/>
           </a:prstGeom>
-          <a:noFill/>
         </p:spPr>
-        <p:txBody>
-          <a:bodyPr wrap="square" rtlCol="0">
-            <a:spAutoFit/>
-          </a:bodyPr>
-          <a:lstStyle/>
-          <a:p>
-            <a:pPr algn="ctr"/>
-            <a:r>
-              <a:rPr lang="en-US" sz="4400" dirty="0">
-                <a:solidFill>
-                  <a:schemeClr val="bg1"/>
-                </a:solidFill>
-              </a:rPr>
-              <a:t>References</a:t>
-            </a:r>
-          </a:p>
-        </p:txBody>
-      </p:sp>
-      <p:sp>
-        <p:nvSpPr>
-          <p:cNvPr id="8" name="TextBox 7">
+      </p:pic>
+      <p:pic>
+        <p:nvPicPr>
+          <p:cNvPr id="10" name="Picture 9" descr="A body of water with blue sky and clouds&#10;&#10;Description automatically generated with low confidence">
             <a:extLst>
               <a:ext uri="{FF2B5EF4-FFF2-40B4-BE49-F238E27FC236}">
-                <a16:creationId xmlns:a16="http://schemas.microsoft.com/office/drawing/2014/main" id="{5DD0ECD5-C2BC-F2CE-F521-5BC364B065CD}"/>
+                <a16:creationId xmlns:a16="http://schemas.microsoft.com/office/drawing/2014/main" id="{BA724782-6F8B-A4ED-3400-87B67BBA8BDF}"/>
               </a:ext>
             </a:extLst>
           </p:cNvPr>
-          <p:cNvSpPr txBox="1"/>
+          <p:cNvPicPr>
+            <a:picLocks noChangeAspect="1"/>
+          </p:cNvPicPr>
           <p:nvPr/>
-        </p:nvSpPr>
+        </p:nvPicPr>
+        <p:blipFill>
+          <a:blip r:embed="rId3">
+            <a:alphaModFix amt="23000"/>
+          </a:blip>
+          <a:stretch>
+            <a:fillRect/>
+          </a:stretch>
+        </p:blipFill>
         <p:spPr>
           <a:xfrm>
-            <a:off x="0" y="1025912"/>
-            <a:ext cx="12355551" cy="7017306"/>
+            <a:off x="0" y="0"/>
+            <a:ext cx="12192000" cy="6858000"/>
           </a:xfrm>
           <a:prstGeom prst="rect">
             <a:avLst/>
           </a:prstGeom>
-          <a:noFill/>
         </p:spPr>
-        <p:txBody>
-          <a:bodyPr wrap="square" rtlCol="0">
-            <a:spAutoFit/>
-          </a:bodyPr>
-          <a:lstStyle/>
-          <a:p>
-            <a:pPr marL="342900" indent="-342900">
-              <a:buFont typeface="+mj-lt"/>
-              <a:buAutoNum type="arabicPeriod"/>
-            </a:pPr>
-            <a:r>
-              <a:rPr lang="en-US" sz="2000" dirty="0">
-                <a:solidFill>
-                  <a:schemeClr val="bg1"/>
-                </a:solidFill>
-                <a:effectLst/>
-              </a:rPr>
-              <a:t>Helmenstine, Anne Marie. “Why Is the Ocean Blue? Here's How It Works.” </a:t>
-            </a:r>
-            <a:r>
-              <a:rPr lang="en-US" sz="2000" i="1" dirty="0">
-                <a:solidFill>
-                  <a:schemeClr val="bg1"/>
-                </a:solidFill>
-                <a:effectLst/>
-              </a:rPr>
-              <a:t>ThoughtCo</a:t>
-            </a:r>
-            <a:r>
-              <a:rPr lang="en-US" sz="2000" dirty="0">
-                <a:solidFill>
-                  <a:schemeClr val="bg1"/>
-                </a:solidFill>
-                <a:effectLst/>
-              </a:rPr>
-              <a:t>, ThoughtCo, 11 July 2022, https://</a:t>
-            </a:r>
-            <a:r>
-              <a:rPr lang="en-US" sz="2000" dirty="0" err="1">
-                <a:solidFill>
-                  <a:schemeClr val="bg1"/>
-                </a:solidFill>
-                <a:effectLst/>
-              </a:rPr>
-              <a:t>www.thoughtco.com</a:t>
-            </a:r>
-            <a:r>
-              <a:rPr lang="en-US" sz="2000" dirty="0">
-                <a:solidFill>
-                  <a:schemeClr val="bg1"/>
-                </a:solidFill>
-                <a:effectLst/>
-              </a:rPr>
-              <a:t>/why-is-the-ocean-blue-609420. </a:t>
-            </a:r>
-          </a:p>
-          <a:p>
-            <a:pPr marL="342900" indent="-342900">
-              <a:buFont typeface="+mj-lt"/>
-              <a:buAutoNum type="arabicPeriod"/>
-            </a:pPr>
-            <a:endParaRPr lang="en-US" sz="2000" dirty="0">
-              <a:solidFill>
-                <a:schemeClr val="bg1"/>
-              </a:solidFill>
-              <a:effectLst/>
-            </a:endParaRPr>
-          </a:p>
-          <a:p>
-            <a:pPr marL="342900" indent="-342900">
-              <a:buFont typeface="+mj-lt"/>
-              <a:buAutoNum type="arabicPeriod"/>
-            </a:pPr>
-            <a:r>
-              <a:rPr lang="en-US" sz="2000" dirty="0">
-                <a:solidFill>
-                  <a:schemeClr val="bg1"/>
-                </a:solidFill>
-                <a:effectLst/>
-              </a:rPr>
-              <a:t>McCarty, Scott, and Joe </a:t>
-            </a:r>
-            <a:r>
-              <a:rPr lang="en-US" sz="2000" dirty="0" err="1">
-                <a:solidFill>
-                  <a:schemeClr val="bg1"/>
-                </a:solidFill>
-                <a:effectLst/>
-              </a:rPr>
-              <a:t>Brockmeier</a:t>
-            </a:r>
-            <a:r>
-              <a:rPr lang="en-US" sz="2000" dirty="0">
-                <a:solidFill>
-                  <a:schemeClr val="bg1"/>
-                </a:solidFill>
-                <a:effectLst/>
-              </a:rPr>
-              <a:t>. “A Practical Introduction to Docker Containers.” </a:t>
-            </a:r>
-            <a:r>
-              <a:rPr lang="en-US" sz="2000" i="1" dirty="0">
-                <a:solidFill>
-                  <a:schemeClr val="bg1"/>
-                </a:solidFill>
-                <a:effectLst/>
-              </a:rPr>
-              <a:t>Red Hat Developer</a:t>
-            </a:r>
-            <a:r>
-              <a:rPr lang="en-US" sz="2000" dirty="0">
-                <a:solidFill>
-                  <a:schemeClr val="bg1"/>
-                </a:solidFill>
-                <a:effectLst/>
-              </a:rPr>
-              <a:t>, Red Hat Developer Community, 7 Mar. 2023, </a:t>
-            </a:r>
-            <a:r>
-              <a:rPr lang="en-US" sz="2000" dirty="0">
-                <a:solidFill>
-                  <a:schemeClr val="bg1"/>
-                </a:solidFill>
-                <a:effectLst/>
-                <a:hlinkClick r:id="rId4">
-                  <a:extLst>
-                    <a:ext uri="{A12FA001-AC4F-418D-AE19-62706E023703}">
-                      <ahyp:hlinkClr xmlns:ahyp="http://schemas.microsoft.com/office/drawing/2018/hyperlinkcolor" val="tx"/>
-                    </a:ext>
-                  </a:extLst>
-                </a:hlinkClick>
-              </a:rPr>
-              <a:t>https://developers.redhat.com/blog/2014/05/15/practical-introduction-to-docker-containers</a:t>
-            </a:r>
-            <a:r>
-              <a:rPr lang="en-US" sz="2000" dirty="0">
-                <a:solidFill>
-                  <a:schemeClr val="bg1"/>
-                </a:solidFill>
-                <a:effectLst/>
-              </a:rPr>
-              <a:t>.</a:t>
-            </a:r>
-          </a:p>
-          <a:p>
-            <a:pPr marL="342900" indent="-342900">
-              <a:buFont typeface="+mj-lt"/>
-              <a:buAutoNum type="arabicPeriod"/>
-            </a:pPr>
-            <a:endParaRPr lang="en-US" sz="2000" dirty="0">
-              <a:solidFill>
-                <a:schemeClr val="bg1"/>
-              </a:solidFill>
-              <a:effectLst/>
-            </a:endParaRPr>
-          </a:p>
-          <a:p>
-            <a:pPr marL="342900" indent="-342900">
-              <a:buFont typeface="+mj-lt"/>
-              <a:buAutoNum type="arabicPeriod"/>
-            </a:pPr>
-            <a:r>
-              <a:rPr lang="en-US" sz="2000" dirty="0">
-                <a:solidFill>
-                  <a:schemeClr val="bg1"/>
-                </a:solidFill>
-                <a:effectLst/>
-              </a:rPr>
-              <a:t>Mathai, </a:t>
-            </a:r>
-            <a:r>
-              <a:rPr lang="en-US" sz="2000" dirty="0" err="1">
-                <a:solidFill>
-                  <a:schemeClr val="bg1"/>
-                </a:solidFill>
-                <a:effectLst/>
-              </a:rPr>
-              <a:t>Claireice</a:t>
-            </a:r>
-            <a:r>
-              <a:rPr lang="en-US" sz="2000" dirty="0">
-                <a:solidFill>
-                  <a:schemeClr val="bg1"/>
-                </a:solidFill>
-                <a:effectLst/>
-              </a:rPr>
-              <a:t>. “How to Dual Boot Windows 11 and Linux.” </a:t>
-            </a:r>
-            <a:r>
-              <a:rPr lang="en-US" sz="2000" i="1" dirty="0" err="1">
-                <a:solidFill>
-                  <a:schemeClr val="bg1"/>
-                </a:solidFill>
-                <a:effectLst/>
-              </a:rPr>
-              <a:t>OnLogic</a:t>
-            </a:r>
-            <a:r>
-              <a:rPr lang="en-US" sz="2000" i="1" dirty="0">
-                <a:solidFill>
-                  <a:schemeClr val="bg1"/>
-                </a:solidFill>
-                <a:effectLst/>
-              </a:rPr>
-              <a:t> Blog</a:t>
-            </a:r>
-            <a:r>
-              <a:rPr lang="en-US" sz="2000" dirty="0">
-                <a:solidFill>
-                  <a:schemeClr val="bg1"/>
-                </a:solidFill>
-                <a:effectLst/>
-              </a:rPr>
-              <a:t>, </a:t>
-            </a:r>
-            <a:r>
-              <a:rPr lang="en-US" sz="2000" dirty="0" err="1">
-                <a:solidFill>
-                  <a:schemeClr val="bg1"/>
-                </a:solidFill>
-                <a:effectLst/>
-              </a:rPr>
-              <a:t>OnLogic</a:t>
-            </a:r>
-            <a:r>
-              <a:rPr lang="en-US" sz="2000" dirty="0">
-                <a:solidFill>
-                  <a:schemeClr val="bg1"/>
-                </a:solidFill>
-                <a:effectLst/>
-              </a:rPr>
-              <a:t>, 15 Feb. 2023, https://</a:t>
-            </a:r>
-            <a:r>
-              <a:rPr lang="en-US" sz="2000" dirty="0" err="1">
-                <a:solidFill>
-                  <a:schemeClr val="bg1"/>
-                </a:solidFill>
-                <a:effectLst/>
-              </a:rPr>
-              <a:t>www.onlogic.com</a:t>
-            </a:r>
-            <a:r>
-              <a:rPr lang="en-US" sz="2000" dirty="0">
-                <a:solidFill>
-                  <a:schemeClr val="bg1"/>
-                </a:solidFill>
-                <a:effectLst/>
-              </a:rPr>
-              <a:t>/company/io-hub/how-to-dual-boot-windows-11-and-linux/. </a:t>
-            </a:r>
-          </a:p>
-          <a:p>
-            <a:pPr marL="342900" indent="-342900">
-              <a:buFont typeface="+mj-lt"/>
-              <a:buAutoNum type="arabicPeriod"/>
-            </a:pPr>
-            <a:endParaRPr lang="en-US" sz="2000" dirty="0">
-              <a:solidFill>
-                <a:schemeClr val="bg1"/>
-              </a:solidFill>
-              <a:effectLst/>
-            </a:endParaRPr>
-          </a:p>
-          <a:p>
-            <a:pPr marL="342900" indent="-342900">
-              <a:buFont typeface="+mj-lt"/>
-              <a:buAutoNum type="arabicPeriod"/>
-            </a:pPr>
-            <a:r>
-              <a:rPr lang="en-US" sz="2000" dirty="0">
-                <a:solidFill>
-                  <a:schemeClr val="bg1"/>
-                </a:solidFill>
-                <a:effectLst/>
-              </a:rPr>
-              <a:t> Dwyer, Susanne. “Are You Still on Target to Meet Your Goal?” </a:t>
-            </a:r>
-            <a:r>
-              <a:rPr lang="en-US" sz="2000" i="1" dirty="0" err="1">
-                <a:solidFill>
-                  <a:schemeClr val="bg1"/>
-                </a:solidFill>
-                <a:effectLst/>
-              </a:rPr>
-              <a:t>RISMedia</a:t>
-            </a:r>
-            <a:r>
-              <a:rPr lang="en-US" sz="2000" dirty="0">
-                <a:solidFill>
-                  <a:schemeClr val="bg1"/>
-                </a:solidFill>
-                <a:effectLst/>
-              </a:rPr>
-              <a:t>, </a:t>
-            </a:r>
-            <a:r>
-              <a:rPr lang="en-US" sz="2000" dirty="0" err="1">
-                <a:solidFill>
-                  <a:schemeClr val="bg1"/>
-                </a:solidFill>
-                <a:effectLst/>
-              </a:rPr>
-              <a:t>RISMedia</a:t>
-            </a:r>
-            <a:r>
-              <a:rPr lang="en-US" sz="2000" dirty="0">
-                <a:solidFill>
-                  <a:schemeClr val="bg1"/>
-                </a:solidFill>
-                <a:effectLst/>
-              </a:rPr>
-              <a:t>, 13 June 2019, https://</a:t>
-            </a:r>
-            <a:r>
-              <a:rPr lang="en-US" sz="2000" dirty="0" err="1">
-                <a:solidFill>
-                  <a:schemeClr val="bg1"/>
-                </a:solidFill>
-                <a:effectLst/>
-              </a:rPr>
-              <a:t>www.rismedia.com</a:t>
-            </a:r>
-            <a:r>
-              <a:rPr lang="en-US" sz="2000" dirty="0">
-                <a:solidFill>
-                  <a:schemeClr val="bg1"/>
-                </a:solidFill>
-                <a:effectLst/>
-              </a:rPr>
-              <a:t>/2019/06/13/target-goal/. </a:t>
-            </a:r>
-          </a:p>
-          <a:p>
-            <a:pPr marL="342900" indent="-342900">
-              <a:buFont typeface="+mj-lt"/>
-              <a:buAutoNum type="arabicPeriod"/>
-            </a:pPr>
-            <a:endParaRPr lang="en-US" sz="2000" dirty="0">
-              <a:solidFill>
-                <a:schemeClr val="bg1"/>
-              </a:solidFill>
-              <a:effectLst/>
-            </a:endParaRPr>
-          </a:p>
-          <a:p>
-            <a:pPr marL="342900" indent="-342900">
-              <a:buFont typeface="+mj-lt"/>
-              <a:buAutoNum type="arabicPeriod"/>
-            </a:pPr>
-            <a:r>
-              <a:rPr lang="en-US" sz="2000" dirty="0">
-                <a:solidFill>
-                  <a:schemeClr val="bg1"/>
-                </a:solidFill>
-                <a:effectLst/>
-              </a:rPr>
-              <a:t>Lean East. “Setting Objectives: Measure What Matters.” </a:t>
-            </a:r>
-            <a:r>
-              <a:rPr lang="en-US" sz="2000" i="1" dirty="0">
-                <a:solidFill>
-                  <a:schemeClr val="bg1"/>
-                </a:solidFill>
-                <a:effectLst/>
-              </a:rPr>
-              <a:t>Lean East</a:t>
-            </a:r>
-            <a:r>
-              <a:rPr lang="en-US" sz="2000" dirty="0">
-                <a:solidFill>
-                  <a:schemeClr val="bg1"/>
-                </a:solidFill>
-                <a:effectLst/>
-              </a:rPr>
-              <a:t>, Lean East, 25 Mar. 2022, https://</a:t>
-            </a:r>
-            <a:r>
-              <a:rPr lang="en-US" sz="2000" dirty="0" err="1">
-                <a:solidFill>
-                  <a:schemeClr val="bg1"/>
-                </a:solidFill>
-                <a:effectLst/>
-              </a:rPr>
-              <a:t>www.leaneast.com</a:t>
-            </a:r>
-            <a:r>
-              <a:rPr lang="en-US" sz="2000" dirty="0">
-                <a:solidFill>
-                  <a:schemeClr val="bg1"/>
-                </a:solidFill>
-                <a:effectLst/>
-              </a:rPr>
-              <a:t>/setting-objectives. </a:t>
-            </a:r>
-          </a:p>
-          <a:p>
-            <a:pPr marL="342900" indent="-342900">
-              <a:buFont typeface="+mj-lt"/>
-              <a:buAutoNum type="arabicPeriod"/>
-            </a:pPr>
-            <a:endParaRPr lang="en-US" sz="2000" dirty="0">
-              <a:solidFill>
-                <a:schemeClr val="bg1"/>
-              </a:solidFill>
-              <a:effectLst/>
-            </a:endParaRPr>
-          </a:p>
-          <a:p>
-            <a:pPr marL="342900" indent="-342900">
-              <a:buFont typeface="+mj-lt"/>
-              <a:buAutoNum type="arabicPeriod"/>
-            </a:pPr>
-            <a:r>
-              <a:rPr lang="en-US" sz="2000" dirty="0">
-                <a:solidFill>
-                  <a:schemeClr val="bg1"/>
-                </a:solidFill>
-                <a:effectLst/>
-              </a:rPr>
-              <a:t>Asana, Team. “How to Set &amp; Track Stretch Goals to Inspire Your Team [2023] [2022] • Asana.” </a:t>
-            </a:r>
-            <a:r>
-              <a:rPr lang="en-US" sz="2000" i="1" dirty="0">
-                <a:solidFill>
-                  <a:schemeClr val="bg1"/>
-                </a:solidFill>
-                <a:effectLst/>
-              </a:rPr>
-              <a:t>Asana</a:t>
-            </a:r>
-            <a:r>
-              <a:rPr lang="en-US" sz="2000" dirty="0">
-                <a:solidFill>
-                  <a:schemeClr val="bg1"/>
-                </a:solidFill>
-                <a:effectLst/>
-              </a:rPr>
-              <a:t>, Asana, 19 Nov. 2022, https://</a:t>
-            </a:r>
-            <a:r>
-              <a:rPr lang="en-US" sz="2000" dirty="0" err="1">
-                <a:solidFill>
-                  <a:schemeClr val="bg1"/>
-                </a:solidFill>
-                <a:effectLst/>
-              </a:rPr>
-              <a:t>asana.com</a:t>
-            </a:r>
-            <a:r>
-              <a:rPr lang="en-US" sz="2000" dirty="0">
-                <a:solidFill>
-                  <a:schemeClr val="bg1"/>
-                </a:solidFill>
-                <a:effectLst/>
-              </a:rPr>
-              <a:t>/resources/stretch-goals. </a:t>
-            </a:r>
-          </a:p>
-          <a:p>
-            <a:pPr marL="342900" indent="-342900">
-              <a:buFont typeface="+mj-lt"/>
-              <a:buAutoNum type="arabicPeriod"/>
-            </a:pPr>
-            <a:endParaRPr lang="en-US" dirty="0">
-              <a:effectLst/>
-            </a:endParaRPr>
-          </a:p>
-          <a:p>
-            <a:pPr marL="342900" indent="-342900">
-              <a:buFont typeface="+mj-lt"/>
-              <a:buAutoNum type="arabicPeriod"/>
-            </a:pPr>
-            <a:endParaRPr lang="en-US" dirty="0">
-              <a:effectLst/>
-            </a:endParaRPr>
-          </a:p>
-          <a:p>
-            <a:pPr marL="342900" indent="-342900">
-              <a:buFont typeface="+mj-lt"/>
-              <a:buAutoNum type="arabicPeriod"/>
-            </a:pPr>
-            <a:endParaRPr lang="en-US" dirty="0">
-              <a:solidFill>
-                <a:schemeClr val="bg1"/>
-              </a:solidFill>
-              <a:effectLst/>
-            </a:endParaRPr>
-          </a:p>
-          <a:p>
-            <a:pPr marL="342900" indent="-342900">
-              <a:buFont typeface="+mj-lt"/>
-              <a:buAutoNum type="arabicPeriod"/>
-            </a:pPr>
-            <a:endParaRPr lang="en-US" dirty="0">
-              <a:solidFill>
-                <a:schemeClr val="bg1"/>
-              </a:solidFill>
-              <a:effectLst/>
-            </a:endParaRPr>
-          </a:p>
-          <a:p>
-            <a:pPr marL="342900" indent="-342900">
-              <a:buFont typeface="+mj-lt"/>
-              <a:buAutoNum type="arabicPeriod"/>
-            </a:pPr>
-            <a:endParaRPr lang="en-US" dirty="0"/>
-          </a:p>
-        </p:txBody>
-      </p:sp>
+      </p:pic>
     </p:spTree>
     <p:extLst>
       <p:ext uri="{BB962C8B-B14F-4D97-AF65-F5344CB8AC3E}">
-        <p14:creationId xmlns:p14="http://schemas.microsoft.com/office/powerpoint/2010/main" val="2619542427"/>
+        <p14:creationId xmlns:p14="http://schemas.microsoft.com/office/powerpoint/2010/main" val="1309585533"/>
       </p:ext>
     </p:extLst>
   </p:cSld>
   <p:clrMapOvr>
     <a:masterClrMapping/>
   </p:clrMapOvr>
+  <p:timing>
+    <p:tnLst>
+      <p:par>
+        <p:cTn id="1" dur="indefinite" restart="never" nodeType="tmRoot">
+          <p:childTnLst>
+            <p:seq concurrent="1" nextAc="seek">
+              <p:cTn id="2" dur="indefinite" nodeType="mainSeq">
+                <p:childTnLst>
+                  <p:par>
+                    <p:cTn id="3" fill="hold">
+                      <p:stCondLst>
+                        <p:cond delay="indefinite"/>
+                      </p:stCondLst>
+                      <p:childTnLst>
+                        <p:par>
+                          <p:cTn id="4" fill="hold">
+                            <p:stCondLst>
+                              <p:cond delay="0"/>
+                            </p:stCondLst>
+                            <p:childTnLst>
+                              <p:par>
+                                <p:cTn id="5" presetID="0" presetClass="path" presetSubtype="0" accel="50000" decel="50000" fill="hold" nodeType="clickEffect">
+                                  <p:stCondLst>
+                                    <p:cond delay="0"/>
+                                  </p:stCondLst>
+                                  <p:childTnLst>
+                                    <p:animMotion origin="layout" path="M 0 0 L -0.24922 -0.33656" pathEditMode="relative" ptsTypes="AA">
+                                      <p:cBhvr>
+                                        <p:cTn id="6" dur="30000" fill="hold"/>
+                                        <p:tgtEl>
+                                          <p:spTgt spid="5"/>
+                                        </p:tgtEl>
+                                        <p:attrNameLst>
+                                          <p:attrName>ppt_x</p:attrName>
+                                          <p:attrName>ppt_y</p:attrName>
+                                        </p:attrNameLst>
+                                      </p:cBhvr>
+                                    </p:animMotion>
+                                  </p:childTnLst>
+                                </p:cTn>
+                              </p:par>
+                              <p:par>
+                                <p:cTn id="7" presetID="6" presetClass="emph" presetSubtype="0" accel="50000" decel="50000" fill="hold" nodeType="withEffect">
+                                  <p:stCondLst>
+                                    <p:cond delay="0"/>
+                                  </p:stCondLst>
+                                  <p:childTnLst>
+                                    <p:animScale>
+                                      <p:cBhvr>
+                                        <p:cTn id="8" dur="30000" fill="hold"/>
+                                        <p:tgtEl>
+                                          <p:spTgt spid="5"/>
+                                        </p:tgtEl>
+                                      </p:cBhvr>
+                                      <p:by x="150000" y="150000"/>
+                                    </p:animScale>
+                                  </p:childTnLst>
+                                </p:cTn>
+                              </p:par>
+                            </p:childTnLst>
+                          </p:cTn>
+                        </p:par>
+                        <p:par>
+                          <p:cTn id="9" fill="hold">
+                            <p:stCondLst>
+                              <p:cond delay="30000"/>
+                            </p:stCondLst>
+                            <p:childTnLst>
+                              <p:par>
+                                <p:cTn id="10" presetID="0" presetClass="path" presetSubtype="0" accel="50000" decel="50000" fill="hold" nodeType="afterEffect">
+                                  <p:stCondLst>
+                                    <p:cond delay="5000"/>
+                                  </p:stCondLst>
+                                  <p:childTnLst>
+                                    <p:animMotion origin="layout" path="M -0.24922 -0.33656 L 0.24922 0.38839" pathEditMode="relative" ptsTypes="AA">
+                                      <p:cBhvr>
+                                        <p:cTn id="11" dur="30000" fill="hold"/>
+                                        <p:tgtEl>
+                                          <p:spTgt spid="5"/>
+                                        </p:tgtEl>
+                                        <p:attrNameLst>
+                                          <p:attrName>ppt_x</p:attrName>
+                                          <p:attrName>ppt_y</p:attrName>
+                                        </p:attrNameLst>
+                                      </p:cBhvr>
+                                    </p:animMotion>
+                                  </p:childTnLst>
+                                </p:cTn>
+                              </p:par>
+                            </p:childTnLst>
+                          </p:cTn>
+                        </p:par>
+                        <p:par>
+                          <p:cTn id="12" fill="hold">
+                            <p:stCondLst>
+                              <p:cond delay="65000"/>
+                            </p:stCondLst>
+                            <p:childTnLst>
+                              <p:par>
+                                <p:cTn id="13" presetID="0" presetClass="path" presetSubtype="0" accel="50000" decel="50000" fill="hold" nodeType="afterEffect">
+                                  <p:stCondLst>
+                                    <p:cond delay="5000"/>
+                                  </p:stCondLst>
+                                  <p:childTnLst>
+                                    <p:animMotion origin="layout" path="M 0.24922 0.38839 L -0.23513 0.38839" pathEditMode="relative" ptsTypes="AA">
+                                      <p:cBhvr>
+                                        <p:cTn id="14" dur="30000" fill="hold"/>
+                                        <p:tgtEl>
+                                          <p:spTgt spid="5"/>
+                                        </p:tgtEl>
+                                        <p:attrNameLst>
+                                          <p:attrName>ppt_x</p:attrName>
+                                          <p:attrName>ppt_y</p:attrName>
+                                        </p:attrNameLst>
+                                      </p:cBhvr>
+                                    </p:animMotion>
+                                  </p:childTnLst>
+                                </p:cTn>
+                              </p:par>
+                            </p:childTnLst>
+                          </p:cTn>
+                        </p:par>
+                        <p:par>
+                          <p:cTn id="15" fill="hold">
+                            <p:stCondLst>
+                              <p:cond delay="100000"/>
+                            </p:stCondLst>
+                            <p:childTnLst>
+                              <p:par>
+                                <p:cTn id="16" presetID="0" presetClass="path" presetSubtype="0" accel="50000" decel="50000" fill="hold" nodeType="afterEffect">
+                                  <p:stCondLst>
+                                    <p:cond delay="5000"/>
+                                  </p:stCondLst>
+                                  <p:childTnLst>
+                                    <p:animMotion origin="layout" path="M -0.23513 0.38839 L 0.24922 -0.38839" pathEditMode="relative" ptsTypes="AA">
+                                      <p:cBhvr>
+                                        <p:cTn id="17" dur="30000" fill="hold"/>
+                                        <p:tgtEl>
+                                          <p:spTgt spid="5"/>
+                                        </p:tgtEl>
+                                        <p:attrNameLst>
+                                          <p:attrName>ppt_x</p:attrName>
+                                          <p:attrName>ppt_y</p:attrName>
+                                        </p:attrNameLst>
+                                      </p:cBhvr>
+                                    </p:animMotion>
+                                  </p:childTnLst>
+                                </p:cTn>
+                              </p:par>
+                            </p:childTnLst>
+                          </p:cTn>
+                        </p:par>
+                        <p:par>
+                          <p:cTn id="18" fill="hold">
+                            <p:stCondLst>
+                              <p:cond delay="135000"/>
+                            </p:stCondLst>
+                            <p:childTnLst>
+                              <p:par>
+                                <p:cTn id="19" presetID="0" presetClass="path" presetSubtype="0" accel="50000" decel="50000" fill="hold" nodeType="afterEffect">
+                                  <p:stCondLst>
+                                    <p:cond delay="5000"/>
+                                  </p:stCondLst>
+                                  <p:childTnLst>
+                                    <p:animMotion origin="layout" path="M 0.24922 -0.38839 L -0.24922 -0.38839" pathEditMode="relative" ptsTypes="AA">
+                                      <p:cBhvr>
+                                        <p:cTn id="20" dur="30000" fill="hold"/>
+                                        <p:tgtEl>
+                                          <p:spTgt spid="5"/>
+                                        </p:tgtEl>
+                                        <p:attrNameLst>
+                                          <p:attrName>ppt_x</p:attrName>
+                                          <p:attrName>ppt_y</p:attrName>
+                                        </p:attrNameLst>
+                                      </p:cBhvr>
+                                    </p:animMotion>
+                                  </p:childTnLst>
+                                </p:cTn>
+                              </p:par>
+                            </p:childTnLst>
+                          </p:cTn>
+                        </p:par>
+                        <p:par>
+                          <p:cTn id="21" fill="hold">
+                            <p:stCondLst>
+                              <p:cond delay="170000"/>
+                            </p:stCondLst>
+                            <p:childTnLst>
+                              <p:par>
+                                <p:cTn id="22" presetID="0" presetClass="path" presetSubtype="0" accel="50000" decel="50000" fill="hold" nodeType="afterEffect">
+                                  <p:stCondLst>
+                                    <p:cond delay="5000"/>
+                                  </p:stCondLst>
+                                  <p:childTnLst>
+                                    <p:animMotion origin="layout" path="M -0.24922 -0.38839 L 0 0" pathEditMode="relative" ptsTypes="AA">
+                                      <p:cBhvr>
+                                        <p:cTn id="23" dur="30000" fill="hold"/>
+                                        <p:tgtEl>
+                                          <p:spTgt spid="5"/>
+                                        </p:tgtEl>
+                                        <p:attrNameLst>
+                                          <p:attrName>ppt_x</p:attrName>
+                                          <p:attrName>ppt_y</p:attrName>
+                                        </p:attrNameLst>
+                                      </p:cBhvr>
+                                    </p:animMotion>
+                                  </p:childTnLst>
+                                </p:cTn>
+                              </p:par>
+                              <p:par>
+                                <p:cTn id="24" presetID="6" presetClass="emph" presetSubtype="0" accel="50000" decel="50000" fill="hold" nodeType="withEffect">
+                                  <p:stCondLst>
+                                    <p:cond delay="5000"/>
+                                  </p:stCondLst>
+                                  <p:childTnLst>
+                                    <p:animScale>
+                                      <p:cBhvr>
+                                        <p:cTn id="25" dur="30000" fill="hold"/>
+                                        <p:tgtEl>
+                                          <p:spTgt spid="5"/>
+                                        </p:tgtEl>
+                                      </p:cBhvr>
+                                      <p:by x="150000" y="150000"/>
+                                      <p:to x="100000" y="100000"/>
+                                    </p:animScale>
+                                  </p:childTnLst>
+                                </p:cTn>
+                              </p:par>
+                            </p:childTnLst>
+                          </p:cTn>
+                        </p:par>
+                        <p:par>
+                          <p:cTn id="26" fill="hold">
+                            <p:stCondLst>
+                              <p:cond delay="205000"/>
+                            </p:stCondLst>
+                            <p:childTnLst>
+                              <p:par>
+                                <p:cTn id="27" presetID="0" presetClass="path" presetSubtype="0" accel="50000" decel="50000" fill="hold" nodeType="afterEffect">
+                                  <p:stCondLst>
+                                    <p:cond delay="0"/>
+                                  </p:stCondLst>
+                                  <p:childTnLst>
+                                    <p:animMotion origin="layout" path="M 0 0 L 0 0" pathEditMode="relative" ptsTypes="AA">
+                                      <p:cBhvr>
+                                        <p:cTn id="28" dur="5000" fill="hold"/>
+                                        <p:tgtEl>
+                                          <p:spTgt spid="5"/>
+                                        </p:tgtEl>
+                                        <p:attrNameLst>
+                                          <p:attrName>ppt_x</p:attrName>
+                                          <p:attrName>ppt_y</p:attrName>
+                                        </p:attrNameLst>
+                                      </p:cBhvr>
+                                    </p:animMotion>
+                                  </p:childTnLst>
+                                </p:cTn>
+                              </p:par>
+                            </p:childTnLst>
+                          </p:cTn>
+                        </p:par>
+                      </p:childTnLst>
+                    </p:cTn>
+                  </p:par>
+                  <p:par>
+                    <p:cTn id="29" fill="hold">
+                      <p:stCondLst>
+                        <p:cond delay="indefinite"/>
+                      </p:stCondLst>
+                      <p:childTnLst>
+                        <p:par>
+                          <p:cTn id="30" fill="hold">
+                            <p:stCondLst>
+                              <p:cond delay="0"/>
+                            </p:stCondLst>
+                            <p:childTnLst>
+                              <p:par>
+                                <p:cTn id="31" presetID="0" presetClass="path" presetSubtype="0" accel="50000" decel="50000" fill="hold" nodeType="clickEffect">
+                                  <p:stCondLst>
+                                    <p:cond delay="0"/>
+                                  </p:stCondLst>
+                                  <p:childTnLst>
+                                    <p:animMotion origin="layout" path="M 0 0 L -0.24922 -0.33656" pathEditMode="relative" ptsTypes="AA">
+                                      <p:cBhvr>
+                                        <p:cTn id="32" dur="30000" fill="hold"/>
+                                        <p:tgtEl>
+                                          <p:spTgt spid="10"/>
+                                        </p:tgtEl>
+                                        <p:attrNameLst>
+                                          <p:attrName>ppt_x</p:attrName>
+                                          <p:attrName>ppt_y</p:attrName>
+                                        </p:attrNameLst>
+                                      </p:cBhvr>
+                                    </p:animMotion>
+                                  </p:childTnLst>
+                                </p:cTn>
+                              </p:par>
+                              <p:par>
+                                <p:cTn id="33" presetID="6" presetClass="emph" presetSubtype="0" accel="50000" decel="50000" fill="hold" nodeType="withEffect">
+                                  <p:stCondLst>
+                                    <p:cond delay="0"/>
+                                  </p:stCondLst>
+                                  <p:childTnLst>
+                                    <p:animScale>
+                                      <p:cBhvr>
+                                        <p:cTn id="34" dur="30000" fill="hold"/>
+                                        <p:tgtEl>
+                                          <p:spTgt spid="10"/>
+                                        </p:tgtEl>
+                                      </p:cBhvr>
+                                      <p:by x="150000" y="150000"/>
+                                    </p:animScale>
+                                  </p:childTnLst>
+                                </p:cTn>
+                              </p:par>
+                            </p:childTnLst>
+                          </p:cTn>
+                        </p:par>
+                        <p:par>
+                          <p:cTn id="35" fill="hold">
+                            <p:stCondLst>
+                              <p:cond delay="30000"/>
+                            </p:stCondLst>
+                            <p:childTnLst>
+                              <p:par>
+                                <p:cTn id="36" presetID="0" presetClass="path" presetSubtype="0" accel="50000" decel="50000" fill="hold" nodeType="afterEffect">
+                                  <p:stCondLst>
+                                    <p:cond delay="5000"/>
+                                  </p:stCondLst>
+                                  <p:childTnLst>
+                                    <p:animMotion origin="layout" path="M -0.24922 -0.33656 L 0.24922 0.38839" pathEditMode="relative" ptsTypes="AA">
+                                      <p:cBhvr>
+                                        <p:cTn id="37" dur="30000" fill="hold"/>
+                                        <p:tgtEl>
+                                          <p:spTgt spid="10"/>
+                                        </p:tgtEl>
+                                        <p:attrNameLst>
+                                          <p:attrName>ppt_x</p:attrName>
+                                          <p:attrName>ppt_y</p:attrName>
+                                        </p:attrNameLst>
+                                      </p:cBhvr>
+                                    </p:animMotion>
+                                  </p:childTnLst>
+                                </p:cTn>
+                              </p:par>
+                            </p:childTnLst>
+                          </p:cTn>
+                        </p:par>
+                        <p:par>
+                          <p:cTn id="38" fill="hold">
+                            <p:stCondLst>
+                              <p:cond delay="65000"/>
+                            </p:stCondLst>
+                            <p:childTnLst>
+                              <p:par>
+                                <p:cTn id="39" presetID="0" presetClass="path" presetSubtype="0" accel="50000" decel="50000" fill="hold" nodeType="afterEffect">
+                                  <p:stCondLst>
+                                    <p:cond delay="5000"/>
+                                  </p:stCondLst>
+                                  <p:childTnLst>
+                                    <p:animMotion origin="layout" path="M 0.24922 0.38839 L -0.23513 0.38839" pathEditMode="relative" ptsTypes="AA">
+                                      <p:cBhvr>
+                                        <p:cTn id="40" dur="30000" fill="hold"/>
+                                        <p:tgtEl>
+                                          <p:spTgt spid="10"/>
+                                        </p:tgtEl>
+                                        <p:attrNameLst>
+                                          <p:attrName>ppt_x</p:attrName>
+                                          <p:attrName>ppt_y</p:attrName>
+                                        </p:attrNameLst>
+                                      </p:cBhvr>
+                                    </p:animMotion>
+                                  </p:childTnLst>
+                                </p:cTn>
+                              </p:par>
+                            </p:childTnLst>
+                          </p:cTn>
+                        </p:par>
+                        <p:par>
+                          <p:cTn id="41" fill="hold">
+                            <p:stCondLst>
+                              <p:cond delay="100000"/>
+                            </p:stCondLst>
+                            <p:childTnLst>
+                              <p:par>
+                                <p:cTn id="42" presetID="0" presetClass="path" presetSubtype="0" accel="50000" decel="50000" fill="hold" nodeType="afterEffect">
+                                  <p:stCondLst>
+                                    <p:cond delay="5000"/>
+                                  </p:stCondLst>
+                                  <p:childTnLst>
+                                    <p:animMotion origin="layout" path="M -0.23513 0.38839 L 0.24922 -0.38839" pathEditMode="relative" ptsTypes="AA">
+                                      <p:cBhvr>
+                                        <p:cTn id="43" dur="30000" fill="hold"/>
+                                        <p:tgtEl>
+                                          <p:spTgt spid="10"/>
+                                        </p:tgtEl>
+                                        <p:attrNameLst>
+                                          <p:attrName>ppt_x</p:attrName>
+                                          <p:attrName>ppt_y</p:attrName>
+                                        </p:attrNameLst>
+                                      </p:cBhvr>
+                                    </p:animMotion>
+                                  </p:childTnLst>
+                                </p:cTn>
+                              </p:par>
+                            </p:childTnLst>
+                          </p:cTn>
+                        </p:par>
+                        <p:par>
+                          <p:cTn id="44" fill="hold">
+                            <p:stCondLst>
+                              <p:cond delay="135000"/>
+                            </p:stCondLst>
+                            <p:childTnLst>
+                              <p:par>
+                                <p:cTn id="45" presetID="0" presetClass="path" presetSubtype="0" accel="50000" decel="50000" fill="hold" nodeType="afterEffect">
+                                  <p:stCondLst>
+                                    <p:cond delay="5000"/>
+                                  </p:stCondLst>
+                                  <p:childTnLst>
+                                    <p:animMotion origin="layout" path="M 0.24922 -0.38839 L -0.24922 -0.38839" pathEditMode="relative" ptsTypes="AA">
+                                      <p:cBhvr>
+                                        <p:cTn id="46" dur="30000" fill="hold"/>
+                                        <p:tgtEl>
+                                          <p:spTgt spid="10"/>
+                                        </p:tgtEl>
+                                        <p:attrNameLst>
+                                          <p:attrName>ppt_x</p:attrName>
+                                          <p:attrName>ppt_y</p:attrName>
+                                        </p:attrNameLst>
+                                      </p:cBhvr>
+                                    </p:animMotion>
+                                  </p:childTnLst>
+                                </p:cTn>
+                              </p:par>
+                            </p:childTnLst>
+                          </p:cTn>
+                        </p:par>
+                        <p:par>
+                          <p:cTn id="47" fill="hold">
+                            <p:stCondLst>
+                              <p:cond delay="170000"/>
+                            </p:stCondLst>
+                            <p:childTnLst>
+                              <p:par>
+                                <p:cTn id="48" presetID="0" presetClass="path" presetSubtype="0" accel="50000" decel="50000" fill="hold" nodeType="afterEffect">
+                                  <p:stCondLst>
+                                    <p:cond delay="5000"/>
+                                  </p:stCondLst>
+                                  <p:childTnLst>
+                                    <p:animMotion origin="layout" path="M -0.24922 -0.38839 L 0 0" pathEditMode="relative" ptsTypes="AA">
+                                      <p:cBhvr>
+                                        <p:cTn id="49" dur="30000" fill="hold"/>
+                                        <p:tgtEl>
+                                          <p:spTgt spid="10"/>
+                                        </p:tgtEl>
+                                        <p:attrNameLst>
+                                          <p:attrName>ppt_x</p:attrName>
+                                          <p:attrName>ppt_y</p:attrName>
+                                        </p:attrNameLst>
+                                      </p:cBhvr>
+                                    </p:animMotion>
+                                  </p:childTnLst>
+                                </p:cTn>
+                              </p:par>
+                              <p:par>
+                                <p:cTn id="50" presetID="6" presetClass="emph" presetSubtype="0" accel="50000" decel="50000" fill="hold" nodeType="withEffect">
+                                  <p:stCondLst>
+                                    <p:cond delay="5000"/>
+                                  </p:stCondLst>
+                                  <p:childTnLst>
+                                    <p:animScale>
+                                      <p:cBhvr>
+                                        <p:cTn id="51" dur="30000" fill="hold"/>
+                                        <p:tgtEl>
+                                          <p:spTgt spid="10"/>
+                                        </p:tgtEl>
+                                      </p:cBhvr>
+                                      <p:by x="150000" y="150000"/>
+                                      <p:to x="100000" y="100000"/>
+                                    </p:animScale>
+                                  </p:childTnLst>
+                                </p:cTn>
+                              </p:par>
+                            </p:childTnLst>
+                          </p:cTn>
+                        </p:par>
+                        <p:par>
+                          <p:cTn id="52" fill="hold">
+                            <p:stCondLst>
+                              <p:cond delay="205000"/>
+                            </p:stCondLst>
+                            <p:childTnLst>
+                              <p:par>
+                                <p:cTn id="53" presetID="0" presetClass="path" presetSubtype="0" accel="50000" decel="50000" fill="hold" nodeType="afterEffect">
+                                  <p:stCondLst>
+                                    <p:cond delay="0"/>
+                                  </p:stCondLst>
+                                  <p:childTnLst>
+                                    <p:animMotion origin="layout" path="M 0 0 L 0 0" pathEditMode="relative" ptsTypes="AA">
+                                      <p:cBhvr>
+                                        <p:cTn id="54" dur="5000" fill="hold"/>
+                                        <p:tgtEl>
+                                          <p:spTgt spid="10"/>
+                                        </p:tgtEl>
+                                        <p:attrNameLst>
+                                          <p:attrName>ppt_x</p:attrName>
+                                          <p:attrName>ppt_y</p:attrName>
+                                        </p:attrNameLst>
+                                      </p:cBhvr>
+                                    </p:animMotion>
+                                  </p:childTnLst>
+                                </p:cTn>
+                              </p:par>
+                            </p:childTnLst>
+                          </p:cTn>
+                        </p:par>
+                      </p:childTnLst>
+                    </p:cTn>
+                  </p:par>
+                </p:childTnLst>
+              </p:cTn>
+              <p:prevCondLst>
+                <p:cond evt="onPrev" delay="0">
+                  <p:tgtEl>
+                    <p:sldTgt/>
+                  </p:tgtEl>
+                </p:cond>
+              </p:prevCondLst>
+              <p:nextCondLst>
+                <p:cond evt="onNext" delay="0">
+                  <p:tgtEl>
+                    <p:sldTgt/>
+                  </p:tgtEl>
+                </p:cond>
+              </p:nextCondLst>
+            </p:seq>
+          </p:childTnLst>
+        </p:cTn>
+      </p:par>
+    </p:tnLst>
+  </p:timing>
 </p:sld>
 </file>
 

--- a/deliverables/project_overview.pptx
+++ b/deliverables/project_overview.pptx
@@ -3957,7 +3957,7 @@
           <a:p>
             <a:fld id="{6083C2AA-89AA-DF40-8BFB-8E8D91B9A26D}" type="datetimeFigureOut">
               <a:rPr lang="en-US" smtClean="0"/>
-              <a:t>5/3/23</a:t>
+              <a:t>5/16/23</a:t>
             </a:fld>
             <a:endParaRPr lang="en-US"/>
           </a:p>
@@ -6565,7 +6565,7 @@
           <a:p>
             <a:fld id="{9722764F-F819-594B-BA02-9CAF06EE9DE7}" type="datetimeFigureOut">
               <a:rPr lang="en-US" smtClean="0"/>
-              <a:t>5/3/23</a:t>
+              <a:t>5/16/23</a:t>
             </a:fld>
             <a:endParaRPr lang="en-US"/>
           </a:p>
@@ -6763,7 +6763,7 @@
           <a:p>
             <a:fld id="{9722764F-F819-594B-BA02-9CAF06EE9DE7}" type="datetimeFigureOut">
               <a:rPr lang="en-US" smtClean="0"/>
-              <a:t>5/3/23</a:t>
+              <a:t>5/16/23</a:t>
             </a:fld>
             <a:endParaRPr lang="en-US"/>
           </a:p>
@@ -6971,7 +6971,7 @@
           <a:p>
             <a:fld id="{9722764F-F819-594B-BA02-9CAF06EE9DE7}" type="datetimeFigureOut">
               <a:rPr lang="en-US" smtClean="0"/>
-              <a:t>5/3/23</a:t>
+              <a:t>5/16/23</a:t>
             </a:fld>
             <a:endParaRPr lang="en-US"/>
           </a:p>
@@ -7169,7 +7169,7 @@
           <a:p>
             <a:fld id="{9722764F-F819-594B-BA02-9CAF06EE9DE7}" type="datetimeFigureOut">
               <a:rPr lang="en-US" smtClean="0"/>
-              <a:t>5/3/23</a:t>
+              <a:t>5/16/23</a:t>
             </a:fld>
             <a:endParaRPr lang="en-US"/>
           </a:p>
@@ -7444,7 +7444,7 @@
           <a:p>
             <a:fld id="{9722764F-F819-594B-BA02-9CAF06EE9DE7}" type="datetimeFigureOut">
               <a:rPr lang="en-US" smtClean="0"/>
-              <a:t>5/3/23</a:t>
+              <a:t>5/16/23</a:t>
             </a:fld>
             <a:endParaRPr lang="en-US"/>
           </a:p>
@@ -7709,7 +7709,7 @@
           <a:p>
             <a:fld id="{9722764F-F819-594B-BA02-9CAF06EE9DE7}" type="datetimeFigureOut">
               <a:rPr lang="en-US" smtClean="0"/>
-              <a:t>5/3/23</a:t>
+              <a:t>5/16/23</a:t>
             </a:fld>
             <a:endParaRPr lang="en-US"/>
           </a:p>
@@ -8121,7 +8121,7 @@
           <a:p>
             <a:fld id="{9722764F-F819-594B-BA02-9CAF06EE9DE7}" type="datetimeFigureOut">
               <a:rPr lang="en-US" smtClean="0"/>
-              <a:t>5/3/23</a:t>
+              <a:t>5/16/23</a:t>
             </a:fld>
             <a:endParaRPr lang="en-US"/>
           </a:p>
@@ -8262,7 +8262,7 @@
           <a:p>
             <a:fld id="{9722764F-F819-594B-BA02-9CAF06EE9DE7}" type="datetimeFigureOut">
               <a:rPr lang="en-US" smtClean="0"/>
-              <a:t>5/3/23</a:t>
+              <a:t>5/16/23</a:t>
             </a:fld>
             <a:endParaRPr lang="en-US"/>
           </a:p>
@@ -8375,7 +8375,7 @@
           <a:p>
             <a:fld id="{9722764F-F819-594B-BA02-9CAF06EE9DE7}" type="datetimeFigureOut">
               <a:rPr lang="en-US" smtClean="0"/>
-              <a:t>5/3/23</a:t>
+              <a:t>5/16/23</a:t>
             </a:fld>
             <a:endParaRPr lang="en-US"/>
           </a:p>
@@ -8686,7 +8686,7 @@
           <a:p>
             <a:fld id="{9722764F-F819-594B-BA02-9CAF06EE9DE7}" type="datetimeFigureOut">
               <a:rPr lang="en-US" smtClean="0"/>
-              <a:t>5/3/23</a:t>
+              <a:t>5/16/23</a:t>
             </a:fld>
             <a:endParaRPr lang="en-US"/>
           </a:p>
@@ -8974,7 +8974,7 @@
           <a:p>
             <a:fld id="{9722764F-F819-594B-BA02-9CAF06EE9DE7}" type="datetimeFigureOut">
               <a:rPr lang="en-US" smtClean="0"/>
-              <a:t>5/3/23</a:t>
+              <a:t>5/16/23</a:t>
             </a:fld>
             <a:endParaRPr lang="en-US"/>
           </a:p>
@@ -9215,7 +9215,7 @@
           <a:p>
             <a:fld id="{9722764F-F819-594B-BA02-9CAF06EE9DE7}" type="datetimeFigureOut">
               <a:rPr lang="en-US" smtClean="0"/>
-              <a:t>5/3/23</a:t>
+              <a:t>5/16/23</a:t>
             </a:fld>
             <a:endParaRPr lang="en-US"/>
           </a:p>
@@ -9721,7 +9721,7 @@
         </p:blipFill>
         <p:spPr>
           <a:xfrm>
-            <a:off x="8528" y="10"/>
+            <a:off x="8528" y="9949"/>
             <a:ext cx="12191999" cy="6857990"/>
           </a:xfrm>
           <a:prstGeom prst="rect">
@@ -9929,11 +9929,11 @@
   <p:clrMapOvr>
     <a:masterClrMapping/>
   </p:clrMapOvr>
-  <mc:AlternateContent xmlns:mc="http://schemas.openxmlformats.org/markup-compatibility/2006">
-    <mc:Choice xmlns:p14="http://schemas.microsoft.com/office/powerpoint/2010/main" Requires="p14">
+  <mc:AlternateContent xmlns:mc="http://schemas.openxmlformats.org/markup-compatibility/2006" xmlns:p14="http://schemas.microsoft.com/office/powerpoint/2010/main">
+    <mc:Choice Requires="p14">
       <p:transition spd="slow" p14:dur="2000" advTm="4133"/>
     </mc:Choice>
-    <mc:Fallback>
+    <mc:Fallback xmlns="">
       <p:transition spd="slow" advTm="4133"/>
     </mc:Fallback>
   </mc:AlternateContent>
@@ -13185,7 +13185,7 @@
         </p:blipFill>
         <p:spPr>
           <a:xfrm>
-            <a:off x="-95272" y="0"/>
+            <a:off x="-95272" y="44970"/>
             <a:ext cx="12287272" cy="6858000"/>
           </a:xfrm>
           <a:prstGeom prst="rect">
